--- a/PREZENTACIA/ANTIVÍRUS.pptx
+++ b/PREZENTACIA/ANTIVÍRUS.pptx
@@ -113,7 +113,837 @@
       </a:defRPr>
     </a:lvl9pPr>
   </p:defaultTextStyle>
+  <p:extLst>
+    <p:ext uri="{EFAFB233-063F-42B5-8137-9DF3F51BA10A}">
+      <p15:sldGuideLst xmlns:p15="http://schemas.microsoft.com/office/powerpoint/2012/main"/>
+    </p:ext>
+  </p:extLst>
 </p:presentation>
+</file>
+
+<file path=ppt/charts/chart1.xml><?xml version="1.0" encoding="utf-8"?>
+<c:chartSpace xmlns:c="http://schemas.openxmlformats.org/drawingml/2006/chart" xmlns:a="http://schemas.openxmlformats.org/drawingml/2006/main" xmlns:r="http://schemas.openxmlformats.org/officeDocument/2006/relationships" xmlns:c16r2="http://schemas.microsoft.com/office/drawing/2015/06/chart">
+  <c:date1904 val="0"/>
+  <c:lang val="sk-SK"/>
+  <c:roundedCorners val="0"/>
+  <mc:AlternateContent xmlns:mc="http://schemas.openxmlformats.org/markup-compatibility/2006">
+    <mc:Choice xmlns:c14="http://schemas.microsoft.com/office/drawing/2007/8/2/chart" Requires="c14">
+      <c14:style val="101"/>
+    </mc:Choice>
+    <mc:Fallback>
+      <c:style val="1"/>
+    </mc:Fallback>
+  </mc:AlternateContent>
+  <c:chart>
+    <c:title>
+      <c:overlay val="0"/>
+      <c:spPr>
+        <a:noFill/>
+        <a:ln>
+          <a:noFill/>
+        </a:ln>
+        <a:effectLst/>
+      </c:spPr>
+      <c:txPr>
+        <a:bodyPr rot="0" spcFirstLastPara="1" vertOverflow="ellipsis" vert="horz" wrap="square" anchor="ctr" anchorCtr="1"/>
+        <a:lstStyle/>
+        <a:p>
+          <a:pPr>
+            <a:defRPr sz="1400" b="0" i="0" u="none" strike="noStrike" kern="1200" spc="0" baseline="0">
+              <a:solidFill>
+                <a:schemeClr val="tx1">
+                  <a:lumMod val="65000"/>
+                  <a:lumOff val="35000"/>
+                </a:schemeClr>
+              </a:solidFill>
+              <a:latin typeface="+mn-lt"/>
+              <a:ea typeface="+mn-ea"/>
+              <a:cs typeface="+mn-cs"/>
+            </a:defRPr>
+          </a:pPr>
+          <a:endParaRPr lang="sk-SK"/>
+        </a:p>
+      </c:txPr>
+    </c:title>
+    <c:autoTitleDeleted val="0"/>
+    <c:plotArea>
+      <c:layout/>
+      <c:barChart>
+        <c:barDir val="col"/>
+        <c:grouping val="clustered"/>
+        <c:varyColors val="0"/>
+        <c:ser>
+          <c:idx val="0"/>
+          <c:order val="0"/>
+          <c:tx>
+            <c:strRef>
+              <c:f>Hárok1!$E$2</c:f>
+              <c:strCache>
+                <c:ptCount val="1"/>
+                <c:pt idx="0">
+                  <c:v>Graf závislosti od roku a útokov ransomwaru na organizácie a firmy</c:v>
+                </c:pt>
+              </c:strCache>
+            </c:strRef>
+          </c:tx>
+          <c:spPr>
+            <a:solidFill>
+              <a:schemeClr val="dk1">
+                <a:tint val="88000"/>
+              </a:schemeClr>
+            </a:solidFill>
+            <a:ln>
+              <a:noFill/>
+            </a:ln>
+            <a:effectLst/>
+          </c:spPr>
+          <c:invertIfNegative val="0"/>
+          <c:cat>
+            <c:numRef>
+              <c:f>Hárok1!$D$3:$D$8</c:f>
+              <c:numCache>
+                <c:formatCode>General</c:formatCode>
+                <c:ptCount val="6"/>
+                <c:pt idx="0">
+                  <c:v>2018</c:v>
+                </c:pt>
+                <c:pt idx="1">
+                  <c:v>2019</c:v>
+                </c:pt>
+                <c:pt idx="2">
+                  <c:v>2020</c:v>
+                </c:pt>
+                <c:pt idx="3">
+                  <c:v>2021</c:v>
+                </c:pt>
+                <c:pt idx="4">
+                  <c:v>2022</c:v>
+                </c:pt>
+                <c:pt idx="5">
+                  <c:v>2023</c:v>
+                </c:pt>
+              </c:numCache>
+            </c:numRef>
+          </c:cat>
+          <c:val>
+            <c:numRef>
+              <c:f>Hárok1!$E$3:$E$8</c:f>
+              <c:numCache>
+                <c:formatCode>0.00%</c:formatCode>
+                <c:ptCount val="6"/>
+                <c:pt idx="0">
+                  <c:v>0.55100000000000005</c:v>
+                </c:pt>
+                <c:pt idx="1">
+                  <c:v>0.56100000000000005</c:v>
+                </c:pt>
+                <c:pt idx="2">
+                  <c:v>0.624</c:v>
+                </c:pt>
+                <c:pt idx="3">
+                  <c:v>0.68500000000000005</c:v>
+                </c:pt>
+                <c:pt idx="4" formatCode="0%">
+                  <c:v>0.71</c:v>
+                </c:pt>
+                <c:pt idx="5">
+                  <c:v>0.72699999999999998</c:v>
+                </c:pt>
+              </c:numCache>
+            </c:numRef>
+          </c:val>
+          <c:extLst>
+            <c:ext xmlns:c16="http://schemas.microsoft.com/office/drawing/2014/chart" uri="{C3380CC4-5D6E-409C-BE32-E72D297353CC}">
+              <c16:uniqueId val="{00000000-E0EA-4CE5-B1A3-60EAAAADC7BD}"/>
+            </c:ext>
+          </c:extLst>
+        </c:ser>
+        <c:dLbls>
+          <c:showLegendKey val="0"/>
+          <c:showVal val="0"/>
+          <c:showCatName val="0"/>
+          <c:showSerName val="0"/>
+          <c:showPercent val="0"/>
+          <c:showBubbleSize val="0"/>
+        </c:dLbls>
+        <c:gapWidth val="219"/>
+        <c:overlap val="-27"/>
+        <c:axId val="1235553855"/>
+        <c:axId val="1235556735"/>
+      </c:barChart>
+      <c:catAx>
+        <c:axId val="1235553855"/>
+        <c:scaling>
+          <c:orientation val="minMax"/>
+        </c:scaling>
+        <c:delete val="0"/>
+        <c:axPos val="b"/>
+        <c:numFmt formatCode="General" sourceLinked="1"/>
+        <c:majorTickMark val="none"/>
+        <c:minorTickMark val="none"/>
+        <c:tickLblPos val="nextTo"/>
+        <c:spPr>
+          <a:noFill/>
+          <a:ln w="9525" cap="flat" cmpd="sng" algn="ctr">
+            <a:solidFill>
+              <a:schemeClr val="tx1">
+                <a:lumMod val="15000"/>
+                <a:lumOff val="85000"/>
+              </a:schemeClr>
+            </a:solidFill>
+            <a:round/>
+          </a:ln>
+          <a:effectLst/>
+        </c:spPr>
+        <c:txPr>
+          <a:bodyPr rot="-60000000" spcFirstLastPara="1" vertOverflow="ellipsis" vert="horz" wrap="square" anchor="ctr" anchorCtr="1"/>
+          <a:lstStyle/>
+          <a:p>
+            <a:pPr>
+              <a:defRPr sz="900" b="0" i="0" u="none" strike="noStrike" kern="1200" baseline="0">
+                <a:solidFill>
+                  <a:schemeClr val="tx1">
+                    <a:lumMod val="65000"/>
+                    <a:lumOff val="35000"/>
+                  </a:schemeClr>
+                </a:solidFill>
+                <a:latin typeface="+mn-lt"/>
+                <a:ea typeface="+mn-ea"/>
+                <a:cs typeface="+mn-cs"/>
+              </a:defRPr>
+            </a:pPr>
+            <a:endParaRPr lang="sk-SK"/>
+          </a:p>
+        </c:txPr>
+        <c:crossAx val="1235556735"/>
+        <c:crosses val="autoZero"/>
+        <c:auto val="1"/>
+        <c:lblAlgn val="ctr"/>
+        <c:lblOffset val="100"/>
+        <c:noMultiLvlLbl val="0"/>
+      </c:catAx>
+      <c:valAx>
+        <c:axId val="1235556735"/>
+        <c:scaling>
+          <c:orientation val="minMax"/>
+        </c:scaling>
+        <c:delete val="0"/>
+        <c:axPos val="l"/>
+        <c:majorGridlines>
+          <c:spPr>
+            <a:ln w="9525" cap="flat" cmpd="sng" algn="ctr">
+              <a:solidFill>
+                <a:schemeClr val="tx1">
+                  <a:lumMod val="15000"/>
+                  <a:lumOff val="85000"/>
+                </a:schemeClr>
+              </a:solidFill>
+              <a:round/>
+            </a:ln>
+            <a:effectLst/>
+          </c:spPr>
+        </c:majorGridlines>
+        <c:numFmt formatCode="0.00%" sourceLinked="1"/>
+        <c:majorTickMark val="none"/>
+        <c:minorTickMark val="none"/>
+        <c:tickLblPos val="nextTo"/>
+        <c:spPr>
+          <a:noFill/>
+          <a:ln>
+            <a:noFill/>
+          </a:ln>
+          <a:effectLst/>
+        </c:spPr>
+        <c:txPr>
+          <a:bodyPr rot="-60000000" spcFirstLastPara="1" vertOverflow="ellipsis" vert="horz" wrap="square" anchor="ctr" anchorCtr="1"/>
+          <a:lstStyle/>
+          <a:p>
+            <a:pPr>
+              <a:defRPr sz="900" b="0" i="0" u="none" strike="noStrike" kern="1200" baseline="0">
+                <a:solidFill>
+                  <a:schemeClr val="tx1">
+                    <a:lumMod val="65000"/>
+                    <a:lumOff val="35000"/>
+                  </a:schemeClr>
+                </a:solidFill>
+                <a:latin typeface="+mn-lt"/>
+                <a:ea typeface="+mn-ea"/>
+                <a:cs typeface="+mn-cs"/>
+              </a:defRPr>
+            </a:pPr>
+            <a:endParaRPr lang="sk-SK"/>
+          </a:p>
+        </c:txPr>
+        <c:crossAx val="1235553855"/>
+        <c:crosses val="autoZero"/>
+        <c:crossBetween val="between"/>
+      </c:valAx>
+      <c:spPr>
+        <a:noFill/>
+        <a:ln>
+          <a:noFill/>
+        </a:ln>
+        <a:effectLst/>
+      </c:spPr>
+    </c:plotArea>
+    <c:plotVisOnly val="1"/>
+    <c:dispBlanksAs val="gap"/>
+    <c:extLst>
+      <c:ext xmlns:c16r3="http://schemas.microsoft.com/office/drawing/2017/03/chart" uri="{56B9EC1D-385E-4148-901F-78D8002777C0}">
+        <c16r3:dataDisplayOptions16>
+          <c16r3:dispNaAsBlank val="1"/>
+        </c16r3:dataDisplayOptions16>
+      </c:ext>
+    </c:extLst>
+    <c:showDLblsOverMax val="0"/>
+  </c:chart>
+  <c:spPr>
+    <a:noFill/>
+    <a:ln>
+      <a:noFill/>
+    </a:ln>
+    <a:effectLst/>
+  </c:spPr>
+  <c:txPr>
+    <a:bodyPr/>
+    <a:lstStyle/>
+    <a:p>
+      <a:pPr>
+        <a:defRPr/>
+      </a:pPr>
+      <a:endParaRPr lang="sk-SK"/>
+    </a:p>
+  </c:txPr>
+  <c:externalData r:id="rId3">
+    <c:autoUpdate val="0"/>
+  </c:externalData>
+</c:chartSpace>
+</file>
+
+<file path=ppt/charts/colors1.xml><?xml version="1.0" encoding="utf-8"?>
+<cs:colorStyle xmlns:cs="http://schemas.microsoft.com/office/drawing/2012/chartStyle" xmlns:a="http://schemas.openxmlformats.org/drawingml/2006/main" meth="acrossLinear" id="1">
+  <a:schemeClr val="dk1">
+    <a:tint val="88000"/>
+  </a:schemeClr>
+  <a:schemeClr val="dk1">
+    <a:tint val="55000"/>
+  </a:schemeClr>
+  <a:schemeClr val="dk1">
+    <a:tint val="78000"/>
+  </a:schemeClr>
+  <a:schemeClr val="dk1">
+    <a:tint val="92000"/>
+  </a:schemeClr>
+  <a:schemeClr val="dk1">
+    <a:tint val="70000"/>
+  </a:schemeClr>
+  <a:schemeClr val="dk1">
+    <a:tint val="30000"/>
+  </a:schemeClr>
+</cs:colorStyle>
+</file>
+
+<file path=ppt/charts/style1.xml><?xml version="1.0" encoding="utf-8"?>
+<cs:chartStyle xmlns:cs="http://schemas.microsoft.com/office/drawing/2012/chartStyle" xmlns:a="http://schemas.openxmlformats.org/drawingml/2006/main" id="201">
+  <cs:axisTitle>
+    <cs:lnRef idx="0"/>
+    <cs:fillRef idx="0"/>
+    <cs:effectRef idx="0"/>
+    <cs:fontRef idx="minor">
+      <a:schemeClr val="tx1">
+        <a:lumMod val="65000"/>
+        <a:lumOff val="35000"/>
+      </a:schemeClr>
+    </cs:fontRef>
+    <cs:defRPr sz="1000" kern="1200"/>
+  </cs:axisTitle>
+  <cs:categoryAxis>
+    <cs:lnRef idx="0"/>
+    <cs:fillRef idx="0"/>
+    <cs:effectRef idx="0"/>
+    <cs:fontRef idx="minor">
+      <a:schemeClr val="tx1">
+        <a:lumMod val="65000"/>
+        <a:lumOff val="35000"/>
+      </a:schemeClr>
+    </cs:fontRef>
+    <cs:spPr>
+      <a:ln w="9525" cap="flat" cmpd="sng" algn="ctr">
+        <a:solidFill>
+          <a:schemeClr val="tx1">
+            <a:lumMod val="15000"/>
+            <a:lumOff val="85000"/>
+          </a:schemeClr>
+        </a:solidFill>
+        <a:round/>
+      </a:ln>
+    </cs:spPr>
+    <cs:defRPr sz="900" kern="1200"/>
+  </cs:categoryAxis>
+  <cs:chartArea mods="allowNoFillOverride allowNoLineOverride">
+    <cs:lnRef idx="0"/>
+    <cs:fillRef idx="0"/>
+    <cs:effectRef idx="0"/>
+    <cs:fontRef idx="minor">
+      <a:schemeClr val="tx1"/>
+    </cs:fontRef>
+    <cs:spPr>
+      <a:solidFill>
+        <a:schemeClr val="bg1"/>
+      </a:solidFill>
+      <a:ln w="9525" cap="flat" cmpd="sng" algn="ctr">
+        <a:solidFill>
+          <a:schemeClr val="tx1">
+            <a:lumMod val="15000"/>
+            <a:lumOff val="85000"/>
+          </a:schemeClr>
+        </a:solidFill>
+        <a:round/>
+      </a:ln>
+    </cs:spPr>
+    <cs:defRPr sz="1000" kern="1200"/>
+  </cs:chartArea>
+  <cs:dataLabel>
+    <cs:lnRef idx="0"/>
+    <cs:fillRef idx="0"/>
+    <cs:effectRef idx="0"/>
+    <cs:fontRef idx="minor">
+      <a:schemeClr val="tx1">
+        <a:lumMod val="75000"/>
+        <a:lumOff val="25000"/>
+      </a:schemeClr>
+    </cs:fontRef>
+    <cs:defRPr sz="900" kern="1200"/>
+  </cs:dataLabel>
+  <cs:dataLabelCallout>
+    <cs:lnRef idx="0"/>
+    <cs:fillRef idx="0"/>
+    <cs:effectRef idx="0"/>
+    <cs:fontRef idx="minor">
+      <a:schemeClr val="dk1">
+        <a:lumMod val="65000"/>
+        <a:lumOff val="35000"/>
+      </a:schemeClr>
+    </cs:fontRef>
+    <cs:spPr>
+      <a:solidFill>
+        <a:schemeClr val="lt1"/>
+      </a:solidFill>
+      <a:ln>
+        <a:solidFill>
+          <a:schemeClr val="dk1">
+            <a:lumMod val="25000"/>
+            <a:lumOff val="75000"/>
+          </a:schemeClr>
+        </a:solidFill>
+      </a:ln>
+    </cs:spPr>
+    <cs:defRPr sz="900" kern="1200"/>
+    <cs:bodyPr rot="0" spcFirstLastPara="1" vertOverflow="clip" horzOverflow="clip" vert="horz" wrap="square" lIns="36576" tIns="18288" rIns="36576" bIns="18288" anchor="ctr" anchorCtr="1">
+      <a:spAutoFit/>
+    </cs:bodyPr>
+  </cs:dataLabelCallout>
+  <cs:dataPoint>
+    <cs:lnRef idx="0"/>
+    <cs:fillRef idx="1">
+      <cs:styleClr val="auto"/>
+    </cs:fillRef>
+    <cs:effectRef idx="0"/>
+    <cs:fontRef idx="minor">
+      <a:schemeClr val="tx1"/>
+    </cs:fontRef>
+  </cs:dataPoint>
+  <cs:dataPoint3D>
+    <cs:lnRef idx="0"/>
+    <cs:fillRef idx="1">
+      <cs:styleClr val="auto"/>
+    </cs:fillRef>
+    <cs:effectRef idx="0"/>
+    <cs:fontRef idx="minor">
+      <a:schemeClr val="tx1"/>
+    </cs:fontRef>
+  </cs:dataPoint3D>
+  <cs:dataPointLine>
+    <cs:lnRef idx="0">
+      <cs:styleClr val="auto"/>
+    </cs:lnRef>
+    <cs:fillRef idx="1"/>
+    <cs:effectRef idx="0"/>
+    <cs:fontRef idx="minor">
+      <a:schemeClr val="tx1"/>
+    </cs:fontRef>
+    <cs:spPr>
+      <a:ln w="28575" cap="rnd">
+        <a:solidFill>
+          <a:schemeClr val="phClr"/>
+        </a:solidFill>
+        <a:round/>
+      </a:ln>
+    </cs:spPr>
+  </cs:dataPointLine>
+  <cs:dataPointMarker>
+    <cs:lnRef idx="0">
+      <cs:styleClr val="auto"/>
+    </cs:lnRef>
+    <cs:fillRef idx="1">
+      <cs:styleClr val="auto"/>
+    </cs:fillRef>
+    <cs:effectRef idx="0"/>
+    <cs:fontRef idx="minor">
+      <a:schemeClr val="tx1"/>
+    </cs:fontRef>
+    <cs:spPr>
+      <a:ln w="9525">
+        <a:solidFill>
+          <a:schemeClr val="phClr"/>
+        </a:solidFill>
+      </a:ln>
+    </cs:spPr>
+  </cs:dataPointMarker>
+  <cs:dataPointMarkerLayout symbol="circle" size="5"/>
+  <cs:dataPointWireframe>
+    <cs:lnRef idx="0">
+      <cs:styleClr val="auto"/>
+    </cs:lnRef>
+    <cs:fillRef idx="1"/>
+    <cs:effectRef idx="0"/>
+    <cs:fontRef idx="minor">
+      <a:schemeClr val="tx1"/>
+    </cs:fontRef>
+    <cs:spPr>
+      <a:ln w="9525" cap="rnd">
+        <a:solidFill>
+          <a:schemeClr val="phClr"/>
+        </a:solidFill>
+        <a:round/>
+      </a:ln>
+    </cs:spPr>
+  </cs:dataPointWireframe>
+  <cs:dataTable>
+    <cs:lnRef idx="0"/>
+    <cs:fillRef idx="0"/>
+    <cs:effectRef idx="0"/>
+    <cs:fontRef idx="minor">
+      <a:schemeClr val="tx1">
+        <a:lumMod val="65000"/>
+        <a:lumOff val="35000"/>
+      </a:schemeClr>
+    </cs:fontRef>
+    <cs:spPr>
+      <a:noFill/>
+      <a:ln w="9525" cap="flat" cmpd="sng" algn="ctr">
+        <a:solidFill>
+          <a:schemeClr val="tx1">
+            <a:lumMod val="15000"/>
+            <a:lumOff val="85000"/>
+          </a:schemeClr>
+        </a:solidFill>
+        <a:round/>
+      </a:ln>
+    </cs:spPr>
+    <cs:defRPr sz="900" kern="1200"/>
+  </cs:dataTable>
+  <cs:downBar>
+    <cs:lnRef idx="0"/>
+    <cs:fillRef idx="0"/>
+    <cs:effectRef idx="0"/>
+    <cs:fontRef idx="minor">
+      <a:schemeClr val="dk1"/>
+    </cs:fontRef>
+    <cs:spPr>
+      <a:solidFill>
+        <a:schemeClr val="dk1">
+          <a:lumMod val="65000"/>
+          <a:lumOff val="35000"/>
+        </a:schemeClr>
+      </a:solidFill>
+      <a:ln w="9525">
+        <a:solidFill>
+          <a:schemeClr val="tx1">
+            <a:lumMod val="65000"/>
+            <a:lumOff val="35000"/>
+          </a:schemeClr>
+        </a:solidFill>
+      </a:ln>
+    </cs:spPr>
+  </cs:downBar>
+  <cs:dropLine>
+    <cs:lnRef idx="0"/>
+    <cs:fillRef idx="0"/>
+    <cs:effectRef idx="0"/>
+    <cs:fontRef idx="minor">
+      <a:schemeClr val="tx1"/>
+    </cs:fontRef>
+    <cs:spPr>
+      <a:ln w="9525" cap="flat" cmpd="sng" algn="ctr">
+        <a:solidFill>
+          <a:schemeClr val="tx1">
+            <a:lumMod val="35000"/>
+            <a:lumOff val="65000"/>
+          </a:schemeClr>
+        </a:solidFill>
+        <a:round/>
+      </a:ln>
+    </cs:spPr>
+  </cs:dropLine>
+  <cs:errorBar>
+    <cs:lnRef idx="0"/>
+    <cs:fillRef idx="0"/>
+    <cs:effectRef idx="0"/>
+    <cs:fontRef idx="minor">
+      <a:schemeClr val="tx1"/>
+    </cs:fontRef>
+    <cs:spPr>
+      <a:ln w="9525" cap="flat" cmpd="sng" algn="ctr">
+        <a:solidFill>
+          <a:schemeClr val="tx1">
+            <a:lumMod val="65000"/>
+            <a:lumOff val="35000"/>
+          </a:schemeClr>
+        </a:solidFill>
+        <a:round/>
+      </a:ln>
+    </cs:spPr>
+  </cs:errorBar>
+  <cs:floor>
+    <cs:lnRef idx="0"/>
+    <cs:fillRef idx="0"/>
+    <cs:effectRef idx="0"/>
+    <cs:fontRef idx="minor">
+      <a:schemeClr val="tx1"/>
+    </cs:fontRef>
+    <cs:spPr>
+      <a:noFill/>
+      <a:ln>
+        <a:noFill/>
+      </a:ln>
+    </cs:spPr>
+  </cs:floor>
+  <cs:gridlineMajor>
+    <cs:lnRef idx="0"/>
+    <cs:fillRef idx="0"/>
+    <cs:effectRef idx="0"/>
+    <cs:fontRef idx="minor">
+      <a:schemeClr val="tx1"/>
+    </cs:fontRef>
+    <cs:spPr>
+      <a:ln w="9525" cap="flat" cmpd="sng" algn="ctr">
+        <a:solidFill>
+          <a:schemeClr val="tx1">
+            <a:lumMod val="15000"/>
+            <a:lumOff val="85000"/>
+          </a:schemeClr>
+        </a:solidFill>
+        <a:round/>
+      </a:ln>
+    </cs:spPr>
+  </cs:gridlineMajor>
+  <cs:gridlineMinor>
+    <cs:lnRef idx="0"/>
+    <cs:fillRef idx="0"/>
+    <cs:effectRef idx="0"/>
+    <cs:fontRef idx="minor">
+      <a:schemeClr val="tx1"/>
+    </cs:fontRef>
+    <cs:spPr>
+      <a:ln w="9525" cap="flat" cmpd="sng" algn="ctr">
+        <a:solidFill>
+          <a:schemeClr val="tx1">
+            <a:lumMod val="5000"/>
+            <a:lumOff val="95000"/>
+          </a:schemeClr>
+        </a:solidFill>
+        <a:round/>
+      </a:ln>
+    </cs:spPr>
+  </cs:gridlineMinor>
+  <cs:hiLoLine>
+    <cs:lnRef idx="0"/>
+    <cs:fillRef idx="0"/>
+    <cs:effectRef idx="0"/>
+    <cs:fontRef idx="minor">
+      <a:schemeClr val="tx1"/>
+    </cs:fontRef>
+    <cs:spPr>
+      <a:ln w="9525" cap="flat" cmpd="sng" algn="ctr">
+        <a:solidFill>
+          <a:schemeClr val="tx1">
+            <a:lumMod val="75000"/>
+            <a:lumOff val="25000"/>
+          </a:schemeClr>
+        </a:solidFill>
+        <a:round/>
+      </a:ln>
+    </cs:spPr>
+  </cs:hiLoLine>
+  <cs:leaderLine>
+    <cs:lnRef idx="0"/>
+    <cs:fillRef idx="0"/>
+    <cs:effectRef idx="0"/>
+    <cs:fontRef idx="minor">
+      <a:schemeClr val="tx1"/>
+    </cs:fontRef>
+    <cs:spPr>
+      <a:ln w="9525" cap="flat" cmpd="sng" algn="ctr">
+        <a:solidFill>
+          <a:schemeClr val="tx1">
+            <a:lumMod val="35000"/>
+            <a:lumOff val="65000"/>
+          </a:schemeClr>
+        </a:solidFill>
+        <a:round/>
+      </a:ln>
+    </cs:spPr>
+  </cs:leaderLine>
+  <cs:legend>
+    <cs:lnRef idx="0"/>
+    <cs:fillRef idx="0"/>
+    <cs:effectRef idx="0"/>
+    <cs:fontRef idx="minor">
+      <a:schemeClr val="tx1">
+        <a:lumMod val="65000"/>
+        <a:lumOff val="35000"/>
+      </a:schemeClr>
+    </cs:fontRef>
+    <cs:defRPr sz="900" kern="1200"/>
+  </cs:legend>
+  <cs:plotArea mods="allowNoFillOverride allowNoLineOverride">
+    <cs:lnRef idx="0"/>
+    <cs:fillRef idx="0"/>
+    <cs:effectRef idx="0"/>
+    <cs:fontRef idx="minor">
+      <a:schemeClr val="tx1"/>
+    </cs:fontRef>
+  </cs:plotArea>
+  <cs:plotArea3D mods="allowNoFillOverride allowNoLineOverride">
+    <cs:lnRef idx="0"/>
+    <cs:fillRef idx="0"/>
+    <cs:effectRef idx="0"/>
+    <cs:fontRef idx="minor">
+      <a:schemeClr val="tx1"/>
+    </cs:fontRef>
+  </cs:plotArea3D>
+  <cs:seriesAxis>
+    <cs:lnRef idx="0"/>
+    <cs:fillRef idx="0"/>
+    <cs:effectRef idx="0"/>
+    <cs:fontRef idx="minor">
+      <a:schemeClr val="tx1">
+        <a:lumMod val="65000"/>
+        <a:lumOff val="35000"/>
+      </a:schemeClr>
+    </cs:fontRef>
+    <cs:defRPr sz="900" kern="1200"/>
+  </cs:seriesAxis>
+  <cs:seriesLine>
+    <cs:lnRef idx="0"/>
+    <cs:fillRef idx="0"/>
+    <cs:effectRef idx="0"/>
+    <cs:fontRef idx="minor">
+      <a:schemeClr val="tx1"/>
+    </cs:fontRef>
+    <cs:spPr>
+      <a:ln w="9525" cap="flat" cmpd="sng" algn="ctr">
+        <a:solidFill>
+          <a:schemeClr val="tx1">
+            <a:lumMod val="35000"/>
+            <a:lumOff val="65000"/>
+          </a:schemeClr>
+        </a:solidFill>
+        <a:round/>
+      </a:ln>
+    </cs:spPr>
+  </cs:seriesLine>
+  <cs:title>
+    <cs:lnRef idx="0"/>
+    <cs:fillRef idx="0"/>
+    <cs:effectRef idx="0"/>
+    <cs:fontRef idx="minor">
+      <a:schemeClr val="tx1">
+        <a:lumMod val="65000"/>
+        <a:lumOff val="35000"/>
+      </a:schemeClr>
+    </cs:fontRef>
+    <cs:defRPr sz="1400" b="0" kern="1200" spc="0" baseline="0"/>
+  </cs:title>
+  <cs:trendline>
+    <cs:lnRef idx="0">
+      <cs:styleClr val="auto"/>
+    </cs:lnRef>
+    <cs:fillRef idx="0"/>
+    <cs:effectRef idx="0"/>
+    <cs:fontRef idx="minor">
+      <a:schemeClr val="tx1"/>
+    </cs:fontRef>
+    <cs:spPr>
+      <a:ln w="19050" cap="rnd">
+        <a:solidFill>
+          <a:schemeClr val="phClr"/>
+        </a:solidFill>
+        <a:prstDash val="sysDot"/>
+      </a:ln>
+    </cs:spPr>
+  </cs:trendline>
+  <cs:trendlineLabel>
+    <cs:lnRef idx="0"/>
+    <cs:fillRef idx="0"/>
+    <cs:effectRef idx="0"/>
+    <cs:fontRef idx="minor">
+      <a:schemeClr val="tx1">
+        <a:lumMod val="65000"/>
+        <a:lumOff val="35000"/>
+      </a:schemeClr>
+    </cs:fontRef>
+    <cs:defRPr sz="900" kern="1200"/>
+  </cs:trendlineLabel>
+  <cs:upBar>
+    <cs:lnRef idx="0"/>
+    <cs:fillRef idx="0"/>
+    <cs:effectRef idx="0"/>
+    <cs:fontRef idx="minor">
+      <a:schemeClr val="dk1"/>
+    </cs:fontRef>
+    <cs:spPr>
+      <a:solidFill>
+        <a:schemeClr val="lt1"/>
+      </a:solidFill>
+      <a:ln w="9525">
+        <a:solidFill>
+          <a:schemeClr val="tx1">
+            <a:lumMod val="15000"/>
+            <a:lumOff val="85000"/>
+          </a:schemeClr>
+        </a:solidFill>
+      </a:ln>
+    </cs:spPr>
+  </cs:upBar>
+  <cs:valueAxis>
+    <cs:lnRef idx="0"/>
+    <cs:fillRef idx="0"/>
+    <cs:effectRef idx="0"/>
+    <cs:fontRef idx="minor">
+      <a:schemeClr val="tx1">
+        <a:lumMod val="65000"/>
+        <a:lumOff val="35000"/>
+      </a:schemeClr>
+    </cs:fontRef>
+    <cs:defRPr sz="900" kern="1200"/>
+  </cs:valueAxis>
+  <cs:wall>
+    <cs:lnRef idx="0"/>
+    <cs:fillRef idx="0"/>
+    <cs:effectRef idx="0"/>
+    <cs:fontRef idx="minor">
+      <a:schemeClr val="tx1"/>
+    </cs:fontRef>
+    <cs:spPr>
+      <a:noFill/>
+      <a:ln>
+        <a:noFill/>
+      </a:ln>
+    </cs:spPr>
+  </cs:wall>
+</cs:chartStyle>
 </file>
 
 <file path=ppt/slideLayouts/slideLayout1.xml><?xml version="1.0" encoding="utf-8"?>
@@ -3316,6 +4146,14 @@
 <file path=ppt/slides/slide1.xml><?xml version="1.0" encoding="utf-8"?>
 <p:sld xmlns:a="http://schemas.openxmlformats.org/drawingml/2006/main" xmlns:r="http://schemas.openxmlformats.org/officeDocument/2006/relationships" xmlns:p="http://schemas.openxmlformats.org/presentationml/2006/main">
   <p:cSld>
+    <p:bg>
+      <p:bgPr>
+        <a:solidFill>
+          <a:schemeClr val="bg1"/>
+        </a:solidFill>
+        <a:effectLst/>
+      </p:bgPr>
+    </p:bg>
     <p:spTree>
       <p:nvGrpSpPr>
         <p:cNvPr id="1" name=""/>
@@ -3330,6 +4168,384 @@
           <a:chExt cx="0" cy="0"/>
         </a:xfrm>
       </p:grpSpPr>
+      <p:sp useBgFill="1">
+        <p:nvSpPr>
+          <p:cNvPr id="8" name="Rectangle 7">
+            <a:extLst>
+              <a:ext uri="{FF2B5EF4-FFF2-40B4-BE49-F238E27FC236}">
+                <a16:creationId xmlns:a16="http://schemas.microsoft.com/office/drawing/2014/main" id="{0E30439A-8A5B-46EC-8283-9B6B031D40D0}"/>
+              </a:ext>
+              <a:ext uri="{C183D7F6-B498-43B3-948B-1728B52AA6E4}">
+                <adec:decorative xmlns:adec="http://schemas.microsoft.com/office/drawing/2017/decorative" val="1"/>
+              </a:ext>
+            </a:extLst>
+          </p:cNvPr>
+          <p:cNvSpPr>
+            <a:spLocks noGrp="1" noRot="1" noChangeAspect="1" noMove="1" noResize="1" noEditPoints="1" noAdjustHandles="1" noChangeArrowheads="1" noChangeShapeType="1" noTextEdit="1"/>
+          </p:cNvSpPr>
+          <p:nvPr>
+            <p:extLst>
+              <p:ext uri="{386F3935-93C4-4BCD-93E2-E3B085C9AB24}">
+                <p16:designElem xmlns:p16="http://schemas.microsoft.com/office/powerpoint/2015/main" val="1"/>
+              </p:ext>
+            </p:extLst>
+          </p:nvPr>
+        </p:nvSpPr>
+        <p:spPr>
+          <a:xfrm>
+            <a:off x="0" y="0"/>
+            <a:ext cx="12192000" cy="6858000"/>
+          </a:xfrm>
+          <a:prstGeom prst="rect">
+            <a:avLst/>
+          </a:prstGeom>
+          <a:ln w="12700" cap="flat" cmpd="sng" algn="ctr">
+            <a:noFill/>
+            <a:prstDash val="solid"/>
+            <a:miter lim="800000"/>
+          </a:ln>
+          <a:effectLst/>
+          <a:extLst>
+            <a:ext uri="{91240B29-F687-4F45-9708-019B960494DF}">
+              <a14:hiddenLine xmlns:a14="http://schemas.microsoft.com/office/drawing/2010/main" w="12700" cap="flat" cmpd="sng" algn="ctr">
+                <a:solidFill>
+                  <a:schemeClr val="accent1">
+                    <a:shade val="50000"/>
+                  </a:schemeClr>
+                </a:solidFill>
+                <a:prstDash val="solid"/>
+                <a:miter lim="800000"/>
+              </a14:hiddenLine>
+            </a:ext>
+          </a:extLst>
+        </p:spPr>
+        <p:style>
+          <a:lnRef idx="2">
+            <a:schemeClr val="accent1">
+              <a:shade val="50000"/>
+            </a:schemeClr>
+          </a:lnRef>
+          <a:fillRef idx="1">
+            <a:schemeClr val="accent1"/>
+          </a:fillRef>
+          <a:effectRef idx="0">
+            <a:schemeClr val="accent1"/>
+          </a:effectRef>
+          <a:fontRef idx="minor">
+            <a:schemeClr val="lt1"/>
+          </a:fontRef>
+        </p:style>
+        <p:txBody>
+          <a:bodyPr rtlCol="0" anchor="ctr"/>
+          <a:lstStyle/>
+          <a:p>
+            <a:pPr algn="ctr"/>
+            <a:endParaRPr lang="en-US"/>
+          </a:p>
+        </p:txBody>
+      </p:sp>
+      <p:sp>
+        <p:nvSpPr>
+          <p:cNvPr id="10" name="Rectangle 9">
+            <a:extLst>
+              <a:ext uri="{FF2B5EF4-FFF2-40B4-BE49-F238E27FC236}">
+                <a16:creationId xmlns:a16="http://schemas.microsoft.com/office/drawing/2014/main" id="{5CEAD642-85CF-4750-8432-7C80C901F001}"/>
+              </a:ext>
+              <a:ext uri="{C183D7F6-B498-43B3-948B-1728B52AA6E4}">
+                <adec:decorative xmlns:adec="http://schemas.microsoft.com/office/drawing/2017/decorative" val="1"/>
+              </a:ext>
+            </a:extLst>
+          </p:cNvPr>
+          <p:cNvSpPr>
+            <a:spLocks noGrp="1" noRot="1" noChangeAspect="1" noMove="1" noResize="1" noEditPoints="1" noAdjustHandles="1" noChangeArrowheads="1" noChangeShapeType="1" noTextEdit="1"/>
+          </p:cNvSpPr>
+          <p:nvPr>
+            <p:extLst>
+              <p:ext uri="{386F3935-93C4-4BCD-93E2-E3B085C9AB24}">
+                <p16:designElem xmlns:p16="http://schemas.microsoft.com/office/powerpoint/2015/main" val="1"/>
+              </p:ext>
+            </p:extLst>
+          </p:nvPr>
+        </p:nvSpPr>
+        <p:spPr>
+          <a:xfrm>
+            <a:off x="0" y="-427"/>
+            <a:ext cx="12192001" cy="6858000"/>
+          </a:xfrm>
+          <a:prstGeom prst="rect">
+            <a:avLst/>
+          </a:prstGeom>
+          <a:gradFill>
+            <a:gsLst>
+              <a:gs pos="0">
+                <a:srgbClr val="000000"/>
+              </a:gs>
+              <a:gs pos="100000">
+                <a:schemeClr val="accent1">
+                  <a:lumMod val="75000"/>
+                </a:schemeClr>
+              </a:gs>
+            </a:gsLst>
+            <a:lin ang="15000000" scaled="0"/>
+          </a:gradFill>
+          <a:ln>
+            <a:noFill/>
+          </a:ln>
+        </p:spPr>
+        <p:style>
+          <a:lnRef idx="2">
+            <a:schemeClr val="accent1">
+              <a:shade val="50000"/>
+            </a:schemeClr>
+          </a:lnRef>
+          <a:fillRef idx="1">
+            <a:schemeClr val="accent1"/>
+          </a:fillRef>
+          <a:effectRef idx="0">
+            <a:schemeClr val="accent1"/>
+          </a:effectRef>
+          <a:fontRef idx="minor">
+            <a:schemeClr val="lt1"/>
+          </a:fontRef>
+        </p:style>
+        <p:txBody>
+          <a:bodyPr rtlCol="0" anchor="ctr"/>
+          <a:lstStyle/>
+          <a:p>
+            <a:pPr algn="ctr"/>
+            <a:endParaRPr lang="en-US"/>
+          </a:p>
+        </p:txBody>
+      </p:sp>
+      <p:sp>
+        <p:nvSpPr>
+          <p:cNvPr id="12" name="Rectangle 11">
+            <a:extLst>
+              <a:ext uri="{FF2B5EF4-FFF2-40B4-BE49-F238E27FC236}">
+                <a16:creationId xmlns:a16="http://schemas.microsoft.com/office/drawing/2014/main" id="{FA33EEAE-15D5-4119-8C1E-89D943F911EF}"/>
+              </a:ext>
+              <a:ext uri="{C183D7F6-B498-43B3-948B-1728B52AA6E4}">
+                <adec:decorative xmlns:adec="http://schemas.microsoft.com/office/drawing/2017/decorative" val="1"/>
+              </a:ext>
+            </a:extLst>
+          </p:cNvPr>
+          <p:cNvSpPr>
+            <a:spLocks noGrp="1" noRot="1" noChangeAspect="1" noMove="1" noResize="1" noEditPoints="1" noAdjustHandles="1" noChangeArrowheads="1" noChangeShapeType="1" noTextEdit="1"/>
+          </p:cNvSpPr>
+          <p:nvPr>
+            <p:extLst>
+              <p:ext uri="{386F3935-93C4-4BCD-93E2-E3B085C9AB24}">
+                <p16:designElem xmlns:p16="http://schemas.microsoft.com/office/powerpoint/2015/main" val="1"/>
+              </p:ext>
+            </p:extLst>
+          </p:nvPr>
+        </p:nvSpPr>
+        <p:spPr>
+          <a:xfrm rot="10800000" flipH="1">
+            <a:off x="455521" y="-1720"/>
+            <a:ext cx="11750040" cy="6840685"/>
+          </a:xfrm>
+          <a:prstGeom prst="rect">
+            <a:avLst/>
+          </a:prstGeom>
+          <a:gradFill>
+            <a:gsLst>
+              <a:gs pos="21000">
+                <a:schemeClr val="accent1">
+                  <a:lumMod val="50000"/>
+                  <a:alpha val="61000"/>
+                </a:schemeClr>
+              </a:gs>
+              <a:gs pos="100000">
+                <a:schemeClr val="accent1">
+                  <a:alpha val="0"/>
+                </a:schemeClr>
+              </a:gs>
+            </a:gsLst>
+            <a:lin ang="21594000" scaled="0"/>
+          </a:gradFill>
+          <a:ln>
+            <a:noFill/>
+          </a:ln>
+        </p:spPr>
+        <p:style>
+          <a:lnRef idx="2">
+            <a:schemeClr val="accent1">
+              <a:shade val="50000"/>
+            </a:schemeClr>
+          </a:lnRef>
+          <a:fillRef idx="1">
+            <a:schemeClr val="accent1"/>
+          </a:fillRef>
+          <a:effectRef idx="0">
+            <a:schemeClr val="accent1"/>
+          </a:effectRef>
+          <a:fontRef idx="minor">
+            <a:schemeClr val="lt1"/>
+          </a:fontRef>
+        </p:style>
+        <p:txBody>
+          <a:bodyPr rtlCol="0" anchor="ctr"/>
+          <a:lstStyle/>
+          <a:p>
+            <a:pPr algn="ctr"/>
+            <a:endParaRPr lang="en-US"/>
+          </a:p>
+        </p:txBody>
+      </p:sp>
+      <p:sp>
+        <p:nvSpPr>
+          <p:cNvPr id="14" name="Rectangle 13">
+            <a:extLst>
+              <a:ext uri="{FF2B5EF4-FFF2-40B4-BE49-F238E27FC236}">
+                <a16:creationId xmlns:a16="http://schemas.microsoft.com/office/drawing/2014/main" id="{730D8B3B-9B80-4025-B934-26DC7D7CD231}"/>
+              </a:ext>
+              <a:ext uri="{C183D7F6-B498-43B3-948B-1728B52AA6E4}">
+                <adec:decorative xmlns:adec="http://schemas.microsoft.com/office/drawing/2017/decorative" val="1"/>
+              </a:ext>
+            </a:extLst>
+          </p:cNvPr>
+          <p:cNvSpPr>
+            <a:spLocks noGrp="1" noRot="1" noChangeAspect="1" noMove="1" noResize="1" noEditPoints="1" noAdjustHandles="1" noChangeArrowheads="1" noChangeShapeType="1" noTextEdit="1"/>
+          </p:cNvSpPr>
+          <p:nvPr>
+            <p:extLst>
+              <p:ext uri="{386F3935-93C4-4BCD-93E2-E3B085C9AB24}">
+                <p16:designElem xmlns:p16="http://schemas.microsoft.com/office/powerpoint/2015/main" val="1"/>
+              </p:ext>
+            </p:extLst>
+          </p:nvPr>
+        </p:nvSpPr>
+        <p:spPr>
+          <a:xfrm>
+            <a:off x="8606054" y="-1291"/>
+            <a:ext cx="3608179" cy="6858864"/>
+          </a:xfrm>
+          <a:prstGeom prst="rect">
+            <a:avLst/>
+          </a:prstGeom>
+          <a:gradFill>
+            <a:gsLst>
+              <a:gs pos="0">
+                <a:schemeClr val="accent1">
+                  <a:lumMod val="75000"/>
+                  <a:alpha val="0"/>
+                </a:schemeClr>
+              </a:gs>
+              <a:gs pos="99000">
+                <a:srgbClr val="000000">
+                  <a:alpha val="41000"/>
+                </a:srgbClr>
+              </a:gs>
+            </a:gsLst>
+            <a:lin ang="16200000" scaled="0"/>
+          </a:gradFill>
+          <a:ln>
+            <a:noFill/>
+          </a:ln>
+        </p:spPr>
+        <p:style>
+          <a:lnRef idx="2">
+            <a:schemeClr val="accent1">
+              <a:shade val="50000"/>
+            </a:schemeClr>
+          </a:lnRef>
+          <a:fillRef idx="1">
+            <a:schemeClr val="accent1"/>
+          </a:fillRef>
+          <a:effectRef idx="0">
+            <a:schemeClr val="accent1"/>
+          </a:effectRef>
+          <a:fontRef idx="minor">
+            <a:schemeClr val="lt1"/>
+          </a:fontRef>
+        </p:style>
+        <p:txBody>
+          <a:bodyPr rtlCol="0" anchor="ctr"/>
+          <a:lstStyle/>
+          <a:p>
+            <a:pPr algn="ctr"/>
+            <a:endParaRPr lang="en-US"/>
+          </a:p>
+        </p:txBody>
+      </p:sp>
+      <p:sp>
+        <p:nvSpPr>
+          <p:cNvPr id="16" name="Oval 15">
+            <a:extLst>
+              <a:ext uri="{FF2B5EF4-FFF2-40B4-BE49-F238E27FC236}">
+                <a16:creationId xmlns:a16="http://schemas.microsoft.com/office/drawing/2014/main" id="{B5A1B09C-1565-46F8-B70F-621C5EB48A09}"/>
+              </a:ext>
+              <a:ext uri="{C183D7F6-B498-43B3-948B-1728B52AA6E4}">
+                <adec:decorative xmlns:adec="http://schemas.microsoft.com/office/drawing/2017/decorative" val="1"/>
+              </a:ext>
+            </a:extLst>
+          </p:cNvPr>
+          <p:cNvSpPr>
+            <a:spLocks noGrp="1" noRot="1" noChangeAspect="1" noMove="1" noResize="1" noEditPoints="1" noAdjustHandles="1" noChangeArrowheads="1" noChangeShapeType="1" noTextEdit="1"/>
+          </p:cNvSpPr>
+          <p:nvPr>
+            <p:extLst>
+              <p:ext uri="{386F3935-93C4-4BCD-93E2-E3B085C9AB24}">
+                <p16:designElem xmlns:p16="http://schemas.microsoft.com/office/powerpoint/2015/main" val="1"/>
+              </p:ext>
+            </p:extLst>
+          </p:nvPr>
+        </p:nvSpPr>
+        <p:spPr>
+          <a:xfrm rot="15274173">
+            <a:off x="6059728" y="779270"/>
+            <a:ext cx="4967533" cy="4988390"/>
+          </a:xfrm>
+          <a:prstGeom prst="ellipse">
+            <a:avLst/>
+          </a:prstGeom>
+          <a:gradFill>
+            <a:gsLst>
+              <a:gs pos="0">
+                <a:schemeClr val="accent1">
+                  <a:alpha val="24000"/>
+                </a:schemeClr>
+              </a:gs>
+              <a:gs pos="79000">
+                <a:schemeClr val="accent1">
+                  <a:lumMod val="60000"/>
+                  <a:lumOff val="40000"/>
+                  <a:alpha val="0"/>
+                </a:schemeClr>
+              </a:gs>
+            </a:gsLst>
+            <a:lin ang="14400000" scaled="0"/>
+          </a:gradFill>
+          <a:ln>
+            <a:noFill/>
+          </a:ln>
+        </p:spPr>
+        <p:style>
+          <a:lnRef idx="2">
+            <a:schemeClr val="accent1">
+              <a:shade val="50000"/>
+            </a:schemeClr>
+          </a:lnRef>
+          <a:fillRef idx="1">
+            <a:schemeClr val="accent1"/>
+          </a:fillRef>
+          <a:effectRef idx="0">
+            <a:schemeClr val="accent1"/>
+          </a:effectRef>
+          <a:fontRef idx="minor">
+            <a:schemeClr val="lt1"/>
+          </a:fontRef>
+        </p:style>
+        <p:txBody>
+          <a:bodyPr rtlCol="0" anchor="ctr"/>
+          <a:lstStyle/>
+          <a:p>
+            <a:pPr algn="ctr"/>
+            <a:endParaRPr lang="en-US" dirty="0"/>
+          </a:p>
+        </p:txBody>
+      </p:sp>
       <p:sp>
         <p:nvSpPr>
           <p:cNvPr id="2" name="Nadpis 1">
@@ -3346,17 +4562,32 @@
             <p:ph type="ctrTitle"/>
           </p:nvPr>
         </p:nvSpPr>
-        <p:spPr/>
-        <p:txBody>
-          <a:bodyPr/>
-          <a:lstStyle/>
-          <a:p>
-            <a:r>
-              <a:rPr lang="en-US" dirty="0"/>
+        <p:spPr>
+          <a:xfrm>
+            <a:off x="2797876" y="618498"/>
+            <a:ext cx="6596245" cy="3268520"/>
+          </a:xfrm>
+        </p:spPr>
+        <p:txBody>
+          <a:bodyPr>
+            <a:normAutofit/>
+          </a:bodyPr>
+          <a:lstStyle/>
+          <a:p>
+            <a:r>
+              <a:rPr lang="en-US" sz="4800" dirty="0">
+                <a:solidFill>
+                  <a:srgbClr val="FFFFFF"/>
+                </a:solidFill>
+              </a:rPr>
               <a:t>ANTIV</a:t>
             </a:r>
             <a:r>
-              <a:rPr lang="sk-SK" dirty="0"/>
+              <a:rPr lang="sk-SK" sz="4800" dirty="0">
+                <a:solidFill>
+                  <a:srgbClr val="FFFFFF"/>
+                </a:solidFill>
+              </a:rPr>
               <a:t>ÍRUS</a:t>
             </a:r>
           </a:p>
@@ -3364,6 +4595,82 @@
       </p:sp>
       <p:sp>
         <p:nvSpPr>
+          <p:cNvPr id="18" name="Rectangle 17">
+            <a:extLst>
+              <a:ext uri="{FF2B5EF4-FFF2-40B4-BE49-F238E27FC236}">
+                <a16:creationId xmlns:a16="http://schemas.microsoft.com/office/drawing/2014/main" id="{8C516CC8-80AC-446C-A56E-9F54B7210402}"/>
+              </a:ext>
+              <a:ext uri="{C183D7F6-B498-43B3-948B-1728B52AA6E4}">
+                <adec:decorative xmlns:adec="http://schemas.microsoft.com/office/drawing/2017/decorative" val="1"/>
+              </a:ext>
+            </a:extLst>
+          </p:cNvPr>
+          <p:cNvSpPr>
+            <a:spLocks noGrp="1" noRot="1" noChangeAspect="1" noMove="1" noResize="1" noEditPoints="1" noAdjustHandles="1" noChangeArrowheads="1" noChangeShapeType="1" noTextEdit="1"/>
+          </p:cNvSpPr>
+          <p:nvPr>
+            <p:extLst>
+              <p:ext uri="{386F3935-93C4-4BCD-93E2-E3B085C9AB24}">
+                <p16:designElem xmlns:p16="http://schemas.microsoft.com/office/powerpoint/2015/main" val="1"/>
+              </p:ext>
+            </p:extLst>
+          </p:nvPr>
+        </p:nvSpPr>
+        <p:spPr>
+          <a:xfrm rot="10800000" flipH="1">
+            <a:off x="6314" y="4480038"/>
+            <a:ext cx="12179371" cy="2377962"/>
+          </a:xfrm>
+          <a:prstGeom prst="rect">
+            <a:avLst/>
+          </a:prstGeom>
+          <a:gradFill>
+            <a:gsLst>
+              <a:gs pos="0">
+                <a:schemeClr val="accent1">
+                  <a:lumMod val="75000"/>
+                  <a:alpha val="50000"/>
+                </a:schemeClr>
+              </a:gs>
+              <a:gs pos="99000">
+                <a:srgbClr val="000000">
+                  <a:alpha val="34000"/>
+                </a:srgbClr>
+              </a:gs>
+            </a:gsLst>
+            <a:lin ang="17400000" scaled="0"/>
+          </a:gradFill>
+          <a:ln>
+            <a:noFill/>
+          </a:ln>
+        </p:spPr>
+        <p:style>
+          <a:lnRef idx="2">
+            <a:schemeClr val="accent1">
+              <a:shade val="50000"/>
+            </a:schemeClr>
+          </a:lnRef>
+          <a:fillRef idx="1">
+            <a:schemeClr val="accent1"/>
+          </a:fillRef>
+          <a:effectRef idx="0">
+            <a:schemeClr val="accent1"/>
+          </a:effectRef>
+          <a:fontRef idx="minor">
+            <a:schemeClr val="lt1"/>
+          </a:fontRef>
+        </p:style>
+        <p:txBody>
+          <a:bodyPr rtlCol="0" anchor="ctr"/>
+          <a:lstStyle/>
+          <a:p>
+            <a:pPr algn="ctr"/>
+            <a:endParaRPr lang="en-US"/>
+          </a:p>
+        </p:txBody>
+      </p:sp>
+      <p:sp>
+        <p:nvSpPr>
           <p:cNvPr id="3" name="Podnadpis 2">
             <a:extLst>
               <a:ext uri="{FF2B5EF4-FFF2-40B4-BE49-F238E27FC236}">
@@ -3378,37 +4685,168 @@
             <p:ph type="subTitle" idx="1"/>
           </p:nvPr>
         </p:nvSpPr>
-        <p:spPr/>
-        <p:txBody>
-          <a:bodyPr/>
-          <a:lstStyle/>
-          <a:p>
-            <a:r>
-              <a:rPr lang="en-US" dirty="0"/>
-              <a:t>SPSE </a:t>
-            </a:r>
-            <a:r>
-              <a:rPr lang="en-US" dirty="0" err="1"/>
-              <a:t>Halova</a:t>
-            </a:r>
-            <a:r>
-              <a:rPr lang="en-US" dirty="0"/>
+        <p:spPr>
+          <a:xfrm>
+            <a:off x="3070380" y="4010608"/>
+            <a:ext cx="6051236" cy="1241828"/>
+          </a:xfrm>
+        </p:spPr>
+        <p:txBody>
+          <a:bodyPr>
+            <a:normAutofit/>
+          </a:bodyPr>
+          <a:lstStyle/>
+          <a:p>
+            <a:r>
+              <a:rPr lang="en-US" dirty="0">
+                <a:solidFill>
+                  <a:srgbClr val="FFFFFF"/>
+                </a:solidFill>
+              </a:rPr>
+              <a:t>SP</a:t>
+            </a:r>
+            <a:r>
+              <a:rPr lang="sk-SK" dirty="0">
+                <a:solidFill>
+                  <a:srgbClr val="FFFFFF"/>
+                </a:solidFill>
+              </a:rPr>
+              <a:t>Š</a:t>
+            </a:r>
+            <a:r>
+              <a:rPr lang="en-US" dirty="0">
+                <a:solidFill>
+                  <a:srgbClr val="FFFFFF"/>
+                </a:solidFill>
+              </a:rPr>
+              <a:t>E H</a:t>
+            </a:r>
+            <a:r>
+              <a:rPr lang="sk-SK" dirty="0">
+                <a:solidFill>
+                  <a:srgbClr val="FFFFFF"/>
+                </a:solidFill>
+              </a:rPr>
+              <a:t>á</a:t>
+            </a:r>
+            <a:r>
+              <a:rPr lang="en-US" dirty="0" err="1">
+                <a:solidFill>
+                  <a:srgbClr val="FFFFFF"/>
+                </a:solidFill>
+              </a:rPr>
+              <a:t>lova</a:t>
+            </a:r>
+            <a:r>
+              <a:rPr lang="en-US" dirty="0">
+                <a:solidFill>
+                  <a:srgbClr val="FFFFFF"/>
+                </a:solidFill>
+              </a:rPr>
               <a:t> 16</a:t>
             </a:r>
           </a:p>
           <a:p>
             <a:r>
-              <a:rPr lang="en-US" dirty="0"/>
+              <a:rPr lang="en-US" dirty="0">
+                <a:solidFill>
+                  <a:srgbClr val="FFFFFF"/>
+                </a:solidFill>
+              </a:rPr>
               <a:t>Luk</a:t>
             </a:r>
             <a:r>
-              <a:rPr lang="sk-SK" dirty="0" err="1"/>
+              <a:rPr lang="sk-SK" dirty="0" err="1">
+                <a:solidFill>
+                  <a:srgbClr val="FFFFFF"/>
+                </a:solidFill>
+              </a:rPr>
               <a:t>áš</a:t>
             </a:r>
             <a:r>
-              <a:rPr lang="sk-SK" dirty="0"/>
+              <a:rPr lang="sk-SK" dirty="0">
+                <a:solidFill>
+                  <a:srgbClr val="FFFFFF"/>
+                </a:solidFill>
+              </a:rPr>
               <a:t> Eliaš 2.D</a:t>
             </a:r>
+          </a:p>
+        </p:txBody>
+      </p:sp>
+      <p:sp>
+        <p:nvSpPr>
+          <p:cNvPr id="20" name="Rectangle 19">
+            <a:extLst>
+              <a:ext uri="{FF2B5EF4-FFF2-40B4-BE49-F238E27FC236}">
+                <a16:creationId xmlns:a16="http://schemas.microsoft.com/office/drawing/2014/main" id="{53947E58-F088-49F1-A3D1-DEA690192E84}"/>
+              </a:ext>
+              <a:ext uri="{C183D7F6-B498-43B3-948B-1728B52AA6E4}">
+                <adec:decorative xmlns:adec="http://schemas.microsoft.com/office/drawing/2017/decorative" val="1"/>
+              </a:ext>
+            </a:extLst>
+          </p:cNvPr>
+          <p:cNvSpPr>
+            <a:spLocks noGrp="1" noRot="1" noChangeAspect="1" noMove="1" noResize="1" noEditPoints="1" noAdjustHandles="1" noChangeArrowheads="1" noChangeShapeType="1" noTextEdit="1"/>
+          </p:cNvSpPr>
+          <p:nvPr>
+            <p:extLst>
+              <p:ext uri="{386F3935-93C4-4BCD-93E2-E3B085C9AB24}">
+                <p16:designElem xmlns:p16="http://schemas.microsoft.com/office/powerpoint/2015/main" val="1"/>
+              </p:ext>
+            </p:extLst>
+          </p:nvPr>
+        </p:nvSpPr>
+        <p:spPr>
+          <a:xfrm rot="16200000" flipH="1">
+            <a:off x="6967085" y="1632660"/>
+            <a:ext cx="6857572" cy="3592258"/>
+          </a:xfrm>
+          <a:prstGeom prst="rect">
+            <a:avLst/>
+          </a:prstGeom>
+          <a:gradFill>
+            <a:gsLst>
+              <a:gs pos="0">
+                <a:schemeClr val="accent1">
+                  <a:lumMod val="75000"/>
+                  <a:alpha val="50000"/>
+                </a:schemeClr>
+              </a:gs>
+              <a:gs pos="99000">
+                <a:srgbClr val="000000">
+                  <a:alpha val="0"/>
+                </a:srgbClr>
+              </a:gs>
+            </a:gsLst>
+            <a:lin ang="15600000" scaled="0"/>
+          </a:gradFill>
+          <a:ln>
+            <a:noFill/>
+          </a:ln>
+        </p:spPr>
+        <p:style>
+          <a:lnRef idx="2">
+            <a:schemeClr val="accent1">
+              <a:shade val="50000"/>
+            </a:schemeClr>
+          </a:lnRef>
+          <a:fillRef idx="1">
+            <a:schemeClr val="accent1"/>
+          </a:fillRef>
+          <a:effectRef idx="0">
+            <a:schemeClr val="accent1"/>
+          </a:effectRef>
+          <a:fontRef idx="minor">
+            <a:schemeClr val="lt1"/>
+          </a:fontRef>
+        </p:style>
+        <p:txBody>
+          <a:bodyPr rtlCol="0" anchor="ctr"/>
+          <a:lstStyle/>
+          <a:p>
+            <a:pPr algn="ctr"/>
+            <a:endParaRPr lang="en-US"/>
           </a:p>
         </p:txBody>
       </p:sp>
@@ -3428,6 +4866,14 @@
 <file path=ppt/slides/slide10.xml><?xml version="1.0" encoding="utf-8"?>
 <p:sld xmlns:a="http://schemas.openxmlformats.org/drawingml/2006/main" xmlns:r="http://schemas.openxmlformats.org/officeDocument/2006/relationships" xmlns:p="http://schemas.openxmlformats.org/presentationml/2006/main">
   <p:cSld>
+    <p:bg>
+      <p:bgPr>
+        <a:solidFill>
+          <a:schemeClr val="bg1"/>
+        </a:solidFill>
+        <a:effectLst/>
+      </p:bgPr>
+    </p:bg>
     <p:spTree>
       <p:nvGrpSpPr>
         <p:cNvPr id="1" name=""/>
@@ -3442,6 +4888,457 @@
           <a:chExt cx="0" cy="0"/>
         </a:xfrm>
       </p:grpSpPr>
+      <p:sp useBgFill="1">
+        <p:nvSpPr>
+          <p:cNvPr id="8" name="Rectangle 7">
+            <a:extLst>
+              <a:ext uri="{FF2B5EF4-FFF2-40B4-BE49-F238E27FC236}">
+                <a16:creationId xmlns:a16="http://schemas.microsoft.com/office/drawing/2014/main" id="{DEE2AD96-B495-4E06-9291-B71706F728CB}"/>
+              </a:ext>
+              <a:ext uri="{C183D7F6-B498-43B3-948B-1728B52AA6E4}">
+                <adec:decorative xmlns:adec="http://schemas.microsoft.com/office/drawing/2017/decorative" val="1"/>
+              </a:ext>
+            </a:extLst>
+          </p:cNvPr>
+          <p:cNvSpPr>
+            <a:spLocks noGrp="1" noRot="1" noChangeAspect="1" noMove="1" noResize="1" noEditPoints="1" noAdjustHandles="1" noChangeArrowheads="1" noChangeShapeType="1" noTextEdit="1"/>
+          </p:cNvSpPr>
+          <p:nvPr>
+            <p:extLst>
+              <p:ext uri="{386F3935-93C4-4BCD-93E2-E3B085C9AB24}">
+                <p16:designElem xmlns:p16="http://schemas.microsoft.com/office/powerpoint/2015/main" val="1"/>
+              </p:ext>
+            </p:extLst>
+          </p:nvPr>
+        </p:nvSpPr>
+        <p:spPr>
+          <a:xfrm>
+            <a:off x="0" y="0"/>
+            <a:ext cx="12192000" cy="6858000"/>
+          </a:xfrm>
+          <a:prstGeom prst="rect">
+            <a:avLst/>
+          </a:prstGeom>
+          <a:ln w="12700" cap="flat" cmpd="sng" algn="ctr">
+            <a:noFill/>
+            <a:prstDash val="solid"/>
+            <a:miter lim="800000"/>
+          </a:ln>
+          <a:effectLst/>
+          <a:extLst>
+            <a:ext uri="{91240B29-F687-4F45-9708-019B960494DF}">
+              <a14:hiddenLine xmlns:a14="http://schemas.microsoft.com/office/drawing/2010/main" w="12700" cap="flat" cmpd="sng" algn="ctr">
+                <a:solidFill>
+                  <a:schemeClr val="accent1">
+                    <a:shade val="50000"/>
+                  </a:schemeClr>
+                </a:solidFill>
+                <a:prstDash val="solid"/>
+                <a:miter lim="800000"/>
+              </a14:hiddenLine>
+            </a:ext>
+          </a:extLst>
+        </p:spPr>
+        <p:style>
+          <a:lnRef idx="2">
+            <a:schemeClr val="accent1">
+              <a:shade val="50000"/>
+            </a:schemeClr>
+          </a:lnRef>
+          <a:fillRef idx="1">
+            <a:schemeClr val="accent1"/>
+          </a:fillRef>
+          <a:effectRef idx="0">
+            <a:schemeClr val="accent1"/>
+          </a:effectRef>
+          <a:fontRef idx="minor">
+            <a:schemeClr val="lt1"/>
+          </a:fontRef>
+        </p:style>
+        <p:txBody>
+          <a:bodyPr rtlCol="0" anchor="ctr"/>
+          <a:lstStyle/>
+          <a:p>
+            <a:pPr algn="ctr"/>
+            <a:endParaRPr lang="en-US"/>
+          </a:p>
+        </p:txBody>
+      </p:sp>
+      <p:sp>
+        <p:nvSpPr>
+          <p:cNvPr id="10" name="Rectangle 9">
+            <a:extLst>
+              <a:ext uri="{FF2B5EF4-FFF2-40B4-BE49-F238E27FC236}">
+                <a16:creationId xmlns:a16="http://schemas.microsoft.com/office/drawing/2014/main" id="{53CF6D67-C5A8-4ADD-9E8E-1E38CA1D3166}"/>
+              </a:ext>
+              <a:ext uri="{C183D7F6-B498-43B3-948B-1728B52AA6E4}">
+                <adec:decorative xmlns:adec="http://schemas.microsoft.com/office/drawing/2017/decorative" val="1"/>
+              </a:ext>
+            </a:extLst>
+          </p:cNvPr>
+          <p:cNvSpPr>
+            <a:spLocks noGrp="1" noRot="1" noChangeAspect="1" noMove="1" noResize="1" noEditPoints="1" noAdjustHandles="1" noChangeArrowheads="1" noChangeShapeType="1" noTextEdit="1"/>
+          </p:cNvSpPr>
+          <p:nvPr>
+            <p:extLst>
+              <p:ext uri="{386F3935-93C4-4BCD-93E2-E3B085C9AB24}">
+                <p16:designElem xmlns:p16="http://schemas.microsoft.com/office/powerpoint/2015/main" val="1"/>
+              </p:ext>
+            </p:extLst>
+          </p:nvPr>
+        </p:nvSpPr>
+        <p:spPr>
+          <a:xfrm rot="5400000" flipH="1">
+            <a:off x="-638515" y="639280"/>
+            <a:ext cx="6858000" cy="5579440"/>
+          </a:xfrm>
+          <a:prstGeom prst="rect">
+            <a:avLst/>
+          </a:prstGeom>
+          <a:gradFill>
+            <a:gsLst>
+              <a:gs pos="8000">
+                <a:srgbClr val="000000"/>
+              </a:gs>
+              <a:gs pos="100000">
+                <a:schemeClr val="accent1">
+                  <a:lumMod val="75000"/>
+                </a:schemeClr>
+              </a:gs>
+            </a:gsLst>
+            <a:lin ang="3000000" scaled="0"/>
+          </a:gradFill>
+          <a:ln>
+            <a:noFill/>
+          </a:ln>
+        </p:spPr>
+        <p:style>
+          <a:lnRef idx="2">
+            <a:schemeClr val="accent1">
+              <a:shade val="50000"/>
+            </a:schemeClr>
+          </a:lnRef>
+          <a:fillRef idx="1">
+            <a:schemeClr val="accent1"/>
+          </a:fillRef>
+          <a:effectRef idx="0">
+            <a:schemeClr val="accent1"/>
+          </a:effectRef>
+          <a:fontRef idx="minor">
+            <a:schemeClr val="lt1"/>
+          </a:fontRef>
+        </p:style>
+        <p:txBody>
+          <a:bodyPr rtlCol="0" anchor="ctr"/>
+          <a:lstStyle/>
+          <a:p>
+            <a:pPr algn="ctr"/>
+            <a:endParaRPr lang="en-US"/>
+          </a:p>
+        </p:txBody>
+      </p:sp>
+      <p:sp>
+        <p:nvSpPr>
+          <p:cNvPr id="12" name="Rectangle 11">
+            <a:extLst>
+              <a:ext uri="{FF2B5EF4-FFF2-40B4-BE49-F238E27FC236}">
+                <a16:creationId xmlns:a16="http://schemas.microsoft.com/office/drawing/2014/main" id="{86909FA0-B515-4681-B7A8-FA281D133B94}"/>
+              </a:ext>
+              <a:ext uri="{C183D7F6-B498-43B3-948B-1728B52AA6E4}">
+                <adec:decorative xmlns:adec="http://schemas.microsoft.com/office/drawing/2017/decorative" val="1"/>
+              </a:ext>
+            </a:extLst>
+          </p:cNvPr>
+          <p:cNvSpPr>
+            <a:spLocks noGrp="1" noRot="1" noChangeAspect="1" noMove="1" noResize="1" noEditPoints="1" noAdjustHandles="1" noChangeArrowheads="1" noChangeShapeType="1" noTextEdit="1"/>
+          </p:cNvSpPr>
+          <p:nvPr>
+            <p:extLst>
+              <p:ext uri="{386F3935-93C4-4BCD-93E2-E3B085C9AB24}">
+                <p16:designElem xmlns:p16="http://schemas.microsoft.com/office/powerpoint/2015/main" val="1"/>
+              </p:ext>
+            </p:extLst>
+          </p:nvPr>
+        </p:nvSpPr>
+        <p:spPr>
+          <a:xfrm rot="5400000" flipH="1">
+            <a:off x="-393206" y="395206"/>
+            <a:ext cx="6346209" cy="5576080"/>
+          </a:xfrm>
+          <a:prstGeom prst="rect">
+            <a:avLst/>
+          </a:prstGeom>
+          <a:gradFill>
+            <a:gsLst>
+              <a:gs pos="0">
+                <a:srgbClr val="000000">
+                  <a:alpha val="0"/>
+                </a:srgbClr>
+              </a:gs>
+              <a:gs pos="99000">
+                <a:schemeClr val="accent1">
+                  <a:alpha val="0"/>
+                </a:schemeClr>
+              </a:gs>
+            </a:gsLst>
+            <a:lin ang="1800000" scaled="0"/>
+          </a:gradFill>
+          <a:ln>
+            <a:noFill/>
+          </a:ln>
+        </p:spPr>
+        <p:style>
+          <a:lnRef idx="2">
+            <a:schemeClr val="accent1">
+              <a:shade val="50000"/>
+            </a:schemeClr>
+          </a:lnRef>
+          <a:fillRef idx="1">
+            <a:schemeClr val="accent1"/>
+          </a:fillRef>
+          <a:effectRef idx="0">
+            <a:schemeClr val="accent1"/>
+          </a:effectRef>
+          <a:fontRef idx="minor">
+            <a:schemeClr val="lt1"/>
+          </a:fontRef>
+        </p:style>
+        <p:txBody>
+          <a:bodyPr rtlCol="0" anchor="ctr"/>
+          <a:lstStyle/>
+          <a:p>
+            <a:pPr algn="ctr"/>
+            <a:endParaRPr lang="en-US"/>
+          </a:p>
+        </p:txBody>
+      </p:sp>
+      <p:sp>
+        <p:nvSpPr>
+          <p:cNvPr id="14" name="Rectangle 13">
+            <a:extLst>
+              <a:ext uri="{FF2B5EF4-FFF2-40B4-BE49-F238E27FC236}">
+                <a16:creationId xmlns:a16="http://schemas.microsoft.com/office/drawing/2014/main" id="{21C9FE86-FCC3-4A31-AA1C-C882262B7FE7}"/>
+              </a:ext>
+              <a:ext uri="{C183D7F6-B498-43B3-948B-1728B52AA6E4}">
+                <adec:decorative xmlns:adec="http://schemas.microsoft.com/office/drawing/2017/decorative" val="1"/>
+              </a:ext>
+            </a:extLst>
+          </p:cNvPr>
+          <p:cNvSpPr>
+            <a:spLocks noGrp="1" noRot="1" noChangeAspect="1" noMove="1" noResize="1" noEditPoints="1" noAdjustHandles="1" noChangeArrowheads="1" noChangeShapeType="1" noTextEdit="1"/>
+          </p:cNvSpPr>
+          <p:nvPr>
+            <p:extLst>
+              <p:ext uri="{386F3935-93C4-4BCD-93E2-E3B085C9AB24}">
+                <p16:designElem xmlns:p16="http://schemas.microsoft.com/office/powerpoint/2015/main" val="1"/>
+              </p:ext>
+            </p:extLst>
+          </p:nvPr>
+        </p:nvSpPr>
+        <p:spPr>
+          <a:xfrm rot="5400000" flipH="1">
+            <a:off x="1528907" y="2818967"/>
+            <a:ext cx="2501979" cy="5576080"/>
+          </a:xfrm>
+          <a:prstGeom prst="rect">
+            <a:avLst/>
+          </a:prstGeom>
+          <a:gradFill>
+            <a:gsLst>
+              <a:gs pos="2000">
+                <a:schemeClr val="accent1">
+                  <a:alpha val="29000"/>
+                </a:schemeClr>
+              </a:gs>
+              <a:gs pos="100000">
+                <a:srgbClr val="000000">
+                  <a:alpha val="30000"/>
+                </a:srgbClr>
+              </a:gs>
+            </a:gsLst>
+            <a:lin ang="7800000" scaled="0"/>
+          </a:gradFill>
+          <a:ln>
+            <a:noFill/>
+          </a:ln>
+        </p:spPr>
+        <p:style>
+          <a:lnRef idx="2">
+            <a:schemeClr val="accent1">
+              <a:shade val="50000"/>
+            </a:schemeClr>
+          </a:lnRef>
+          <a:fillRef idx="1">
+            <a:schemeClr val="accent1"/>
+          </a:fillRef>
+          <a:effectRef idx="0">
+            <a:schemeClr val="accent1"/>
+          </a:effectRef>
+          <a:fontRef idx="minor">
+            <a:schemeClr val="lt1"/>
+          </a:fontRef>
+        </p:style>
+        <p:txBody>
+          <a:bodyPr rtlCol="0" anchor="ctr"/>
+          <a:lstStyle/>
+          <a:p>
+            <a:pPr algn="ctr"/>
+            <a:endParaRPr lang="en-US" dirty="0"/>
+          </a:p>
+        </p:txBody>
+      </p:sp>
+      <p:sp>
+        <p:nvSpPr>
+          <p:cNvPr id="16" name="Rectangle 15">
+            <a:extLst>
+              <a:ext uri="{FF2B5EF4-FFF2-40B4-BE49-F238E27FC236}">
+                <a16:creationId xmlns:a16="http://schemas.microsoft.com/office/drawing/2014/main" id="{7D96243B-ECED-4B71-8E06-AE9A285EAD20}"/>
+              </a:ext>
+              <a:ext uri="{C183D7F6-B498-43B3-948B-1728B52AA6E4}">
+                <adec:decorative xmlns:adec="http://schemas.microsoft.com/office/drawing/2017/decorative" val="1"/>
+              </a:ext>
+            </a:extLst>
+          </p:cNvPr>
+          <p:cNvSpPr>
+            <a:spLocks noGrp="1" noRot="1" noChangeAspect="1" noMove="1" noResize="1" noEditPoints="1" noAdjustHandles="1" noChangeArrowheads="1" noChangeShapeType="1" noTextEdit="1"/>
+          </p:cNvSpPr>
+          <p:nvPr>
+            <p:extLst>
+              <p:ext uri="{386F3935-93C4-4BCD-93E2-E3B085C9AB24}">
+                <p16:designElem xmlns:p16="http://schemas.microsoft.com/office/powerpoint/2015/main" val="1"/>
+              </p:ext>
+            </p:extLst>
+          </p:nvPr>
+        </p:nvSpPr>
+        <p:spPr>
+          <a:xfrm rot="5400000" flipH="1">
+            <a:off x="-425002" y="852793"/>
+            <a:ext cx="6858001" cy="5152412"/>
+          </a:xfrm>
+          <a:prstGeom prst="rect">
+            <a:avLst/>
+          </a:prstGeom>
+          <a:gradFill>
+            <a:gsLst>
+              <a:gs pos="0">
+                <a:srgbClr val="000000">
+                  <a:alpha val="0"/>
+                </a:srgbClr>
+              </a:gs>
+              <a:gs pos="99000">
+                <a:schemeClr val="accent1">
+                  <a:alpha val="11000"/>
+                </a:schemeClr>
+              </a:gs>
+            </a:gsLst>
+            <a:lin ang="7800000" scaled="0"/>
+          </a:gradFill>
+          <a:ln>
+            <a:noFill/>
+          </a:ln>
+        </p:spPr>
+        <p:style>
+          <a:lnRef idx="2">
+            <a:schemeClr val="accent1">
+              <a:shade val="50000"/>
+            </a:schemeClr>
+          </a:lnRef>
+          <a:fillRef idx="1">
+            <a:schemeClr val="accent1"/>
+          </a:fillRef>
+          <a:effectRef idx="0">
+            <a:schemeClr val="accent1"/>
+          </a:effectRef>
+          <a:fontRef idx="minor">
+            <a:schemeClr val="lt1"/>
+          </a:fontRef>
+        </p:style>
+        <p:txBody>
+          <a:bodyPr rtlCol="0" anchor="ctr"/>
+          <a:lstStyle/>
+          <a:p>
+            <a:pPr algn="ctr"/>
+            <a:endParaRPr lang="en-US"/>
+          </a:p>
+        </p:txBody>
+      </p:sp>
+      <p:sp>
+        <p:nvSpPr>
+          <p:cNvPr id="18" name="Oval 17">
+            <a:extLst>
+              <a:ext uri="{FF2B5EF4-FFF2-40B4-BE49-F238E27FC236}">
+                <a16:creationId xmlns:a16="http://schemas.microsoft.com/office/drawing/2014/main" id="{A09989E4-EFDC-4A90-A633-E0525FB4139E}"/>
+              </a:ext>
+              <a:ext uri="{C183D7F6-B498-43B3-948B-1728B52AA6E4}">
+                <adec:decorative xmlns:adec="http://schemas.microsoft.com/office/drawing/2017/decorative" val="1"/>
+              </a:ext>
+            </a:extLst>
+          </p:cNvPr>
+          <p:cNvSpPr>
+            <a:spLocks noGrp="1" noRot="1" noChangeAspect="1" noMove="1" noResize="1" noEditPoints="1" noAdjustHandles="1" noChangeArrowheads="1" noChangeShapeType="1" noTextEdit="1"/>
+          </p:cNvSpPr>
+          <p:nvPr>
+            <p:extLst>
+              <p:ext uri="{386F3935-93C4-4BCD-93E2-E3B085C9AB24}">
+                <p16:designElem xmlns:p16="http://schemas.microsoft.com/office/powerpoint/2015/main" val="1"/>
+              </p:ext>
+            </p:extLst>
+          </p:nvPr>
+        </p:nvSpPr>
+        <p:spPr>
+          <a:xfrm rot="6097846">
+            <a:off x="818753" y="1128497"/>
+            <a:ext cx="4318303" cy="4318303"/>
+          </a:xfrm>
+          <a:prstGeom prst="ellipse">
+            <a:avLst/>
+          </a:prstGeom>
+          <a:gradFill>
+            <a:gsLst>
+              <a:gs pos="39000">
+                <a:schemeClr val="accent1">
+                  <a:alpha val="0"/>
+                </a:schemeClr>
+              </a:gs>
+              <a:gs pos="100000">
+                <a:schemeClr val="accent1">
+                  <a:lumMod val="60000"/>
+                  <a:lumOff val="40000"/>
+                  <a:alpha val="15000"/>
+                </a:schemeClr>
+              </a:gs>
+            </a:gsLst>
+            <a:lin ang="17400000" scaled="0"/>
+          </a:gradFill>
+          <a:ln>
+            <a:noFill/>
+          </a:ln>
+        </p:spPr>
+        <p:style>
+          <a:lnRef idx="2">
+            <a:schemeClr val="accent1">
+              <a:shade val="50000"/>
+            </a:schemeClr>
+          </a:lnRef>
+          <a:fillRef idx="1">
+            <a:schemeClr val="accent1"/>
+          </a:fillRef>
+          <a:effectRef idx="0">
+            <a:schemeClr val="accent1"/>
+          </a:effectRef>
+          <a:fontRef idx="minor">
+            <a:schemeClr val="lt1"/>
+          </a:fontRef>
+        </p:style>
+        <p:txBody>
+          <a:bodyPr rtlCol="0" anchor="ctr"/>
+          <a:lstStyle/>
+          <a:p>
+            <a:pPr algn="ctr"/>
+            <a:endParaRPr lang="en-US" dirty="0"/>
+          </a:p>
+        </p:txBody>
+      </p:sp>
       <p:sp>
         <p:nvSpPr>
           <p:cNvPr id="2" name="Nadpis 1">
@@ -3458,16 +5355,32 @@
             <p:ph type="title"/>
           </p:nvPr>
         </p:nvSpPr>
-        <p:spPr/>
-        <p:txBody>
-          <a:bodyPr/>
-          <a:lstStyle/>
-          <a:p>
-            <a:r>
-              <a:rPr lang="en-US" dirty="0" err="1"/>
+        <p:spPr>
+          <a:xfrm>
+            <a:off x="826396" y="586855"/>
+            <a:ext cx="4230100" cy="3387497"/>
+          </a:xfrm>
+        </p:spPr>
+        <p:txBody>
+          <a:bodyPr anchor="b">
+            <a:normAutofit/>
+          </a:bodyPr>
+          <a:lstStyle/>
+          <a:p>
+            <a:pPr algn="r"/>
+            <a:r>
+              <a:rPr lang="en-US" sz="4000">
+                <a:solidFill>
+                  <a:srgbClr val="FFFFFF"/>
+                </a:solidFill>
+              </a:rPr>
               <a:t>Zdroje</a:t>
             </a:r>
-            <a:endParaRPr lang="sk-SK" dirty="0"/>
+            <a:endParaRPr lang="sk-SK" sz="4000">
+              <a:solidFill>
+                <a:srgbClr val="FFFFFF"/>
+              </a:solidFill>
+            </a:endParaRPr>
           </a:p>
         </p:txBody>
       </p:sp>
@@ -3487,12 +5400,210 @@
             <p:ph idx="1"/>
           </p:nvPr>
         </p:nvSpPr>
-        <p:spPr/>
-        <p:txBody>
-          <a:bodyPr/>
-          <a:lstStyle/>
-          <a:p>
-            <a:endParaRPr lang="sk-SK" dirty="0"/>
+        <p:spPr>
+          <a:xfrm>
+            <a:off x="6503158" y="649480"/>
+            <a:ext cx="4862447" cy="5546047"/>
+          </a:xfrm>
+        </p:spPr>
+        <p:txBody>
+          <a:bodyPr anchor="ctr">
+            <a:normAutofit/>
+          </a:bodyPr>
+          <a:lstStyle/>
+          <a:p>
+            <a:r>
+              <a:rPr lang="sk-SK" sz="1800" dirty="0">
+                <a:effectLst/>
+                <a:latin typeface="Calibri" panose="020F0502020204030204" pitchFamily="34" charset="0"/>
+                <a:ea typeface="Calibri" panose="020F0502020204030204" pitchFamily="34" charset="0"/>
+                <a:cs typeface="Times New Roman" panose="02020603050405020304" pitchFamily="18" charset="0"/>
+                <a:hlinkClick r:id="rId2"/>
+              </a:rPr>
+              <a:t>https://www.techtarget.com/searchsecurity/definition/antivirus-software</a:t>
+            </a:r>
+            <a:r>
+              <a:rPr lang="sk-SK" sz="1800" dirty="0">
+                <a:effectLst/>
+                <a:latin typeface="Calibri" panose="020F0502020204030204" pitchFamily="34" charset="0"/>
+                <a:ea typeface="Calibri" panose="020F0502020204030204" pitchFamily="34" charset="0"/>
+                <a:cs typeface="Times New Roman" panose="02020603050405020304" pitchFamily="18" charset="0"/>
+              </a:rPr>
+              <a:t> </a:t>
+            </a:r>
+          </a:p>
+          <a:p>
+            <a:r>
+              <a:rPr lang="en-US" sz="1800" dirty="0">
+                <a:effectLst/>
+                <a:latin typeface="Calibri" panose="020F0502020204030204" pitchFamily="34" charset="0"/>
+                <a:ea typeface="Calibri" panose="020F0502020204030204" pitchFamily="34" charset="0"/>
+                <a:cs typeface="Times New Roman" panose="02020603050405020304" pitchFamily="18" charset="0"/>
+                <a:hlinkClick r:id="rId3"/>
+              </a:rPr>
+              <a:t>https://bezpecnenanete.eset.com/sk/pre-ucitelov/co-robi-antivirus-a-preco-ho-potrebujem</a:t>
+            </a:r>
+            <a:r>
+              <a:rPr lang="sk-SK" sz="1800" dirty="0">
+                <a:latin typeface="Calibri" panose="020F0502020204030204" pitchFamily="34" charset="0"/>
+                <a:ea typeface="Calibri" panose="020F0502020204030204" pitchFamily="34" charset="0"/>
+                <a:cs typeface="Times New Roman" panose="02020603050405020304" pitchFamily="18" charset="0"/>
+              </a:rPr>
+              <a:t> </a:t>
+            </a:r>
+          </a:p>
+          <a:p>
+            <a:r>
+              <a:rPr lang="en-US" sz="1800" dirty="0">
+                <a:effectLst/>
+                <a:latin typeface="Calibri" panose="020F0502020204030204" pitchFamily="34" charset="0"/>
+                <a:ea typeface="Calibri" panose="020F0502020204030204" pitchFamily="34" charset="0"/>
+                <a:cs typeface="Times New Roman" panose="02020603050405020304" pitchFamily="18" charset="0"/>
+                <a:hlinkClick r:id="rId4"/>
+              </a:rPr>
+              <a:t>https://www.techbox.sk/co-je-to-pocitacovy-virus-a-preco-je-pre-ludi-nebezpecny</a:t>
+            </a:r>
+            <a:endParaRPr lang="sk-SK" sz="1800" dirty="0">
+              <a:effectLst/>
+              <a:latin typeface="Calibri" panose="020F0502020204030204" pitchFamily="34" charset="0"/>
+              <a:ea typeface="Calibri" panose="020F0502020204030204" pitchFamily="34" charset="0"/>
+              <a:cs typeface="Times New Roman" panose="02020603050405020304" pitchFamily="18" charset="0"/>
+            </a:endParaRPr>
+          </a:p>
+          <a:p>
+            <a:r>
+              <a:rPr lang="en-US" sz="1800" dirty="0">
+                <a:effectLst/>
+                <a:latin typeface="Calibri" panose="020F0502020204030204" pitchFamily="34" charset="0"/>
+                <a:ea typeface="Calibri" panose="020F0502020204030204" pitchFamily="34" charset="0"/>
+                <a:cs typeface="Times New Roman" panose="02020603050405020304" pitchFamily="18" charset="0"/>
+                <a:hlinkClick r:id="rId5"/>
+              </a:rPr>
+              <a:t>https://www.eset.com/sk/malver</a:t>
+            </a:r>
+            <a:r>
+              <a:rPr lang="sk-SK" sz="1800" dirty="0">
+                <a:latin typeface="Calibri" panose="020F0502020204030204" pitchFamily="34" charset="0"/>
+                <a:ea typeface="Calibri" panose="020F0502020204030204" pitchFamily="34" charset="0"/>
+                <a:cs typeface="Times New Roman" panose="02020603050405020304" pitchFamily="18" charset="0"/>
+              </a:rPr>
+              <a:t> </a:t>
+            </a:r>
+          </a:p>
+          <a:p>
+            <a:r>
+              <a:rPr lang="en-US" sz="1800" dirty="0">
+                <a:effectLst/>
+                <a:latin typeface="Calibri" panose="020F0502020204030204" pitchFamily="34" charset="0"/>
+                <a:ea typeface="Calibri" panose="020F0502020204030204" pitchFamily="34" charset="0"/>
+                <a:cs typeface="Times New Roman" panose="02020603050405020304" pitchFamily="18" charset="0"/>
+                <a:hlinkClick r:id="rId6"/>
+              </a:rPr>
+              <a:t>https://www.eset.com/cz/spyware</a:t>
+            </a:r>
+            <a:endParaRPr lang="sk-SK" sz="1800" dirty="0">
+              <a:effectLst/>
+              <a:latin typeface="Calibri" panose="020F0502020204030204" pitchFamily="34" charset="0"/>
+              <a:ea typeface="Calibri" panose="020F0502020204030204" pitchFamily="34" charset="0"/>
+              <a:cs typeface="Times New Roman" panose="02020603050405020304" pitchFamily="18" charset="0"/>
+            </a:endParaRPr>
+          </a:p>
+          <a:p>
+            <a:r>
+              <a:rPr lang="sk-SK" sz="1800" dirty="0">
+                <a:solidFill>
+                  <a:srgbClr val="202122"/>
+                </a:solidFill>
+                <a:effectLst/>
+                <a:highlight>
+                  <a:srgbClr val="FFFFFF"/>
+                </a:highlight>
+                <a:latin typeface="Calibri" panose="020F0502020204030204" pitchFamily="34" charset="0"/>
+                <a:ea typeface="Calibri" panose="020F0502020204030204" pitchFamily="34" charset="0"/>
+                <a:cs typeface="Times New Roman" panose="02020603050405020304" pitchFamily="18" charset="0"/>
+                <a:hlinkClick r:id="rId7"/>
+              </a:rPr>
+              <a:t>https://zive.aktuality.sk</a:t>
+            </a:r>
+            <a:endParaRPr lang="sk-SK" sz="1800" dirty="0">
+              <a:solidFill>
+                <a:srgbClr val="202122"/>
+              </a:solidFill>
+              <a:highlight>
+                <a:srgbClr val="FFFFFF"/>
+              </a:highlight>
+              <a:latin typeface="Calibri" panose="020F0502020204030204" pitchFamily="34" charset="0"/>
+              <a:ea typeface="Calibri" panose="020F0502020204030204" pitchFamily="34" charset="0"/>
+              <a:cs typeface="Times New Roman" panose="02020603050405020304" pitchFamily="18" charset="0"/>
+            </a:endParaRPr>
+          </a:p>
+          <a:p>
+            <a:r>
+              <a:rPr lang="sk-SK" sz="1800" dirty="0">
+                <a:effectLst/>
+                <a:latin typeface="Calibri" panose="020F0502020204030204" pitchFamily="34" charset="0"/>
+                <a:ea typeface="Calibri" panose="020F0502020204030204" pitchFamily="34" charset="0"/>
+                <a:cs typeface="Times New Roman" panose="02020603050405020304" pitchFamily="18" charset="0"/>
+                <a:hlinkClick r:id="rId8"/>
+              </a:rPr>
+              <a:t>https://www.eset.com/sk/blog/domaca-it-bezpecnost/ako-rozpoznat-phishing/</a:t>
+            </a:r>
+            <a:r>
+              <a:rPr lang="sk-SK" sz="1800" dirty="0">
+                <a:solidFill>
+                  <a:srgbClr val="202122"/>
+                </a:solidFill>
+                <a:effectLst/>
+                <a:highlight>
+                  <a:srgbClr val="FFFFFF"/>
+                </a:highlight>
+                <a:latin typeface="Calibri" panose="020F0502020204030204" pitchFamily="34" charset="0"/>
+                <a:ea typeface="Calibri" panose="020F0502020204030204" pitchFamily="34" charset="0"/>
+                <a:cs typeface="Times New Roman" panose="02020603050405020304" pitchFamily="18" charset="0"/>
+              </a:rPr>
+              <a:t> </a:t>
+            </a:r>
+          </a:p>
+          <a:p>
+            <a:r>
+              <a:rPr lang="en-US" sz="1800" dirty="0">
+                <a:effectLst/>
+                <a:latin typeface="Calibri" panose="020F0502020204030204" pitchFamily="34" charset="0"/>
+                <a:ea typeface="Calibri" panose="020F0502020204030204" pitchFamily="34" charset="0"/>
+                <a:cs typeface="Times New Roman" panose="02020603050405020304" pitchFamily="18" charset="0"/>
+                <a:hlinkClick r:id="rId9"/>
+              </a:rPr>
+              <a:t>https://www.statista.com/statistics/204457/businesses-ransomware-attack-rate</a:t>
+            </a:r>
+            <a:r>
+              <a:rPr lang="sk-SK" sz="1800" dirty="0">
+                <a:solidFill>
+                  <a:srgbClr val="202122"/>
+                </a:solidFill>
+                <a:highlight>
+                  <a:srgbClr val="FFFFFF"/>
+                </a:highlight>
+                <a:latin typeface="Calibri" panose="020F0502020204030204" pitchFamily="34" charset="0"/>
+                <a:ea typeface="Calibri" panose="020F0502020204030204" pitchFamily="34" charset="0"/>
+                <a:cs typeface="Times New Roman" panose="02020603050405020304" pitchFamily="18" charset="0"/>
+              </a:rPr>
+              <a:t> </a:t>
+            </a:r>
+            <a:endParaRPr lang="sk-SK" sz="1800" dirty="0">
+              <a:solidFill>
+                <a:srgbClr val="202122"/>
+              </a:solidFill>
+              <a:effectLst/>
+              <a:highlight>
+                <a:srgbClr val="FFFFFF"/>
+              </a:highlight>
+              <a:latin typeface="Calibri" panose="020F0502020204030204" pitchFamily="34" charset="0"/>
+              <a:ea typeface="Calibri" panose="020F0502020204030204" pitchFamily="34" charset="0"/>
+              <a:cs typeface="Times New Roman" panose="02020603050405020304" pitchFamily="18" charset="0"/>
+            </a:endParaRPr>
+          </a:p>
+          <a:p>
+            <a:endParaRPr lang="sk-SK" sz="2000" dirty="0"/>
           </a:p>
         </p:txBody>
       </p:sp>
@@ -3512,6 +5623,14 @@
 <file path=ppt/slides/slide2.xml><?xml version="1.0" encoding="utf-8"?>
 <p:sld xmlns:a="http://schemas.openxmlformats.org/drawingml/2006/main" xmlns:r="http://schemas.openxmlformats.org/officeDocument/2006/relationships" xmlns:p="http://schemas.openxmlformats.org/presentationml/2006/main">
   <p:cSld>
+    <p:bg>
+      <p:bgPr>
+        <a:solidFill>
+          <a:schemeClr val="bg1"/>
+        </a:solidFill>
+        <a:effectLst/>
+      </p:bgPr>
+    </p:bg>
     <p:spTree>
       <p:nvGrpSpPr>
         <p:cNvPr id="1" name=""/>
@@ -3526,6 +5645,526 @@
           <a:chExt cx="0" cy="0"/>
         </a:xfrm>
       </p:grpSpPr>
+      <p:sp useBgFill="1">
+        <p:nvSpPr>
+          <p:cNvPr id="25" name="Rectangle 24">
+            <a:extLst>
+              <a:ext uri="{FF2B5EF4-FFF2-40B4-BE49-F238E27FC236}">
+                <a16:creationId xmlns:a16="http://schemas.microsoft.com/office/drawing/2014/main" id="{6F5A5072-7B47-4D32-B52A-4EBBF590B8A5}"/>
+              </a:ext>
+              <a:ext uri="{C183D7F6-B498-43B3-948B-1728B52AA6E4}">
+                <adec:decorative xmlns:adec="http://schemas.microsoft.com/office/drawing/2017/decorative" val="1"/>
+              </a:ext>
+            </a:extLst>
+          </p:cNvPr>
+          <p:cNvSpPr>
+            <a:spLocks noGrp="1" noRot="1" noChangeAspect="1" noMove="1" noResize="1" noEditPoints="1" noAdjustHandles="1" noChangeArrowheads="1" noChangeShapeType="1" noTextEdit="1"/>
+          </p:cNvSpPr>
+          <p:nvPr>
+            <p:extLst>
+              <p:ext uri="{386F3935-93C4-4BCD-93E2-E3B085C9AB24}">
+                <p16:designElem xmlns:p16="http://schemas.microsoft.com/office/powerpoint/2015/main" val="1"/>
+              </p:ext>
+            </p:extLst>
+          </p:nvPr>
+        </p:nvSpPr>
+        <p:spPr>
+          <a:xfrm>
+            <a:off x="0" y="0"/>
+            <a:ext cx="12192000" cy="6858000"/>
+          </a:xfrm>
+          <a:prstGeom prst="rect">
+            <a:avLst/>
+          </a:prstGeom>
+          <a:ln w="12700" cap="flat" cmpd="sng" algn="ctr">
+            <a:noFill/>
+            <a:prstDash val="solid"/>
+            <a:miter lim="800000"/>
+          </a:ln>
+          <a:effectLst/>
+          <a:extLst>
+            <a:ext uri="{91240B29-F687-4F45-9708-019B960494DF}">
+              <a14:hiddenLine xmlns:a14="http://schemas.microsoft.com/office/drawing/2010/main" w="12700" cap="flat" cmpd="sng" algn="ctr">
+                <a:solidFill>
+                  <a:schemeClr val="accent1">
+                    <a:shade val="50000"/>
+                  </a:schemeClr>
+                </a:solidFill>
+                <a:prstDash val="solid"/>
+                <a:miter lim="800000"/>
+              </a14:hiddenLine>
+            </a:ext>
+          </a:extLst>
+        </p:spPr>
+        <p:style>
+          <a:lnRef idx="2">
+            <a:schemeClr val="accent1">
+              <a:shade val="50000"/>
+            </a:schemeClr>
+          </a:lnRef>
+          <a:fillRef idx="1">
+            <a:schemeClr val="accent1"/>
+          </a:fillRef>
+          <a:effectRef idx="0">
+            <a:schemeClr val="accent1"/>
+          </a:effectRef>
+          <a:fontRef idx="minor">
+            <a:schemeClr val="lt1"/>
+          </a:fontRef>
+        </p:style>
+        <p:txBody>
+          <a:bodyPr rtlCol="0" anchor="ctr"/>
+          <a:lstStyle/>
+          <a:p>
+            <a:pPr algn="ctr"/>
+            <a:endParaRPr lang="en-US"/>
+          </a:p>
+        </p:txBody>
+      </p:sp>
+      <p:sp>
+        <p:nvSpPr>
+          <p:cNvPr id="27" name="Rectangle 26">
+            <a:extLst>
+              <a:ext uri="{FF2B5EF4-FFF2-40B4-BE49-F238E27FC236}">
+                <a16:creationId xmlns:a16="http://schemas.microsoft.com/office/drawing/2014/main" id="{9715DAF0-AE1B-46C9-8A6B-DB2AA05AB91D}"/>
+              </a:ext>
+              <a:ext uri="{C183D7F6-B498-43B3-948B-1728B52AA6E4}">
+                <adec:decorative xmlns:adec="http://schemas.microsoft.com/office/drawing/2017/decorative" val="1"/>
+              </a:ext>
+            </a:extLst>
+          </p:cNvPr>
+          <p:cNvSpPr>
+            <a:spLocks noGrp="1" noRot="1" noChangeAspect="1" noMove="1" noResize="1" noEditPoints="1" noAdjustHandles="1" noChangeArrowheads="1" noChangeShapeType="1" noTextEdit="1"/>
+          </p:cNvSpPr>
+          <p:nvPr>
+            <p:extLst>
+              <p:ext uri="{386F3935-93C4-4BCD-93E2-E3B085C9AB24}">
+                <p16:designElem xmlns:p16="http://schemas.microsoft.com/office/powerpoint/2015/main" val="1"/>
+              </p:ext>
+            </p:extLst>
+          </p:nvPr>
+        </p:nvSpPr>
+        <p:spPr>
+          <a:xfrm rot="10800000">
+            <a:off x="-2" y="-22693"/>
+            <a:ext cx="12191999" cy="4374129"/>
+          </a:xfrm>
+          <a:prstGeom prst="rect">
+            <a:avLst/>
+          </a:prstGeom>
+          <a:gradFill>
+            <a:gsLst>
+              <a:gs pos="0">
+                <a:schemeClr val="accent1">
+                  <a:lumMod val="75000"/>
+                </a:schemeClr>
+              </a:gs>
+              <a:gs pos="100000">
+                <a:srgbClr val="000000"/>
+              </a:gs>
+            </a:gsLst>
+            <a:lin ang="15000000" scaled="0"/>
+          </a:gradFill>
+          <a:ln>
+            <a:noFill/>
+          </a:ln>
+        </p:spPr>
+        <p:style>
+          <a:lnRef idx="2">
+            <a:schemeClr val="accent1">
+              <a:shade val="50000"/>
+            </a:schemeClr>
+          </a:lnRef>
+          <a:fillRef idx="1">
+            <a:schemeClr val="accent1"/>
+          </a:fillRef>
+          <a:effectRef idx="0">
+            <a:schemeClr val="accent1"/>
+          </a:effectRef>
+          <a:fontRef idx="minor">
+            <a:schemeClr val="lt1"/>
+          </a:fontRef>
+        </p:style>
+        <p:txBody>
+          <a:bodyPr rtlCol="0" anchor="ctr"/>
+          <a:lstStyle/>
+          <a:p>
+            <a:pPr algn="ctr"/>
+            <a:endParaRPr lang="en-US"/>
+          </a:p>
+        </p:txBody>
+      </p:sp>
+      <p:sp>
+        <p:nvSpPr>
+          <p:cNvPr id="29" name="Rectangle 28">
+            <a:extLst>
+              <a:ext uri="{FF2B5EF4-FFF2-40B4-BE49-F238E27FC236}">
+                <a16:creationId xmlns:a16="http://schemas.microsoft.com/office/drawing/2014/main" id="{6016219D-510E-4184-9090-6D5578A87BD1}"/>
+              </a:ext>
+              <a:ext uri="{C183D7F6-B498-43B3-948B-1728B52AA6E4}">
+                <adec:decorative xmlns:adec="http://schemas.microsoft.com/office/drawing/2017/decorative" val="1"/>
+              </a:ext>
+            </a:extLst>
+          </p:cNvPr>
+          <p:cNvSpPr>
+            <a:spLocks noGrp="1" noRot="1" noChangeAspect="1" noMove="1" noResize="1" noEditPoints="1" noAdjustHandles="1" noChangeArrowheads="1" noChangeShapeType="1" noTextEdit="1"/>
+          </p:cNvSpPr>
+          <p:nvPr>
+            <p:extLst>
+              <p:ext uri="{386F3935-93C4-4BCD-93E2-E3B085C9AB24}">
+                <p16:designElem xmlns:p16="http://schemas.microsoft.com/office/powerpoint/2015/main" val="1"/>
+              </p:ext>
+            </p:extLst>
+          </p:nvPr>
+        </p:nvSpPr>
+        <p:spPr>
+          <a:xfrm rot="5400000">
+            <a:off x="3908719" y="-3931841"/>
+            <a:ext cx="4374557" cy="12192000"/>
+          </a:xfrm>
+          <a:prstGeom prst="rect">
+            <a:avLst/>
+          </a:prstGeom>
+          <a:gradFill>
+            <a:gsLst>
+              <a:gs pos="40000">
+                <a:schemeClr val="accent1">
+                  <a:alpha val="0"/>
+                </a:schemeClr>
+              </a:gs>
+              <a:gs pos="100000">
+                <a:schemeClr val="accent1">
+                  <a:lumMod val="75000"/>
+                  <a:alpha val="52000"/>
+                </a:schemeClr>
+              </a:gs>
+            </a:gsLst>
+            <a:lin ang="2400000" scaled="0"/>
+          </a:gradFill>
+          <a:ln>
+            <a:noFill/>
+          </a:ln>
+        </p:spPr>
+        <p:style>
+          <a:lnRef idx="2">
+            <a:schemeClr val="accent1">
+              <a:shade val="50000"/>
+            </a:schemeClr>
+          </a:lnRef>
+          <a:fillRef idx="1">
+            <a:schemeClr val="accent1"/>
+          </a:fillRef>
+          <a:effectRef idx="0">
+            <a:schemeClr val="accent1"/>
+          </a:effectRef>
+          <a:fontRef idx="minor">
+            <a:schemeClr val="lt1"/>
+          </a:fontRef>
+        </p:style>
+        <p:txBody>
+          <a:bodyPr rtlCol="0" anchor="ctr"/>
+          <a:lstStyle/>
+          <a:p>
+            <a:pPr algn="ctr"/>
+            <a:endParaRPr lang="en-US"/>
+          </a:p>
+        </p:txBody>
+      </p:sp>
+      <p:sp>
+        <p:nvSpPr>
+          <p:cNvPr id="31" name="Rectangle 30">
+            <a:extLst>
+              <a:ext uri="{FF2B5EF4-FFF2-40B4-BE49-F238E27FC236}">
+                <a16:creationId xmlns:a16="http://schemas.microsoft.com/office/drawing/2014/main" id="{AFF4A713-7B75-4B21-90D7-5AB19547C728}"/>
+              </a:ext>
+              <a:ext uri="{C183D7F6-B498-43B3-948B-1728B52AA6E4}">
+                <adec:decorative xmlns:adec="http://schemas.microsoft.com/office/drawing/2017/decorative" val="1"/>
+              </a:ext>
+            </a:extLst>
+          </p:cNvPr>
+          <p:cNvSpPr>
+            <a:spLocks noGrp="1" noRot="1" noChangeAspect="1" noMove="1" noResize="1" noEditPoints="1" noAdjustHandles="1" noChangeArrowheads="1" noChangeShapeType="1" noTextEdit="1"/>
+          </p:cNvSpPr>
+          <p:nvPr>
+            <p:extLst>
+              <p:ext uri="{386F3935-93C4-4BCD-93E2-E3B085C9AB24}">
+                <p16:designElem xmlns:p16="http://schemas.microsoft.com/office/powerpoint/2015/main" val="1"/>
+              </p:ext>
+            </p:extLst>
+          </p:nvPr>
+        </p:nvSpPr>
+        <p:spPr>
+          <a:xfrm rot="5400000">
+            <a:off x="4136696" y="-3703868"/>
+            <a:ext cx="4374128" cy="11736479"/>
+          </a:xfrm>
+          <a:prstGeom prst="rect">
+            <a:avLst/>
+          </a:prstGeom>
+          <a:gradFill>
+            <a:gsLst>
+              <a:gs pos="17000">
+                <a:schemeClr val="accent1">
+                  <a:alpha val="0"/>
+                </a:schemeClr>
+              </a:gs>
+              <a:gs pos="100000">
+                <a:srgbClr val="000000">
+                  <a:alpha val="37000"/>
+                </a:srgbClr>
+              </a:gs>
+            </a:gsLst>
+            <a:lin ang="7800000" scaled="0"/>
+          </a:gradFill>
+          <a:ln>
+            <a:noFill/>
+          </a:ln>
+        </p:spPr>
+        <p:style>
+          <a:lnRef idx="2">
+            <a:schemeClr val="accent1">
+              <a:shade val="50000"/>
+            </a:schemeClr>
+          </a:lnRef>
+          <a:fillRef idx="1">
+            <a:schemeClr val="accent1"/>
+          </a:fillRef>
+          <a:effectRef idx="0">
+            <a:schemeClr val="accent1"/>
+          </a:effectRef>
+          <a:fontRef idx="minor">
+            <a:schemeClr val="lt1"/>
+          </a:fontRef>
+        </p:style>
+        <p:txBody>
+          <a:bodyPr rtlCol="0" anchor="ctr"/>
+          <a:lstStyle/>
+          <a:p>
+            <a:pPr algn="ctr"/>
+            <a:endParaRPr lang="en-US"/>
+          </a:p>
+        </p:txBody>
+      </p:sp>
+      <p:sp>
+        <p:nvSpPr>
+          <p:cNvPr id="33" name="Rectangle 32">
+            <a:extLst>
+              <a:ext uri="{FF2B5EF4-FFF2-40B4-BE49-F238E27FC236}">
+                <a16:creationId xmlns:a16="http://schemas.microsoft.com/office/drawing/2014/main" id="{DC631C0B-6DA6-4E57-8231-CE32B3434A7E}"/>
+              </a:ext>
+              <a:ext uri="{C183D7F6-B498-43B3-948B-1728B52AA6E4}">
+                <adec:decorative xmlns:adec="http://schemas.microsoft.com/office/drawing/2017/decorative" val="1"/>
+              </a:ext>
+            </a:extLst>
+          </p:cNvPr>
+          <p:cNvSpPr>
+            <a:spLocks noGrp="1" noRot="1" noChangeAspect="1" noMove="1" noResize="1" noEditPoints="1" noAdjustHandles="1" noChangeArrowheads="1" noChangeShapeType="1" noTextEdit="1"/>
+          </p:cNvSpPr>
+          <p:nvPr>
+            <p:extLst>
+              <p:ext uri="{386F3935-93C4-4BCD-93E2-E3B085C9AB24}">
+                <p16:designElem xmlns:p16="http://schemas.microsoft.com/office/powerpoint/2015/main" val="1"/>
+              </p:ext>
+            </p:extLst>
+          </p:nvPr>
+        </p:nvSpPr>
+        <p:spPr>
+          <a:xfrm>
+            <a:off x="-5" y="-22690"/>
+            <a:ext cx="8542485" cy="4374126"/>
+          </a:xfrm>
+          <a:prstGeom prst="rect">
+            <a:avLst/>
+          </a:prstGeom>
+          <a:gradFill>
+            <a:gsLst>
+              <a:gs pos="0">
+                <a:schemeClr val="accent1">
+                  <a:lumMod val="50000"/>
+                  <a:alpha val="0"/>
+                </a:schemeClr>
+              </a:gs>
+              <a:gs pos="100000">
+                <a:srgbClr val="000000">
+                  <a:alpha val="25000"/>
+                </a:srgbClr>
+              </a:gs>
+            </a:gsLst>
+            <a:lin ang="18600000" scaled="0"/>
+          </a:gradFill>
+          <a:ln>
+            <a:noFill/>
+          </a:ln>
+        </p:spPr>
+        <p:style>
+          <a:lnRef idx="2">
+            <a:schemeClr val="accent1">
+              <a:shade val="50000"/>
+            </a:schemeClr>
+          </a:lnRef>
+          <a:fillRef idx="1">
+            <a:schemeClr val="accent1"/>
+          </a:fillRef>
+          <a:effectRef idx="0">
+            <a:schemeClr val="accent1"/>
+          </a:effectRef>
+          <a:fontRef idx="minor">
+            <a:schemeClr val="lt1"/>
+          </a:fontRef>
+        </p:style>
+        <p:txBody>
+          <a:bodyPr rtlCol="0" anchor="ctr"/>
+          <a:lstStyle/>
+          <a:p>
+            <a:pPr algn="ctr"/>
+            <a:endParaRPr lang="en-US"/>
+          </a:p>
+        </p:txBody>
+      </p:sp>
+      <p:sp>
+        <p:nvSpPr>
+          <p:cNvPr id="35" name="Freeform: Shape 34">
+            <a:extLst>
+              <a:ext uri="{FF2B5EF4-FFF2-40B4-BE49-F238E27FC236}">
+                <a16:creationId xmlns:a16="http://schemas.microsoft.com/office/drawing/2014/main" id="{C29501E6-A978-4A61-9689-9085AF97A53A}"/>
+              </a:ext>
+              <a:ext uri="{C183D7F6-B498-43B3-948B-1728B52AA6E4}">
+                <adec:decorative xmlns:adec="http://schemas.microsoft.com/office/drawing/2017/decorative" val="1"/>
+              </a:ext>
+            </a:extLst>
+          </p:cNvPr>
+          <p:cNvSpPr>
+            <a:spLocks noGrp="1" noRot="1" noChangeAspect="1" noMove="1" noResize="1" noEditPoints="1" noAdjustHandles="1" noChangeArrowheads="1" noChangeShapeType="1" noTextEdit="1"/>
+          </p:cNvSpPr>
+          <p:nvPr>
+            <p:extLst>
+              <p:ext uri="{386F3935-93C4-4BCD-93E2-E3B085C9AB24}">
+                <p16:designElem xmlns:p16="http://schemas.microsoft.com/office/powerpoint/2015/main" val="1"/>
+              </p:ext>
+            </p:extLst>
+          </p:nvPr>
+        </p:nvSpPr>
+        <p:spPr>
+          <a:xfrm rot="12508972">
+            <a:off x="5945431" y="-1032053"/>
+            <a:ext cx="4990147" cy="4439131"/>
+          </a:xfrm>
+          <a:custGeom>
+            <a:avLst/>
+            <a:gdLst>
+              <a:gd name="connsiteX0" fmla="*/ 4990147 w 4990147"/>
+              <a:gd name="connsiteY0" fmla="*/ 2229378 h 4439131"/>
+              <a:gd name="connsiteX1" fmla="*/ 917384 w 4990147"/>
+              <a:gd name="connsiteY1" fmla="*/ 4439131 h 4439131"/>
+              <a:gd name="connsiteX2" fmla="*/ 910814 w 4990147"/>
+              <a:gd name="connsiteY2" fmla="*/ 4434219 h 4439131"/>
+              <a:gd name="connsiteX3" fmla="*/ 0 w 4990147"/>
+              <a:gd name="connsiteY3" fmla="*/ 2502877 h 4439131"/>
+              <a:gd name="connsiteX4" fmla="*/ 2502877 w 4990147"/>
+              <a:gd name="connsiteY4" fmla="*/ 0 h 4439131"/>
+              <a:gd name="connsiteX5" fmla="*/ 4954904 w 4990147"/>
+              <a:gd name="connsiteY5" fmla="*/ 1998460 h 4439131"/>
+            </a:gdLst>
+            <a:ahLst/>
+            <a:cxnLst>
+              <a:cxn ang="0">
+                <a:pos x="connsiteX0" y="connsiteY0"/>
+              </a:cxn>
+              <a:cxn ang="0">
+                <a:pos x="connsiteX1" y="connsiteY1"/>
+              </a:cxn>
+              <a:cxn ang="0">
+                <a:pos x="connsiteX2" y="connsiteY2"/>
+              </a:cxn>
+              <a:cxn ang="0">
+                <a:pos x="connsiteX3" y="connsiteY3"/>
+              </a:cxn>
+              <a:cxn ang="0">
+                <a:pos x="connsiteX4" y="connsiteY4"/>
+              </a:cxn>
+              <a:cxn ang="0">
+                <a:pos x="connsiteX5" y="connsiteY5"/>
+              </a:cxn>
+            </a:cxnLst>
+            <a:rect l="l" t="t" r="r" b="b"/>
+            <a:pathLst>
+              <a:path w="4990147" h="4439131">
+                <a:moveTo>
+                  <a:pt x="4990147" y="2229378"/>
+                </a:moveTo>
+                <a:lnTo>
+                  <a:pt x="917384" y="4439131"/>
+                </a:lnTo>
+                <a:lnTo>
+                  <a:pt x="910814" y="4434219"/>
+                </a:lnTo>
+                <a:cubicBezTo>
+                  <a:pt x="354557" y="3975154"/>
+                  <a:pt x="0" y="3280421"/>
+                  <a:pt x="0" y="2502877"/>
+                </a:cubicBezTo>
+                <a:cubicBezTo>
+                  <a:pt x="0" y="1120576"/>
+                  <a:pt x="1120576" y="0"/>
+                  <a:pt x="2502877" y="0"/>
+                </a:cubicBezTo>
+                <a:cubicBezTo>
+                  <a:pt x="3712390" y="0"/>
+                  <a:pt x="4721520" y="857941"/>
+                  <a:pt x="4954904" y="1998460"/>
+                </a:cubicBezTo>
+                <a:close/>
+              </a:path>
+            </a:pathLst>
+          </a:custGeom>
+          <a:gradFill>
+            <a:gsLst>
+              <a:gs pos="0">
+                <a:schemeClr val="accent1">
+                  <a:alpha val="22000"/>
+                </a:schemeClr>
+              </a:gs>
+              <a:gs pos="87000">
+                <a:schemeClr val="accent1">
+                  <a:lumMod val="60000"/>
+                  <a:lumOff val="40000"/>
+                  <a:alpha val="2000"/>
+                </a:schemeClr>
+              </a:gs>
+            </a:gsLst>
+            <a:lin ang="8400000" scaled="0"/>
+          </a:gradFill>
+          <a:ln>
+            <a:noFill/>
+          </a:ln>
+        </p:spPr>
+        <p:style>
+          <a:lnRef idx="2">
+            <a:schemeClr val="accent1">
+              <a:shade val="50000"/>
+            </a:schemeClr>
+          </a:lnRef>
+          <a:fillRef idx="1">
+            <a:schemeClr val="accent1"/>
+          </a:fillRef>
+          <a:effectRef idx="0">
+            <a:schemeClr val="accent1"/>
+          </a:effectRef>
+          <a:fontRef idx="minor">
+            <a:schemeClr val="lt1"/>
+          </a:fontRef>
+        </p:style>
+        <p:txBody>
+          <a:bodyPr wrap="square" rtlCol="0" anchor="ctr">
+            <a:noAutofit/>
+          </a:bodyPr>
+          <a:lstStyle/>
+          <a:p>
+            <a:pPr algn="ctr"/>
+            <a:endParaRPr lang="en-US" dirty="0"/>
+          </a:p>
+        </p:txBody>
+      </p:sp>
       <p:sp>
         <p:nvSpPr>
           <p:cNvPr id="2" name="Nadpis 1">
@@ -3542,13 +6181,27 @@
             <p:ph type="title"/>
           </p:nvPr>
         </p:nvSpPr>
-        <p:spPr/>
-        <p:txBody>
-          <a:bodyPr/>
-          <a:lstStyle/>
-          <a:p>
-            <a:r>
-              <a:rPr lang="sk-SK" dirty="0"/>
+        <p:spPr>
+          <a:xfrm>
+            <a:off x="1314824" y="735106"/>
+            <a:ext cx="10053763" cy="2928470"/>
+          </a:xfrm>
+        </p:spPr>
+        <p:txBody>
+          <a:bodyPr vert="horz" lIns="91440" tIns="45720" rIns="91440" bIns="45720" rtlCol="0" anchor="b">
+            <a:normAutofit/>
+          </a:bodyPr>
+          <a:lstStyle/>
+          <a:p>
+            <a:r>
+              <a:rPr lang="en-US" sz="4800" kern="1200">
+                <a:solidFill>
+                  <a:srgbClr val="FFFFFF"/>
+                </a:solidFill>
+                <a:latin typeface="+mj-lt"/>
+                <a:ea typeface="+mj-ea"/>
+                <a:cs typeface="+mj-cs"/>
+              </a:rPr>
               <a:t>Úvod</a:t>
             </a:r>
           </a:p>
@@ -3570,38 +6223,32 @@
             <p:ph idx="1"/>
           </p:nvPr>
         </p:nvSpPr>
-        <p:spPr/>
-        <p:txBody>
-          <a:bodyPr/>
-          <a:lstStyle/>
-          <a:p>
-            <a:r>
-              <a:rPr lang="sk-SK" dirty="0"/>
-              <a:t>Predstavenie </a:t>
-            </a:r>
-          </a:p>
-          <a:p>
-            <a:r>
-              <a:rPr lang="en-US" dirty="0" err="1"/>
-              <a:t>Zamer</a:t>
-            </a:r>
-            <a:r>
-              <a:rPr lang="en-US" dirty="0"/>
-              <a:t> </a:t>
-            </a:r>
-            <a:r>
-              <a:rPr lang="en-US" dirty="0" err="1"/>
-              <a:t>tejto</a:t>
-            </a:r>
-            <a:r>
-              <a:rPr lang="en-US" dirty="0"/>
-              <a:t> </a:t>
-            </a:r>
-            <a:r>
-              <a:rPr lang="en-US" dirty="0" err="1"/>
-              <a:t>prace</a:t>
-            </a:r>
-            <a:endParaRPr lang="sk-SK" dirty="0"/>
+        <p:spPr>
+          <a:xfrm>
+            <a:off x="1350682" y="4870824"/>
+            <a:ext cx="10005951" cy="1458258"/>
+          </a:xfrm>
+        </p:spPr>
+        <p:txBody>
+          <a:bodyPr vert="horz" lIns="91440" tIns="45720" rIns="91440" bIns="45720" rtlCol="0" anchor="ctr">
+            <a:normAutofit/>
+          </a:bodyPr>
+          <a:lstStyle/>
+          <a:p>
+            <a:pPr marL="0" indent="0">
+              <a:buNone/>
+            </a:pPr>
+            <a:r>
+              <a:rPr lang="en-US" sz="2400" kern="1200">
+                <a:solidFill>
+                  <a:schemeClr val="tx1"/>
+                </a:solidFill>
+                <a:latin typeface="+mn-lt"/>
+                <a:ea typeface="+mn-ea"/>
+                <a:cs typeface="+mn-cs"/>
+              </a:rPr>
+              <a:t>Zámer práce a téma</a:t>
+            </a:r>
           </a:p>
         </p:txBody>
       </p:sp>
@@ -3621,6 +6268,14 @@
 <file path=ppt/slides/slide3.xml><?xml version="1.0" encoding="utf-8"?>
 <p:sld xmlns:a="http://schemas.openxmlformats.org/drawingml/2006/main" xmlns:r="http://schemas.openxmlformats.org/officeDocument/2006/relationships" xmlns:p="http://schemas.openxmlformats.org/presentationml/2006/main">
   <p:cSld>
+    <p:bg>
+      <p:bgPr>
+        <a:solidFill>
+          <a:schemeClr val="bg1"/>
+        </a:solidFill>
+        <a:effectLst/>
+      </p:bgPr>
+    </p:bg>
     <p:spTree>
       <p:nvGrpSpPr>
         <p:cNvPr id="1" name=""/>
@@ -3635,6 +6290,382 @@
           <a:chExt cx="0" cy="0"/>
         </a:xfrm>
       </p:grpSpPr>
+      <p:sp useBgFill="1">
+        <p:nvSpPr>
+          <p:cNvPr id="8" name="Rectangle 7">
+            <a:extLst>
+              <a:ext uri="{FF2B5EF4-FFF2-40B4-BE49-F238E27FC236}">
+                <a16:creationId xmlns:a16="http://schemas.microsoft.com/office/drawing/2014/main" id="{1B15ED52-F352-441B-82BF-E0EA34836D08}"/>
+              </a:ext>
+              <a:ext uri="{C183D7F6-B498-43B3-948B-1728B52AA6E4}">
+                <adec:decorative xmlns:adec="http://schemas.microsoft.com/office/drawing/2017/decorative" val="1"/>
+              </a:ext>
+            </a:extLst>
+          </p:cNvPr>
+          <p:cNvSpPr>
+            <a:spLocks noGrp="1" noRot="1" noChangeAspect="1" noMove="1" noResize="1" noEditPoints="1" noAdjustHandles="1" noChangeArrowheads="1" noChangeShapeType="1" noTextEdit="1"/>
+          </p:cNvSpPr>
+          <p:nvPr>
+            <p:extLst>
+              <p:ext uri="{386F3935-93C4-4BCD-93E2-E3B085C9AB24}">
+                <p16:designElem xmlns:p16="http://schemas.microsoft.com/office/powerpoint/2015/main" val="1"/>
+              </p:ext>
+            </p:extLst>
+          </p:nvPr>
+        </p:nvSpPr>
+        <p:spPr>
+          <a:xfrm>
+            <a:off x="0" y="0"/>
+            <a:ext cx="12192000" cy="6858000"/>
+          </a:xfrm>
+          <a:prstGeom prst="rect">
+            <a:avLst/>
+          </a:prstGeom>
+          <a:ln w="12700" cap="flat" cmpd="sng" algn="ctr">
+            <a:noFill/>
+            <a:prstDash val="solid"/>
+            <a:miter lim="800000"/>
+          </a:ln>
+          <a:effectLst/>
+          <a:extLst>
+            <a:ext uri="{91240B29-F687-4F45-9708-019B960494DF}">
+              <a14:hiddenLine xmlns:a14="http://schemas.microsoft.com/office/drawing/2010/main" w="12700" cap="flat" cmpd="sng" algn="ctr">
+                <a:solidFill>
+                  <a:schemeClr val="accent1">
+                    <a:shade val="50000"/>
+                  </a:schemeClr>
+                </a:solidFill>
+                <a:prstDash val="solid"/>
+                <a:miter lim="800000"/>
+              </a14:hiddenLine>
+            </a:ext>
+          </a:extLst>
+        </p:spPr>
+        <p:style>
+          <a:lnRef idx="2">
+            <a:schemeClr val="accent1">
+              <a:shade val="50000"/>
+            </a:schemeClr>
+          </a:lnRef>
+          <a:fillRef idx="1">
+            <a:schemeClr val="accent1"/>
+          </a:fillRef>
+          <a:effectRef idx="0">
+            <a:schemeClr val="accent1"/>
+          </a:effectRef>
+          <a:fontRef idx="minor">
+            <a:schemeClr val="lt1"/>
+          </a:fontRef>
+        </p:style>
+        <p:txBody>
+          <a:bodyPr rtlCol="0" anchor="ctr"/>
+          <a:lstStyle/>
+          <a:p>
+            <a:pPr algn="ctr"/>
+            <a:endParaRPr lang="en-US"/>
+          </a:p>
+        </p:txBody>
+      </p:sp>
+      <p:sp>
+        <p:nvSpPr>
+          <p:cNvPr id="10" name="Rectangle 9">
+            <a:extLst>
+              <a:ext uri="{FF2B5EF4-FFF2-40B4-BE49-F238E27FC236}">
+                <a16:creationId xmlns:a16="http://schemas.microsoft.com/office/drawing/2014/main" id="{3B2E3793-BFE6-45A2-9B7B-E18844431C99}"/>
+              </a:ext>
+              <a:ext uri="{C183D7F6-B498-43B3-948B-1728B52AA6E4}">
+                <adec:decorative xmlns:adec="http://schemas.microsoft.com/office/drawing/2017/decorative" val="1"/>
+              </a:ext>
+            </a:extLst>
+          </p:cNvPr>
+          <p:cNvSpPr>
+            <a:spLocks noGrp="1" noRot="1" noChangeAspect="1" noMove="1" noResize="1" noEditPoints="1" noAdjustHandles="1" noChangeArrowheads="1" noChangeShapeType="1" noTextEdit="1"/>
+          </p:cNvSpPr>
+          <p:nvPr>
+            <p:extLst>
+              <p:ext uri="{386F3935-93C4-4BCD-93E2-E3B085C9AB24}">
+                <p16:designElem xmlns:p16="http://schemas.microsoft.com/office/powerpoint/2015/main" val="1"/>
+              </p:ext>
+            </p:extLst>
+          </p:nvPr>
+        </p:nvSpPr>
+        <p:spPr>
+          <a:xfrm flipH="1">
+            <a:off x="-1" y="-1"/>
+            <a:ext cx="12191998" cy="1590742"/>
+          </a:xfrm>
+          <a:prstGeom prst="rect">
+            <a:avLst/>
+          </a:prstGeom>
+          <a:gradFill>
+            <a:gsLst>
+              <a:gs pos="0">
+                <a:srgbClr val="000000"/>
+              </a:gs>
+              <a:gs pos="100000">
+                <a:schemeClr val="accent1">
+                  <a:lumMod val="75000"/>
+                </a:schemeClr>
+              </a:gs>
+            </a:gsLst>
+            <a:lin ang="8400000" scaled="0"/>
+          </a:gradFill>
+          <a:ln>
+            <a:noFill/>
+          </a:ln>
+        </p:spPr>
+        <p:style>
+          <a:lnRef idx="2">
+            <a:schemeClr val="accent1">
+              <a:shade val="50000"/>
+            </a:schemeClr>
+          </a:lnRef>
+          <a:fillRef idx="1">
+            <a:schemeClr val="accent1"/>
+          </a:fillRef>
+          <a:effectRef idx="0">
+            <a:schemeClr val="accent1"/>
+          </a:effectRef>
+          <a:fontRef idx="minor">
+            <a:schemeClr val="lt1"/>
+          </a:fontRef>
+        </p:style>
+        <p:txBody>
+          <a:bodyPr rtlCol="0" anchor="ctr"/>
+          <a:lstStyle/>
+          <a:p>
+            <a:pPr algn="ctr"/>
+            <a:endParaRPr lang="en-US"/>
+          </a:p>
+        </p:txBody>
+      </p:sp>
+      <p:sp>
+        <p:nvSpPr>
+          <p:cNvPr id="12" name="Rectangle 11">
+            <a:extLst>
+              <a:ext uri="{FF2B5EF4-FFF2-40B4-BE49-F238E27FC236}">
+                <a16:creationId xmlns:a16="http://schemas.microsoft.com/office/drawing/2014/main" id="{BC4C4868-CB8F-4AF9-9CDB-8108F2C19B67}"/>
+              </a:ext>
+              <a:ext uri="{C183D7F6-B498-43B3-948B-1728B52AA6E4}">
+                <adec:decorative xmlns:adec="http://schemas.microsoft.com/office/drawing/2017/decorative" val="1"/>
+              </a:ext>
+            </a:extLst>
+          </p:cNvPr>
+          <p:cNvSpPr>
+            <a:spLocks noGrp="1" noRot="1" noChangeAspect="1" noMove="1" noResize="1" noEditPoints="1" noAdjustHandles="1" noChangeArrowheads="1" noChangeShapeType="1" noTextEdit="1"/>
+          </p:cNvSpPr>
+          <p:nvPr>
+            <p:extLst>
+              <p:ext uri="{386F3935-93C4-4BCD-93E2-E3B085C9AB24}">
+                <p16:designElem xmlns:p16="http://schemas.microsoft.com/office/powerpoint/2015/main" val="1"/>
+              </p:ext>
+            </p:extLst>
+          </p:nvPr>
+        </p:nvSpPr>
+        <p:spPr>
+          <a:xfrm rot="10800000" flipH="1">
+            <a:off x="-3" y="0"/>
+            <a:ext cx="8115306" cy="1590742"/>
+          </a:xfrm>
+          <a:prstGeom prst="rect">
+            <a:avLst/>
+          </a:prstGeom>
+          <a:gradFill>
+            <a:gsLst>
+              <a:gs pos="20000">
+                <a:schemeClr val="accent1">
+                  <a:alpha val="0"/>
+                </a:schemeClr>
+              </a:gs>
+              <a:gs pos="100000">
+                <a:schemeClr val="accent1">
+                  <a:lumMod val="50000"/>
+                  <a:alpha val="55000"/>
+                </a:schemeClr>
+              </a:gs>
+            </a:gsLst>
+            <a:lin ang="13800000" scaled="0"/>
+          </a:gradFill>
+          <a:ln>
+            <a:noFill/>
+          </a:ln>
+        </p:spPr>
+        <p:style>
+          <a:lnRef idx="2">
+            <a:schemeClr val="accent1">
+              <a:shade val="50000"/>
+            </a:schemeClr>
+          </a:lnRef>
+          <a:fillRef idx="1">
+            <a:schemeClr val="accent1"/>
+          </a:fillRef>
+          <a:effectRef idx="0">
+            <a:schemeClr val="accent1"/>
+          </a:effectRef>
+          <a:fontRef idx="minor">
+            <a:schemeClr val="lt1"/>
+          </a:fontRef>
+        </p:style>
+        <p:txBody>
+          <a:bodyPr rtlCol="0" anchor="ctr"/>
+          <a:lstStyle/>
+          <a:p>
+            <a:pPr algn="ctr"/>
+            <a:endParaRPr lang="en-US"/>
+          </a:p>
+        </p:txBody>
+      </p:sp>
+      <p:sp>
+        <p:nvSpPr>
+          <p:cNvPr id="14" name="Rectangle 13">
+            <a:extLst>
+              <a:ext uri="{FF2B5EF4-FFF2-40B4-BE49-F238E27FC236}">
+                <a16:creationId xmlns:a16="http://schemas.microsoft.com/office/drawing/2014/main" id="{375E0459-6403-40CD-989D-56A4407CA12E}"/>
+              </a:ext>
+              <a:ext uri="{C183D7F6-B498-43B3-948B-1728B52AA6E4}">
+                <adec:decorative xmlns:adec="http://schemas.microsoft.com/office/drawing/2017/decorative" val="1"/>
+              </a:ext>
+            </a:extLst>
+          </p:cNvPr>
+          <p:cNvSpPr>
+            <a:spLocks noGrp="1" noRot="1" noChangeAspect="1" noMove="1" noResize="1" noEditPoints="1" noAdjustHandles="1" noChangeArrowheads="1" noChangeShapeType="1" noTextEdit="1"/>
+          </p:cNvSpPr>
+          <p:nvPr>
+            <p:extLst>
+              <p:ext uri="{386F3935-93C4-4BCD-93E2-E3B085C9AB24}">
+                <p16:designElem xmlns:p16="http://schemas.microsoft.com/office/powerpoint/2015/main" val="1"/>
+              </p:ext>
+            </p:extLst>
+          </p:nvPr>
+        </p:nvSpPr>
+        <p:spPr>
+          <a:xfrm flipH="1">
+            <a:off x="8115299" y="-1"/>
+            <a:ext cx="4076698" cy="1590742"/>
+          </a:xfrm>
+          <a:prstGeom prst="rect">
+            <a:avLst/>
+          </a:prstGeom>
+          <a:gradFill>
+            <a:gsLst>
+              <a:gs pos="0">
+                <a:schemeClr val="accent1">
+                  <a:alpha val="66000"/>
+                </a:schemeClr>
+              </a:gs>
+              <a:gs pos="100000">
+                <a:srgbClr val="000000">
+                  <a:alpha val="30000"/>
+                </a:srgbClr>
+              </a:gs>
+            </a:gsLst>
+            <a:lin ang="13200000" scaled="0"/>
+          </a:gradFill>
+          <a:ln>
+            <a:noFill/>
+          </a:ln>
+        </p:spPr>
+        <p:style>
+          <a:lnRef idx="2">
+            <a:schemeClr val="accent1">
+              <a:shade val="50000"/>
+            </a:schemeClr>
+          </a:lnRef>
+          <a:fillRef idx="1">
+            <a:schemeClr val="accent1"/>
+          </a:fillRef>
+          <a:effectRef idx="0">
+            <a:schemeClr val="accent1"/>
+          </a:effectRef>
+          <a:fontRef idx="minor">
+            <a:schemeClr val="lt1"/>
+          </a:fontRef>
+        </p:style>
+        <p:txBody>
+          <a:bodyPr rtlCol="0" anchor="ctr"/>
+          <a:lstStyle/>
+          <a:p>
+            <a:pPr algn="ctr"/>
+            <a:endParaRPr lang="en-US"/>
+          </a:p>
+        </p:txBody>
+      </p:sp>
+      <p:sp>
+        <p:nvSpPr>
+          <p:cNvPr id="16" name="Rectangle 15">
+            <a:extLst>
+              <a:ext uri="{FF2B5EF4-FFF2-40B4-BE49-F238E27FC236}">
+                <a16:creationId xmlns:a16="http://schemas.microsoft.com/office/drawing/2014/main" id="{53E5B1A8-3AC9-4BD1-9BBC-78CA94F2D1BA}"/>
+              </a:ext>
+              <a:ext uri="{C183D7F6-B498-43B3-948B-1728B52AA6E4}">
+                <adec:decorative xmlns:adec="http://schemas.microsoft.com/office/drawing/2017/decorative" val="1"/>
+              </a:ext>
+            </a:extLst>
+          </p:cNvPr>
+          <p:cNvSpPr>
+            <a:spLocks noGrp="1" noRot="1" noChangeAspect="1" noMove="1" noResize="1" noEditPoints="1" noAdjustHandles="1" noChangeArrowheads="1" noChangeShapeType="1" noTextEdit="1"/>
+          </p:cNvSpPr>
+          <p:nvPr>
+            <p:extLst>
+              <p:ext uri="{386F3935-93C4-4BCD-93E2-E3B085C9AB24}">
+                <p16:designElem xmlns:p16="http://schemas.microsoft.com/office/powerpoint/2015/main" val="1"/>
+              </p:ext>
+            </p:extLst>
+          </p:nvPr>
+        </p:nvSpPr>
+        <p:spPr>
+          <a:xfrm>
+            <a:off x="459350" y="-1"/>
+            <a:ext cx="11732646" cy="1597433"/>
+          </a:xfrm>
+          <a:prstGeom prst="rect">
+            <a:avLst/>
+          </a:prstGeom>
+          <a:gradFill>
+            <a:gsLst>
+              <a:gs pos="50000">
+                <a:srgbClr val="000000">
+                  <a:alpha val="0"/>
+                </a:srgbClr>
+              </a:gs>
+              <a:gs pos="99000">
+                <a:schemeClr val="accent1">
+                  <a:lumMod val="50000"/>
+                  <a:alpha val="52000"/>
+                </a:schemeClr>
+              </a:gs>
+            </a:gsLst>
+            <a:lin ang="16800000" scaled="0"/>
+          </a:gradFill>
+          <a:ln>
+            <a:noFill/>
+          </a:ln>
+        </p:spPr>
+        <p:style>
+          <a:lnRef idx="2">
+            <a:schemeClr val="accent1">
+              <a:shade val="50000"/>
+            </a:schemeClr>
+          </a:lnRef>
+          <a:fillRef idx="1">
+            <a:schemeClr val="accent1"/>
+          </a:fillRef>
+          <a:effectRef idx="0">
+            <a:schemeClr val="accent1"/>
+          </a:effectRef>
+          <a:fontRef idx="minor">
+            <a:schemeClr val="lt1"/>
+          </a:fontRef>
+        </p:style>
+        <p:txBody>
+          <a:bodyPr rtlCol="0" anchor="ctr"/>
+          <a:lstStyle/>
+          <a:p>
+            <a:pPr algn="ctr"/>
+            <a:endParaRPr lang="en-US"/>
+          </a:p>
+        </p:txBody>
+      </p:sp>
       <p:sp>
         <p:nvSpPr>
           <p:cNvPr id="2" name="Nadpis 1">
@@ -3651,16 +6682,31 @@
             <p:ph type="title"/>
           </p:nvPr>
         </p:nvSpPr>
-        <p:spPr/>
-        <p:txBody>
-          <a:bodyPr/>
-          <a:lstStyle/>
-          <a:p>
-            <a:r>
-              <a:rPr lang="en-US" dirty="0" err="1"/>
+        <p:spPr>
+          <a:xfrm>
+            <a:off x="1371599" y="294538"/>
+            <a:ext cx="9895951" cy="1033669"/>
+          </a:xfrm>
+        </p:spPr>
+        <p:txBody>
+          <a:bodyPr>
+            <a:normAutofit/>
+          </a:bodyPr>
+          <a:lstStyle/>
+          <a:p>
+            <a:r>
+              <a:rPr lang="en-US" sz="4000">
+                <a:solidFill>
+                  <a:srgbClr val="FFFFFF"/>
+                </a:solidFill>
+              </a:rPr>
               <a:t>Obsah</a:t>
             </a:r>
-            <a:endParaRPr lang="sk-SK" dirty="0"/>
+            <a:endParaRPr lang="sk-SK" sz="4000">
+              <a:solidFill>
+                <a:srgbClr val="FFFFFF"/>
+              </a:solidFill>
+            </a:endParaRPr>
           </a:p>
         </p:txBody>
       </p:sp>
@@ -3680,35 +6726,34 @@
             <p:ph idx="1"/>
           </p:nvPr>
         </p:nvSpPr>
-        <p:spPr/>
-        <p:txBody>
-          <a:bodyPr/>
-          <a:lstStyle/>
-          <a:p>
-            <a:r>
-              <a:rPr lang="en-US" dirty="0" err="1"/>
-              <a:t>Obsah</a:t>
-            </a:r>
-            <a:r>
-              <a:rPr lang="en-US" dirty="0"/>
-              <a:t> </a:t>
-            </a:r>
-            <a:r>
-              <a:rPr lang="en-US" dirty="0" err="1"/>
-              <a:t>tejto</a:t>
-            </a:r>
-            <a:r>
-              <a:rPr lang="en-US" dirty="0"/>
-              <a:t> </a:t>
-            </a:r>
-            <a:r>
-              <a:rPr lang="en-US" dirty="0" err="1"/>
-              <a:t>prace</a:t>
-            </a:r>
-            <a:endParaRPr lang="en-US" dirty="0"/>
-          </a:p>
-          <a:p>
-            <a:endParaRPr lang="sk-SK" dirty="0"/>
+        <p:spPr>
+          <a:xfrm>
+            <a:off x="1371599" y="2318197"/>
+            <a:ext cx="9724031" cy="3683358"/>
+          </a:xfrm>
+        </p:spPr>
+        <p:txBody>
+          <a:bodyPr anchor="ctr">
+            <a:normAutofit/>
+          </a:bodyPr>
+          <a:lstStyle/>
+          <a:p>
+            <a:r>
+              <a:rPr lang="sk-SK" sz="3000" dirty="0"/>
+              <a:t>Antivírus</a:t>
+            </a:r>
+          </a:p>
+          <a:p>
+            <a:r>
+              <a:rPr lang="sk-SK" sz="3000" dirty="0"/>
+              <a:t>Obsah práce</a:t>
+            </a:r>
+          </a:p>
+          <a:p>
+            <a:endParaRPr lang="en-US" sz="2000" dirty="0"/>
+          </a:p>
+          <a:p>
+            <a:endParaRPr lang="sk-SK" sz="2000" dirty="0"/>
           </a:p>
         </p:txBody>
       </p:sp>
@@ -3728,6 +6773,14 @@
 <file path=ppt/slides/slide4.xml><?xml version="1.0" encoding="utf-8"?>
 <p:sld xmlns:a="http://schemas.openxmlformats.org/drawingml/2006/main" xmlns:r="http://schemas.openxmlformats.org/officeDocument/2006/relationships" xmlns:p="http://schemas.openxmlformats.org/presentationml/2006/main">
   <p:cSld>
+    <p:bg>
+      <p:bgPr>
+        <a:solidFill>
+          <a:schemeClr val="bg1"/>
+        </a:solidFill>
+        <a:effectLst/>
+      </p:bgPr>
+    </p:bg>
     <p:spTree>
       <p:nvGrpSpPr>
         <p:cNvPr id="1" name=""/>
@@ -3742,6 +6795,382 @@
           <a:chExt cx="0" cy="0"/>
         </a:xfrm>
       </p:grpSpPr>
+      <p:sp useBgFill="1">
+        <p:nvSpPr>
+          <p:cNvPr id="8" name="Rectangle 7">
+            <a:extLst>
+              <a:ext uri="{FF2B5EF4-FFF2-40B4-BE49-F238E27FC236}">
+                <a16:creationId xmlns:a16="http://schemas.microsoft.com/office/drawing/2014/main" id="{1B15ED52-F352-441B-82BF-E0EA34836D08}"/>
+              </a:ext>
+              <a:ext uri="{C183D7F6-B498-43B3-948B-1728B52AA6E4}">
+                <adec:decorative xmlns:adec="http://schemas.microsoft.com/office/drawing/2017/decorative" val="1"/>
+              </a:ext>
+            </a:extLst>
+          </p:cNvPr>
+          <p:cNvSpPr>
+            <a:spLocks noGrp="1" noRot="1" noChangeAspect="1" noMove="1" noResize="1" noEditPoints="1" noAdjustHandles="1" noChangeArrowheads="1" noChangeShapeType="1" noTextEdit="1"/>
+          </p:cNvSpPr>
+          <p:nvPr>
+            <p:extLst>
+              <p:ext uri="{386F3935-93C4-4BCD-93E2-E3B085C9AB24}">
+                <p16:designElem xmlns:p16="http://schemas.microsoft.com/office/powerpoint/2015/main" val="1"/>
+              </p:ext>
+            </p:extLst>
+          </p:nvPr>
+        </p:nvSpPr>
+        <p:spPr>
+          <a:xfrm>
+            <a:off x="0" y="0"/>
+            <a:ext cx="12192000" cy="6858000"/>
+          </a:xfrm>
+          <a:prstGeom prst="rect">
+            <a:avLst/>
+          </a:prstGeom>
+          <a:ln w="12700" cap="flat" cmpd="sng" algn="ctr">
+            <a:noFill/>
+            <a:prstDash val="solid"/>
+            <a:miter lim="800000"/>
+          </a:ln>
+          <a:effectLst/>
+          <a:extLst>
+            <a:ext uri="{91240B29-F687-4F45-9708-019B960494DF}">
+              <a14:hiddenLine xmlns:a14="http://schemas.microsoft.com/office/drawing/2010/main" w="12700" cap="flat" cmpd="sng" algn="ctr">
+                <a:solidFill>
+                  <a:schemeClr val="accent1">
+                    <a:shade val="50000"/>
+                  </a:schemeClr>
+                </a:solidFill>
+                <a:prstDash val="solid"/>
+                <a:miter lim="800000"/>
+              </a14:hiddenLine>
+            </a:ext>
+          </a:extLst>
+        </p:spPr>
+        <p:style>
+          <a:lnRef idx="2">
+            <a:schemeClr val="accent1">
+              <a:shade val="50000"/>
+            </a:schemeClr>
+          </a:lnRef>
+          <a:fillRef idx="1">
+            <a:schemeClr val="accent1"/>
+          </a:fillRef>
+          <a:effectRef idx="0">
+            <a:schemeClr val="accent1"/>
+          </a:effectRef>
+          <a:fontRef idx="minor">
+            <a:schemeClr val="lt1"/>
+          </a:fontRef>
+        </p:style>
+        <p:txBody>
+          <a:bodyPr rtlCol="0" anchor="ctr"/>
+          <a:lstStyle/>
+          <a:p>
+            <a:pPr algn="ctr"/>
+            <a:endParaRPr lang="en-US"/>
+          </a:p>
+        </p:txBody>
+      </p:sp>
+      <p:sp>
+        <p:nvSpPr>
+          <p:cNvPr id="10" name="Rectangle 9">
+            <a:extLst>
+              <a:ext uri="{FF2B5EF4-FFF2-40B4-BE49-F238E27FC236}">
+                <a16:creationId xmlns:a16="http://schemas.microsoft.com/office/drawing/2014/main" id="{3B2E3793-BFE6-45A2-9B7B-E18844431C99}"/>
+              </a:ext>
+              <a:ext uri="{C183D7F6-B498-43B3-948B-1728B52AA6E4}">
+                <adec:decorative xmlns:adec="http://schemas.microsoft.com/office/drawing/2017/decorative" val="1"/>
+              </a:ext>
+            </a:extLst>
+          </p:cNvPr>
+          <p:cNvSpPr>
+            <a:spLocks noGrp="1" noRot="1" noChangeAspect="1" noMove="1" noResize="1" noEditPoints="1" noAdjustHandles="1" noChangeArrowheads="1" noChangeShapeType="1" noTextEdit="1"/>
+          </p:cNvSpPr>
+          <p:nvPr>
+            <p:extLst>
+              <p:ext uri="{386F3935-93C4-4BCD-93E2-E3B085C9AB24}">
+                <p16:designElem xmlns:p16="http://schemas.microsoft.com/office/powerpoint/2015/main" val="1"/>
+              </p:ext>
+            </p:extLst>
+          </p:nvPr>
+        </p:nvSpPr>
+        <p:spPr>
+          <a:xfrm flipH="1">
+            <a:off x="-1" y="-1"/>
+            <a:ext cx="12191998" cy="1590742"/>
+          </a:xfrm>
+          <a:prstGeom prst="rect">
+            <a:avLst/>
+          </a:prstGeom>
+          <a:gradFill>
+            <a:gsLst>
+              <a:gs pos="0">
+                <a:srgbClr val="000000"/>
+              </a:gs>
+              <a:gs pos="100000">
+                <a:schemeClr val="accent1">
+                  <a:lumMod val="75000"/>
+                </a:schemeClr>
+              </a:gs>
+            </a:gsLst>
+            <a:lin ang="8400000" scaled="0"/>
+          </a:gradFill>
+          <a:ln>
+            <a:noFill/>
+          </a:ln>
+        </p:spPr>
+        <p:style>
+          <a:lnRef idx="2">
+            <a:schemeClr val="accent1">
+              <a:shade val="50000"/>
+            </a:schemeClr>
+          </a:lnRef>
+          <a:fillRef idx="1">
+            <a:schemeClr val="accent1"/>
+          </a:fillRef>
+          <a:effectRef idx="0">
+            <a:schemeClr val="accent1"/>
+          </a:effectRef>
+          <a:fontRef idx="minor">
+            <a:schemeClr val="lt1"/>
+          </a:fontRef>
+        </p:style>
+        <p:txBody>
+          <a:bodyPr rtlCol="0" anchor="ctr"/>
+          <a:lstStyle/>
+          <a:p>
+            <a:pPr algn="ctr"/>
+            <a:endParaRPr lang="en-US"/>
+          </a:p>
+        </p:txBody>
+      </p:sp>
+      <p:sp>
+        <p:nvSpPr>
+          <p:cNvPr id="12" name="Rectangle 11">
+            <a:extLst>
+              <a:ext uri="{FF2B5EF4-FFF2-40B4-BE49-F238E27FC236}">
+                <a16:creationId xmlns:a16="http://schemas.microsoft.com/office/drawing/2014/main" id="{BC4C4868-CB8F-4AF9-9CDB-8108F2C19B67}"/>
+              </a:ext>
+              <a:ext uri="{C183D7F6-B498-43B3-948B-1728B52AA6E4}">
+                <adec:decorative xmlns:adec="http://schemas.microsoft.com/office/drawing/2017/decorative" val="1"/>
+              </a:ext>
+            </a:extLst>
+          </p:cNvPr>
+          <p:cNvSpPr>
+            <a:spLocks noGrp="1" noRot="1" noChangeAspect="1" noMove="1" noResize="1" noEditPoints="1" noAdjustHandles="1" noChangeArrowheads="1" noChangeShapeType="1" noTextEdit="1"/>
+          </p:cNvSpPr>
+          <p:nvPr>
+            <p:extLst>
+              <p:ext uri="{386F3935-93C4-4BCD-93E2-E3B085C9AB24}">
+                <p16:designElem xmlns:p16="http://schemas.microsoft.com/office/powerpoint/2015/main" val="1"/>
+              </p:ext>
+            </p:extLst>
+          </p:nvPr>
+        </p:nvSpPr>
+        <p:spPr>
+          <a:xfrm rot="10800000" flipH="1">
+            <a:off x="-3" y="0"/>
+            <a:ext cx="8115306" cy="1590742"/>
+          </a:xfrm>
+          <a:prstGeom prst="rect">
+            <a:avLst/>
+          </a:prstGeom>
+          <a:gradFill>
+            <a:gsLst>
+              <a:gs pos="20000">
+                <a:schemeClr val="accent1">
+                  <a:alpha val="0"/>
+                </a:schemeClr>
+              </a:gs>
+              <a:gs pos="100000">
+                <a:schemeClr val="accent1">
+                  <a:lumMod val="50000"/>
+                  <a:alpha val="55000"/>
+                </a:schemeClr>
+              </a:gs>
+            </a:gsLst>
+            <a:lin ang="13800000" scaled="0"/>
+          </a:gradFill>
+          <a:ln>
+            <a:noFill/>
+          </a:ln>
+        </p:spPr>
+        <p:style>
+          <a:lnRef idx="2">
+            <a:schemeClr val="accent1">
+              <a:shade val="50000"/>
+            </a:schemeClr>
+          </a:lnRef>
+          <a:fillRef idx="1">
+            <a:schemeClr val="accent1"/>
+          </a:fillRef>
+          <a:effectRef idx="0">
+            <a:schemeClr val="accent1"/>
+          </a:effectRef>
+          <a:fontRef idx="minor">
+            <a:schemeClr val="lt1"/>
+          </a:fontRef>
+        </p:style>
+        <p:txBody>
+          <a:bodyPr rtlCol="0" anchor="ctr"/>
+          <a:lstStyle/>
+          <a:p>
+            <a:pPr algn="ctr"/>
+            <a:endParaRPr lang="en-US"/>
+          </a:p>
+        </p:txBody>
+      </p:sp>
+      <p:sp>
+        <p:nvSpPr>
+          <p:cNvPr id="14" name="Rectangle 13">
+            <a:extLst>
+              <a:ext uri="{FF2B5EF4-FFF2-40B4-BE49-F238E27FC236}">
+                <a16:creationId xmlns:a16="http://schemas.microsoft.com/office/drawing/2014/main" id="{375E0459-6403-40CD-989D-56A4407CA12E}"/>
+              </a:ext>
+              <a:ext uri="{C183D7F6-B498-43B3-948B-1728B52AA6E4}">
+                <adec:decorative xmlns:adec="http://schemas.microsoft.com/office/drawing/2017/decorative" val="1"/>
+              </a:ext>
+            </a:extLst>
+          </p:cNvPr>
+          <p:cNvSpPr>
+            <a:spLocks noGrp="1" noRot="1" noChangeAspect="1" noMove="1" noResize="1" noEditPoints="1" noAdjustHandles="1" noChangeArrowheads="1" noChangeShapeType="1" noTextEdit="1"/>
+          </p:cNvSpPr>
+          <p:nvPr>
+            <p:extLst>
+              <p:ext uri="{386F3935-93C4-4BCD-93E2-E3B085C9AB24}">
+                <p16:designElem xmlns:p16="http://schemas.microsoft.com/office/powerpoint/2015/main" val="1"/>
+              </p:ext>
+            </p:extLst>
+          </p:nvPr>
+        </p:nvSpPr>
+        <p:spPr>
+          <a:xfrm flipH="1">
+            <a:off x="8115299" y="-1"/>
+            <a:ext cx="4076698" cy="1590742"/>
+          </a:xfrm>
+          <a:prstGeom prst="rect">
+            <a:avLst/>
+          </a:prstGeom>
+          <a:gradFill>
+            <a:gsLst>
+              <a:gs pos="0">
+                <a:schemeClr val="accent1">
+                  <a:alpha val="66000"/>
+                </a:schemeClr>
+              </a:gs>
+              <a:gs pos="100000">
+                <a:srgbClr val="000000">
+                  <a:alpha val="30000"/>
+                </a:srgbClr>
+              </a:gs>
+            </a:gsLst>
+            <a:lin ang="13200000" scaled="0"/>
+          </a:gradFill>
+          <a:ln>
+            <a:noFill/>
+          </a:ln>
+        </p:spPr>
+        <p:style>
+          <a:lnRef idx="2">
+            <a:schemeClr val="accent1">
+              <a:shade val="50000"/>
+            </a:schemeClr>
+          </a:lnRef>
+          <a:fillRef idx="1">
+            <a:schemeClr val="accent1"/>
+          </a:fillRef>
+          <a:effectRef idx="0">
+            <a:schemeClr val="accent1"/>
+          </a:effectRef>
+          <a:fontRef idx="minor">
+            <a:schemeClr val="lt1"/>
+          </a:fontRef>
+        </p:style>
+        <p:txBody>
+          <a:bodyPr rtlCol="0" anchor="ctr"/>
+          <a:lstStyle/>
+          <a:p>
+            <a:pPr algn="ctr"/>
+            <a:endParaRPr lang="en-US"/>
+          </a:p>
+        </p:txBody>
+      </p:sp>
+      <p:sp>
+        <p:nvSpPr>
+          <p:cNvPr id="16" name="Rectangle 15">
+            <a:extLst>
+              <a:ext uri="{FF2B5EF4-FFF2-40B4-BE49-F238E27FC236}">
+                <a16:creationId xmlns:a16="http://schemas.microsoft.com/office/drawing/2014/main" id="{53E5B1A8-3AC9-4BD1-9BBC-78CA94F2D1BA}"/>
+              </a:ext>
+              <a:ext uri="{C183D7F6-B498-43B3-948B-1728B52AA6E4}">
+                <adec:decorative xmlns:adec="http://schemas.microsoft.com/office/drawing/2017/decorative" val="1"/>
+              </a:ext>
+            </a:extLst>
+          </p:cNvPr>
+          <p:cNvSpPr>
+            <a:spLocks noGrp="1" noRot="1" noChangeAspect="1" noMove="1" noResize="1" noEditPoints="1" noAdjustHandles="1" noChangeArrowheads="1" noChangeShapeType="1" noTextEdit="1"/>
+          </p:cNvSpPr>
+          <p:nvPr>
+            <p:extLst>
+              <p:ext uri="{386F3935-93C4-4BCD-93E2-E3B085C9AB24}">
+                <p16:designElem xmlns:p16="http://schemas.microsoft.com/office/powerpoint/2015/main" val="1"/>
+              </p:ext>
+            </p:extLst>
+          </p:nvPr>
+        </p:nvSpPr>
+        <p:spPr>
+          <a:xfrm>
+            <a:off x="459350" y="-1"/>
+            <a:ext cx="11732646" cy="1597433"/>
+          </a:xfrm>
+          <a:prstGeom prst="rect">
+            <a:avLst/>
+          </a:prstGeom>
+          <a:gradFill>
+            <a:gsLst>
+              <a:gs pos="50000">
+                <a:srgbClr val="000000">
+                  <a:alpha val="0"/>
+                </a:srgbClr>
+              </a:gs>
+              <a:gs pos="99000">
+                <a:schemeClr val="accent1">
+                  <a:lumMod val="50000"/>
+                  <a:alpha val="52000"/>
+                </a:schemeClr>
+              </a:gs>
+            </a:gsLst>
+            <a:lin ang="16800000" scaled="0"/>
+          </a:gradFill>
+          <a:ln>
+            <a:noFill/>
+          </a:ln>
+        </p:spPr>
+        <p:style>
+          <a:lnRef idx="2">
+            <a:schemeClr val="accent1">
+              <a:shade val="50000"/>
+            </a:schemeClr>
+          </a:lnRef>
+          <a:fillRef idx="1">
+            <a:schemeClr val="accent1"/>
+          </a:fillRef>
+          <a:effectRef idx="0">
+            <a:schemeClr val="accent1"/>
+          </a:effectRef>
+          <a:fontRef idx="minor">
+            <a:schemeClr val="lt1"/>
+          </a:fontRef>
+        </p:style>
+        <p:txBody>
+          <a:bodyPr rtlCol="0" anchor="ctr"/>
+          <a:lstStyle/>
+          <a:p>
+            <a:pPr algn="ctr"/>
+            <a:endParaRPr lang="en-US"/>
+          </a:p>
+        </p:txBody>
+      </p:sp>
       <p:sp>
         <p:nvSpPr>
           <p:cNvPr id="2" name="Nadpis 1">
@@ -3758,16 +7187,26 @@
             <p:ph type="title"/>
           </p:nvPr>
         </p:nvSpPr>
-        <p:spPr/>
-        <p:txBody>
-          <a:bodyPr/>
-          <a:lstStyle/>
-          <a:p>
-            <a:r>
-              <a:rPr lang="en-US" dirty="0" err="1"/>
-              <a:t>Jadro</a:t>
-            </a:r>
-            <a:endParaRPr lang="sk-SK" dirty="0"/>
+        <p:spPr>
+          <a:xfrm>
+            <a:off x="1371599" y="294538"/>
+            <a:ext cx="9895951" cy="1033669"/>
+          </a:xfrm>
+        </p:spPr>
+        <p:txBody>
+          <a:bodyPr>
+            <a:normAutofit/>
+          </a:bodyPr>
+          <a:lstStyle/>
+          <a:p>
+            <a:r>
+              <a:rPr lang="sk-SK" sz="4000">
+                <a:solidFill>
+                  <a:srgbClr val="FFFFFF"/>
+                </a:solidFill>
+              </a:rPr>
+              <a:t>Definícia antivírusu</a:t>
+            </a:r>
           </a:p>
         </p:txBody>
       </p:sp>
@@ -3787,20 +7226,38 @@
             <p:ph idx="1"/>
           </p:nvPr>
         </p:nvSpPr>
-        <p:spPr/>
-        <p:txBody>
-          <a:bodyPr/>
-          <a:lstStyle/>
-          <a:p>
-            <a:r>
-              <a:rPr lang="en-US" dirty="0" err="1"/>
-              <a:t>Problematika</a:t>
-            </a:r>
-            <a:r>
-              <a:rPr lang="en-US" dirty="0"/>
+        <p:spPr>
+          <a:xfrm>
+            <a:off x="1371599" y="2318197"/>
+            <a:ext cx="9724031" cy="3683358"/>
+          </a:xfrm>
+        </p:spPr>
+        <p:txBody>
+          <a:bodyPr anchor="ctr">
+            <a:normAutofit/>
+          </a:bodyPr>
+          <a:lstStyle/>
+          <a:p>
+            <a:r>
+              <a:rPr lang="en-US" sz="3000" dirty="0"/>
               <a:t> </a:t>
             </a:r>
-            <a:endParaRPr lang="sk-SK" dirty="0"/>
+            <a:r>
+              <a:rPr lang="sk-SK" sz="3000" dirty="0"/>
+              <a:t>Softvér</a:t>
+            </a:r>
+          </a:p>
+          <a:p>
+            <a:r>
+              <a:rPr lang="sk-SK" sz="3000" dirty="0"/>
+              <a:t>Funkcionalita</a:t>
+            </a:r>
+          </a:p>
+          <a:p>
+            <a:r>
+              <a:rPr lang="sk-SK" sz="3000" dirty="0"/>
+              <a:t>Úloha antivírusu</a:t>
+            </a:r>
           </a:p>
         </p:txBody>
       </p:sp>
@@ -3820,6 +7277,14 @@
 <file path=ppt/slides/slide5.xml><?xml version="1.0" encoding="utf-8"?>
 <p:sld xmlns:a="http://schemas.openxmlformats.org/drawingml/2006/main" xmlns:r="http://schemas.openxmlformats.org/officeDocument/2006/relationships" xmlns:p="http://schemas.openxmlformats.org/presentationml/2006/main">
   <p:cSld>
+    <p:bg>
+      <p:bgPr>
+        <a:solidFill>
+          <a:schemeClr val="bg1"/>
+        </a:solidFill>
+        <a:effectLst/>
+      </p:bgPr>
+    </p:bg>
     <p:spTree>
       <p:nvGrpSpPr>
         <p:cNvPr id="1" name=""/>
@@ -3834,6 +7299,382 @@
           <a:chExt cx="0" cy="0"/>
         </a:xfrm>
       </p:grpSpPr>
+      <p:sp useBgFill="1">
+        <p:nvSpPr>
+          <p:cNvPr id="8" name="Rectangle 7">
+            <a:extLst>
+              <a:ext uri="{FF2B5EF4-FFF2-40B4-BE49-F238E27FC236}">
+                <a16:creationId xmlns:a16="http://schemas.microsoft.com/office/drawing/2014/main" id="{1B15ED52-F352-441B-82BF-E0EA34836D08}"/>
+              </a:ext>
+              <a:ext uri="{C183D7F6-B498-43B3-948B-1728B52AA6E4}">
+                <adec:decorative xmlns:adec="http://schemas.microsoft.com/office/drawing/2017/decorative" val="1"/>
+              </a:ext>
+            </a:extLst>
+          </p:cNvPr>
+          <p:cNvSpPr>
+            <a:spLocks noGrp="1" noRot="1" noChangeAspect="1" noMove="1" noResize="1" noEditPoints="1" noAdjustHandles="1" noChangeArrowheads="1" noChangeShapeType="1" noTextEdit="1"/>
+          </p:cNvSpPr>
+          <p:nvPr>
+            <p:extLst>
+              <p:ext uri="{386F3935-93C4-4BCD-93E2-E3B085C9AB24}">
+                <p16:designElem xmlns:p16="http://schemas.microsoft.com/office/powerpoint/2015/main" val="1"/>
+              </p:ext>
+            </p:extLst>
+          </p:nvPr>
+        </p:nvSpPr>
+        <p:spPr>
+          <a:xfrm>
+            <a:off x="0" y="0"/>
+            <a:ext cx="12192000" cy="6858000"/>
+          </a:xfrm>
+          <a:prstGeom prst="rect">
+            <a:avLst/>
+          </a:prstGeom>
+          <a:ln w="12700" cap="flat" cmpd="sng" algn="ctr">
+            <a:noFill/>
+            <a:prstDash val="solid"/>
+            <a:miter lim="800000"/>
+          </a:ln>
+          <a:effectLst/>
+          <a:extLst>
+            <a:ext uri="{91240B29-F687-4F45-9708-019B960494DF}">
+              <a14:hiddenLine xmlns:a14="http://schemas.microsoft.com/office/drawing/2010/main" w="12700" cap="flat" cmpd="sng" algn="ctr">
+                <a:solidFill>
+                  <a:schemeClr val="accent1">
+                    <a:shade val="50000"/>
+                  </a:schemeClr>
+                </a:solidFill>
+                <a:prstDash val="solid"/>
+                <a:miter lim="800000"/>
+              </a14:hiddenLine>
+            </a:ext>
+          </a:extLst>
+        </p:spPr>
+        <p:style>
+          <a:lnRef idx="2">
+            <a:schemeClr val="accent1">
+              <a:shade val="50000"/>
+            </a:schemeClr>
+          </a:lnRef>
+          <a:fillRef idx="1">
+            <a:schemeClr val="accent1"/>
+          </a:fillRef>
+          <a:effectRef idx="0">
+            <a:schemeClr val="accent1"/>
+          </a:effectRef>
+          <a:fontRef idx="minor">
+            <a:schemeClr val="lt1"/>
+          </a:fontRef>
+        </p:style>
+        <p:txBody>
+          <a:bodyPr rtlCol="0" anchor="ctr"/>
+          <a:lstStyle/>
+          <a:p>
+            <a:pPr algn="ctr"/>
+            <a:endParaRPr lang="en-US"/>
+          </a:p>
+        </p:txBody>
+      </p:sp>
+      <p:sp>
+        <p:nvSpPr>
+          <p:cNvPr id="10" name="Rectangle 9">
+            <a:extLst>
+              <a:ext uri="{FF2B5EF4-FFF2-40B4-BE49-F238E27FC236}">
+                <a16:creationId xmlns:a16="http://schemas.microsoft.com/office/drawing/2014/main" id="{3B2E3793-BFE6-45A2-9B7B-E18844431C99}"/>
+              </a:ext>
+              <a:ext uri="{C183D7F6-B498-43B3-948B-1728B52AA6E4}">
+                <adec:decorative xmlns:adec="http://schemas.microsoft.com/office/drawing/2017/decorative" val="1"/>
+              </a:ext>
+            </a:extLst>
+          </p:cNvPr>
+          <p:cNvSpPr>
+            <a:spLocks noGrp="1" noRot="1" noChangeAspect="1" noMove="1" noResize="1" noEditPoints="1" noAdjustHandles="1" noChangeArrowheads="1" noChangeShapeType="1" noTextEdit="1"/>
+          </p:cNvSpPr>
+          <p:nvPr>
+            <p:extLst>
+              <p:ext uri="{386F3935-93C4-4BCD-93E2-E3B085C9AB24}">
+                <p16:designElem xmlns:p16="http://schemas.microsoft.com/office/powerpoint/2015/main" val="1"/>
+              </p:ext>
+            </p:extLst>
+          </p:nvPr>
+        </p:nvSpPr>
+        <p:spPr>
+          <a:xfrm flipH="1">
+            <a:off x="-1" y="-1"/>
+            <a:ext cx="12191998" cy="1590742"/>
+          </a:xfrm>
+          <a:prstGeom prst="rect">
+            <a:avLst/>
+          </a:prstGeom>
+          <a:gradFill>
+            <a:gsLst>
+              <a:gs pos="0">
+                <a:srgbClr val="000000"/>
+              </a:gs>
+              <a:gs pos="100000">
+                <a:schemeClr val="accent1">
+                  <a:lumMod val="75000"/>
+                </a:schemeClr>
+              </a:gs>
+            </a:gsLst>
+            <a:lin ang="8400000" scaled="0"/>
+          </a:gradFill>
+          <a:ln>
+            <a:noFill/>
+          </a:ln>
+        </p:spPr>
+        <p:style>
+          <a:lnRef idx="2">
+            <a:schemeClr val="accent1">
+              <a:shade val="50000"/>
+            </a:schemeClr>
+          </a:lnRef>
+          <a:fillRef idx="1">
+            <a:schemeClr val="accent1"/>
+          </a:fillRef>
+          <a:effectRef idx="0">
+            <a:schemeClr val="accent1"/>
+          </a:effectRef>
+          <a:fontRef idx="minor">
+            <a:schemeClr val="lt1"/>
+          </a:fontRef>
+        </p:style>
+        <p:txBody>
+          <a:bodyPr rtlCol="0" anchor="ctr"/>
+          <a:lstStyle/>
+          <a:p>
+            <a:pPr algn="ctr"/>
+            <a:endParaRPr lang="en-US"/>
+          </a:p>
+        </p:txBody>
+      </p:sp>
+      <p:sp>
+        <p:nvSpPr>
+          <p:cNvPr id="12" name="Rectangle 11">
+            <a:extLst>
+              <a:ext uri="{FF2B5EF4-FFF2-40B4-BE49-F238E27FC236}">
+                <a16:creationId xmlns:a16="http://schemas.microsoft.com/office/drawing/2014/main" id="{BC4C4868-CB8F-4AF9-9CDB-8108F2C19B67}"/>
+              </a:ext>
+              <a:ext uri="{C183D7F6-B498-43B3-948B-1728B52AA6E4}">
+                <adec:decorative xmlns:adec="http://schemas.microsoft.com/office/drawing/2017/decorative" val="1"/>
+              </a:ext>
+            </a:extLst>
+          </p:cNvPr>
+          <p:cNvSpPr>
+            <a:spLocks noGrp="1" noRot="1" noChangeAspect="1" noMove="1" noResize="1" noEditPoints="1" noAdjustHandles="1" noChangeArrowheads="1" noChangeShapeType="1" noTextEdit="1"/>
+          </p:cNvSpPr>
+          <p:nvPr>
+            <p:extLst>
+              <p:ext uri="{386F3935-93C4-4BCD-93E2-E3B085C9AB24}">
+                <p16:designElem xmlns:p16="http://schemas.microsoft.com/office/powerpoint/2015/main" val="1"/>
+              </p:ext>
+            </p:extLst>
+          </p:nvPr>
+        </p:nvSpPr>
+        <p:spPr>
+          <a:xfrm rot="10800000" flipH="1">
+            <a:off x="-3" y="0"/>
+            <a:ext cx="8115306" cy="1590742"/>
+          </a:xfrm>
+          <a:prstGeom prst="rect">
+            <a:avLst/>
+          </a:prstGeom>
+          <a:gradFill>
+            <a:gsLst>
+              <a:gs pos="20000">
+                <a:schemeClr val="accent1">
+                  <a:alpha val="0"/>
+                </a:schemeClr>
+              </a:gs>
+              <a:gs pos="100000">
+                <a:schemeClr val="accent1">
+                  <a:lumMod val="50000"/>
+                  <a:alpha val="55000"/>
+                </a:schemeClr>
+              </a:gs>
+            </a:gsLst>
+            <a:lin ang="13800000" scaled="0"/>
+          </a:gradFill>
+          <a:ln>
+            <a:noFill/>
+          </a:ln>
+        </p:spPr>
+        <p:style>
+          <a:lnRef idx="2">
+            <a:schemeClr val="accent1">
+              <a:shade val="50000"/>
+            </a:schemeClr>
+          </a:lnRef>
+          <a:fillRef idx="1">
+            <a:schemeClr val="accent1"/>
+          </a:fillRef>
+          <a:effectRef idx="0">
+            <a:schemeClr val="accent1"/>
+          </a:effectRef>
+          <a:fontRef idx="minor">
+            <a:schemeClr val="lt1"/>
+          </a:fontRef>
+        </p:style>
+        <p:txBody>
+          <a:bodyPr rtlCol="0" anchor="ctr"/>
+          <a:lstStyle/>
+          <a:p>
+            <a:pPr algn="ctr"/>
+            <a:endParaRPr lang="en-US"/>
+          </a:p>
+        </p:txBody>
+      </p:sp>
+      <p:sp>
+        <p:nvSpPr>
+          <p:cNvPr id="14" name="Rectangle 13">
+            <a:extLst>
+              <a:ext uri="{FF2B5EF4-FFF2-40B4-BE49-F238E27FC236}">
+                <a16:creationId xmlns:a16="http://schemas.microsoft.com/office/drawing/2014/main" id="{375E0459-6403-40CD-989D-56A4407CA12E}"/>
+              </a:ext>
+              <a:ext uri="{C183D7F6-B498-43B3-948B-1728B52AA6E4}">
+                <adec:decorative xmlns:adec="http://schemas.microsoft.com/office/drawing/2017/decorative" val="1"/>
+              </a:ext>
+            </a:extLst>
+          </p:cNvPr>
+          <p:cNvSpPr>
+            <a:spLocks noGrp="1" noRot="1" noChangeAspect="1" noMove="1" noResize="1" noEditPoints="1" noAdjustHandles="1" noChangeArrowheads="1" noChangeShapeType="1" noTextEdit="1"/>
+          </p:cNvSpPr>
+          <p:nvPr>
+            <p:extLst>
+              <p:ext uri="{386F3935-93C4-4BCD-93E2-E3B085C9AB24}">
+                <p16:designElem xmlns:p16="http://schemas.microsoft.com/office/powerpoint/2015/main" val="1"/>
+              </p:ext>
+            </p:extLst>
+          </p:nvPr>
+        </p:nvSpPr>
+        <p:spPr>
+          <a:xfrm flipH="1">
+            <a:off x="8115299" y="-1"/>
+            <a:ext cx="4076698" cy="1590742"/>
+          </a:xfrm>
+          <a:prstGeom prst="rect">
+            <a:avLst/>
+          </a:prstGeom>
+          <a:gradFill>
+            <a:gsLst>
+              <a:gs pos="0">
+                <a:schemeClr val="accent1">
+                  <a:alpha val="66000"/>
+                </a:schemeClr>
+              </a:gs>
+              <a:gs pos="100000">
+                <a:srgbClr val="000000">
+                  <a:alpha val="30000"/>
+                </a:srgbClr>
+              </a:gs>
+            </a:gsLst>
+            <a:lin ang="13200000" scaled="0"/>
+          </a:gradFill>
+          <a:ln>
+            <a:noFill/>
+          </a:ln>
+        </p:spPr>
+        <p:style>
+          <a:lnRef idx="2">
+            <a:schemeClr val="accent1">
+              <a:shade val="50000"/>
+            </a:schemeClr>
+          </a:lnRef>
+          <a:fillRef idx="1">
+            <a:schemeClr val="accent1"/>
+          </a:fillRef>
+          <a:effectRef idx="0">
+            <a:schemeClr val="accent1"/>
+          </a:effectRef>
+          <a:fontRef idx="minor">
+            <a:schemeClr val="lt1"/>
+          </a:fontRef>
+        </p:style>
+        <p:txBody>
+          <a:bodyPr rtlCol="0" anchor="ctr"/>
+          <a:lstStyle/>
+          <a:p>
+            <a:pPr algn="ctr"/>
+            <a:endParaRPr lang="en-US"/>
+          </a:p>
+        </p:txBody>
+      </p:sp>
+      <p:sp>
+        <p:nvSpPr>
+          <p:cNvPr id="16" name="Rectangle 15">
+            <a:extLst>
+              <a:ext uri="{FF2B5EF4-FFF2-40B4-BE49-F238E27FC236}">
+                <a16:creationId xmlns:a16="http://schemas.microsoft.com/office/drawing/2014/main" id="{53E5B1A8-3AC9-4BD1-9BBC-78CA94F2D1BA}"/>
+              </a:ext>
+              <a:ext uri="{C183D7F6-B498-43B3-948B-1728B52AA6E4}">
+                <adec:decorative xmlns:adec="http://schemas.microsoft.com/office/drawing/2017/decorative" val="1"/>
+              </a:ext>
+            </a:extLst>
+          </p:cNvPr>
+          <p:cNvSpPr>
+            <a:spLocks noGrp="1" noRot="1" noChangeAspect="1" noMove="1" noResize="1" noEditPoints="1" noAdjustHandles="1" noChangeArrowheads="1" noChangeShapeType="1" noTextEdit="1"/>
+          </p:cNvSpPr>
+          <p:nvPr>
+            <p:extLst>
+              <p:ext uri="{386F3935-93C4-4BCD-93E2-E3B085C9AB24}">
+                <p16:designElem xmlns:p16="http://schemas.microsoft.com/office/powerpoint/2015/main" val="1"/>
+              </p:ext>
+            </p:extLst>
+          </p:nvPr>
+        </p:nvSpPr>
+        <p:spPr>
+          <a:xfrm>
+            <a:off x="459350" y="-1"/>
+            <a:ext cx="11732646" cy="1597433"/>
+          </a:xfrm>
+          <a:prstGeom prst="rect">
+            <a:avLst/>
+          </a:prstGeom>
+          <a:gradFill>
+            <a:gsLst>
+              <a:gs pos="50000">
+                <a:srgbClr val="000000">
+                  <a:alpha val="0"/>
+                </a:srgbClr>
+              </a:gs>
+              <a:gs pos="99000">
+                <a:schemeClr val="accent1">
+                  <a:lumMod val="50000"/>
+                  <a:alpha val="52000"/>
+                </a:schemeClr>
+              </a:gs>
+            </a:gsLst>
+            <a:lin ang="16800000" scaled="0"/>
+          </a:gradFill>
+          <a:ln>
+            <a:noFill/>
+          </a:ln>
+        </p:spPr>
+        <p:style>
+          <a:lnRef idx="2">
+            <a:schemeClr val="accent1">
+              <a:shade val="50000"/>
+            </a:schemeClr>
+          </a:lnRef>
+          <a:fillRef idx="1">
+            <a:schemeClr val="accent1"/>
+          </a:fillRef>
+          <a:effectRef idx="0">
+            <a:schemeClr val="accent1"/>
+          </a:effectRef>
+          <a:fontRef idx="minor">
+            <a:schemeClr val="lt1"/>
+          </a:fontRef>
+        </p:style>
+        <p:txBody>
+          <a:bodyPr rtlCol="0" anchor="ctr"/>
+          <a:lstStyle/>
+          <a:p>
+            <a:pPr algn="ctr"/>
+            <a:endParaRPr lang="en-US"/>
+          </a:p>
+        </p:txBody>
+      </p:sp>
       <p:sp>
         <p:nvSpPr>
           <p:cNvPr id="2" name="Nadpis 1">
@@ -3850,12 +7691,26 @@
             <p:ph type="title"/>
           </p:nvPr>
         </p:nvSpPr>
-        <p:spPr/>
-        <p:txBody>
-          <a:bodyPr/>
-          <a:lstStyle/>
-          <a:p>
-            <a:endParaRPr lang="sk-SK"/>
+        <p:spPr>
+          <a:xfrm>
+            <a:off x="1371599" y="294538"/>
+            <a:ext cx="9895951" cy="1033669"/>
+          </a:xfrm>
+        </p:spPr>
+        <p:txBody>
+          <a:bodyPr>
+            <a:normAutofit/>
+          </a:bodyPr>
+          <a:lstStyle/>
+          <a:p>
+            <a:r>
+              <a:rPr lang="sk-SK" sz="4000">
+                <a:solidFill>
+                  <a:srgbClr val="FFFFFF"/>
+                </a:solidFill>
+              </a:rPr>
+              <a:t>Hrozby na internete</a:t>
+            </a:r>
           </a:p>
         </p:txBody>
       </p:sp>
@@ -3875,12 +7730,34 @@
             <p:ph idx="1"/>
           </p:nvPr>
         </p:nvSpPr>
-        <p:spPr/>
-        <p:txBody>
-          <a:bodyPr/>
-          <a:lstStyle/>
-          <a:p>
-            <a:endParaRPr lang="sk-SK"/>
+        <p:spPr>
+          <a:xfrm>
+            <a:off x="1371599" y="2318197"/>
+            <a:ext cx="9724031" cy="3683358"/>
+          </a:xfrm>
+        </p:spPr>
+        <p:txBody>
+          <a:bodyPr anchor="ctr">
+            <a:normAutofit/>
+          </a:bodyPr>
+          <a:lstStyle/>
+          <a:p>
+            <a:r>
+              <a:rPr lang="sk-SK" sz="3000" dirty="0"/>
+              <a:t>Malware</a:t>
+            </a:r>
+          </a:p>
+          <a:p>
+            <a:r>
+              <a:rPr lang="sk-SK" sz="3000" dirty="0"/>
+              <a:t>Spyware </a:t>
+            </a:r>
+          </a:p>
+          <a:p>
+            <a:r>
+              <a:rPr lang="sk-SK" sz="3000" dirty="0"/>
+              <a:t>Phishing</a:t>
+            </a:r>
           </a:p>
         </p:txBody>
       </p:sp>
@@ -3900,6 +7777,14 @@
 <file path=ppt/slides/slide6.xml><?xml version="1.0" encoding="utf-8"?>
 <p:sld xmlns:a="http://schemas.openxmlformats.org/drawingml/2006/main" xmlns:r="http://schemas.openxmlformats.org/officeDocument/2006/relationships" xmlns:p="http://schemas.openxmlformats.org/presentationml/2006/main">
   <p:cSld>
+    <p:bg>
+      <p:bgPr>
+        <a:solidFill>
+          <a:schemeClr val="bg1"/>
+        </a:solidFill>
+        <a:effectLst/>
+      </p:bgPr>
+    </p:bg>
     <p:spTree>
       <p:nvGrpSpPr>
         <p:cNvPr id="1" name=""/>
@@ -3914,6 +7799,382 @@
           <a:chExt cx="0" cy="0"/>
         </a:xfrm>
       </p:grpSpPr>
+      <p:sp useBgFill="1">
+        <p:nvSpPr>
+          <p:cNvPr id="8" name="Rectangle 7">
+            <a:extLst>
+              <a:ext uri="{FF2B5EF4-FFF2-40B4-BE49-F238E27FC236}">
+                <a16:creationId xmlns:a16="http://schemas.microsoft.com/office/drawing/2014/main" id="{1B15ED52-F352-441B-82BF-E0EA34836D08}"/>
+              </a:ext>
+              <a:ext uri="{C183D7F6-B498-43B3-948B-1728B52AA6E4}">
+                <adec:decorative xmlns:adec="http://schemas.microsoft.com/office/drawing/2017/decorative" val="1"/>
+              </a:ext>
+            </a:extLst>
+          </p:cNvPr>
+          <p:cNvSpPr>
+            <a:spLocks noGrp="1" noRot="1" noChangeAspect="1" noMove="1" noResize="1" noEditPoints="1" noAdjustHandles="1" noChangeArrowheads="1" noChangeShapeType="1" noTextEdit="1"/>
+          </p:cNvSpPr>
+          <p:nvPr>
+            <p:extLst>
+              <p:ext uri="{386F3935-93C4-4BCD-93E2-E3B085C9AB24}">
+                <p16:designElem xmlns:p16="http://schemas.microsoft.com/office/powerpoint/2015/main" val="1"/>
+              </p:ext>
+            </p:extLst>
+          </p:nvPr>
+        </p:nvSpPr>
+        <p:spPr>
+          <a:xfrm>
+            <a:off x="0" y="0"/>
+            <a:ext cx="12192000" cy="6858000"/>
+          </a:xfrm>
+          <a:prstGeom prst="rect">
+            <a:avLst/>
+          </a:prstGeom>
+          <a:ln w="12700" cap="flat" cmpd="sng" algn="ctr">
+            <a:noFill/>
+            <a:prstDash val="solid"/>
+            <a:miter lim="800000"/>
+          </a:ln>
+          <a:effectLst/>
+          <a:extLst>
+            <a:ext uri="{91240B29-F687-4F45-9708-019B960494DF}">
+              <a14:hiddenLine xmlns:a14="http://schemas.microsoft.com/office/drawing/2010/main" w="12700" cap="flat" cmpd="sng" algn="ctr">
+                <a:solidFill>
+                  <a:schemeClr val="accent1">
+                    <a:shade val="50000"/>
+                  </a:schemeClr>
+                </a:solidFill>
+                <a:prstDash val="solid"/>
+                <a:miter lim="800000"/>
+              </a14:hiddenLine>
+            </a:ext>
+          </a:extLst>
+        </p:spPr>
+        <p:style>
+          <a:lnRef idx="2">
+            <a:schemeClr val="accent1">
+              <a:shade val="50000"/>
+            </a:schemeClr>
+          </a:lnRef>
+          <a:fillRef idx="1">
+            <a:schemeClr val="accent1"/>
+          </a:fillRef>
+          <a:effectRef idx="0">
+            <a:schemeClr val="accent1"/>
+          </a:effectRef>
+          <a:fontRef idx="minor">
+            <a:schemeClr val="lt1"/>
+          </a:fontRef>
+        </p:style>
+        <p:txBody>
+          <a:bodyPr rtlCol="0" anchor="ctr"/>
+          <a:lstStyle/>
+          <a:p>
+            <a:pPr algn="ctr"/>
+            <a:endParaRPr lang="en-US"/>
+          </a:p>
+        </p:txBody>
+      </p:sp>
+      <p:sp>
+        <p:nvSpPr>
+          <p:cNvPr id="10" name="Rectangle 9">
+            <a:extLst>
+              <a:ext uri="{FF2B5EF4-FFF2-40B4-BE49-F238E27FC236}">
+                <a16:creationId xmlns:a16="http://schemas.microsoft.com/office/drawing/2014/main" id="{3B2E3793-BFE6-45A2-9B7B-E18844431C99}"/>
+              </a:ext>
+              <a:ext uri="{C183D7F6-B498-43B3-948B-1728B52AA6E4}">
+                <adec:decorative xmlns:adec="http://schemas.microsoft.com/office/drawing/2017/decorative" val="1"/>
+              </a:ext>
+            </a:extLst>
+          </p:cNvPr>
+          <p:cNvSpPr>
+            <a:spLocks noGrp="1" noRot="1" noChangeAspect="1" noMove="1" noResize="1" noEditPoints="1" noAdjustHandles="1" noChangeArrowheads="1" noChangeShapeType="1" noTextEdit="1"/>
+          </p:cNvSpPr>
+          <p:nvPr>
+            <p:extLst>
+              <p:ext uri="{386F3935-93C4-4BCD-93E2-E3B085C9AB24}">
+                <p16:designElem xmlns:p16="http://schemas.microsoft.com/office/powerpoint/2015/main" val="1"/>
+              </p:ext>
+            </p:extLst>
+          </p:nvPr>
+        </p:nvSpPr>
+        <p:spPr>
+          <a:xfrm flipH="1">
+            <a:off x="-1" y="-1"/>
+            <a:ext cx="12191998" cy="1590742"/>
+          </a:xfrm>
+          <a:prstGeom prst="rect">
+            <a:avLst/>
+          </a:prstGeom>
+          <a:gradFill>
+            <a:gsLst>
+              <a:gs pos="0">
+                <a:srgbClr val="000000"/>
+              </a:gs>
+              <a:gs pos="100000">
+                <a:schemeClr val="accent1">
+                  <a:lumMod val="75000"/>
+                </a:schemeClr>
+              </a:gs>
+            </a:gsLst>
+            <a:lin ang="8400000" scaled="0"/>
+          </a:gradFill>
+          <a:ln>
+            <a:noFill/>
+          </a:ln>
+        </p:spPr>
+        <p:style>
+          <a:lnRef idx="2">
+            <a:schemeClr val="accent1">
+              <a:shade val="50000"/>
+            </a:schemeClr>
+          </a:lnRef>
+          <a:fillRef idx="1">
+            <a:schemeClr val="accent1"/>
+          </a:fillRef>
+          <a:effectRef idx="0">
+            <a:schemeClr val="accent1"/>
+          </a:effectRef>
+          <a:fontRef idx="minor">
+            <a:schemeClr val="lt1"/>
+          </a:fontRef>
+        </p:style>
+        <p:txBody>
+          <a:bodyPr rtlCol="0" anchor="ctr"/>
+          <a:lstStyle/>
+          <a:p>
+            <a:pPr algn="ctr"/>
+            <a:endParaRPr lang="en-US"/>
+          </a:p>
+        </p:txBody>
+      </p:sp>
+      <p:sp>
+        <p:nvSpPr>
+          <p:cNvPr id="12" name="Rectangle 11">
+            <a:extLst>
+              <a:ext uri="{FF2B5EF4-FFF2-40B4-BE49-F238E27FC236}">
+                <a16:creationId xmlns:a16="http://schemas.microsoft.com/office/drawing/2014/main" id="{BC4C4868-CB8F-4AF9-9CDB-8108F2C19B67}"/>
+              </a:ext>
+              <a:ext uri="{C183D7F6-B498-43B3-948B-1728B52AA6E4}">
+                <adec:decorative xmlns:adec="http://schemas.microsoft.com/office/drawing/2017/decorative" val="1"/>
+              </a:ext>
+            </a:extLst>
+          </p:cNvPr>
+          <p:cNvSpPr>
+            <a:spLocks noGrp="1" noRot="1" noChangeAspect="1" noMove="1" noResize="1" noEditPoints="1" noAdjustHandles="1" noChangeArrowheads="1" noChangeShapeType="1" noTextEdit="1"/>
+          </p:cNvSpPr>
+          <p:nvPr>
+            <p:extLst>
+              <p:ext uri="{386F3935-93C4-4BCD-93E2-E3B085C9AB24}">
+                <p16:designElem xmlns:p16="http://schemas.microsoft.com/office/powerpoint/2015/main" val="1"/>
+              </p:ext>
+            </p:extLst>
+          </p:nvPr>
+        </p:nvSpPr>
+        <p:spPr>
+          <a:xfrm rot="10800000" flipH="1">
+            <a:off x="-3" y="0"/>
+            <a:ext cx="8115306" cy="1590742"/>
+          </a:xfrm>
+          <a:prstGeom prst="rect">
+            <a:avLst/>
+          </a:prstGeom>
+          <a:gradFill>
+            <a:gsLst>
+              <a:gs pos="20000">
+                <a:schemeClr val="accent1">
+                  <a:alpha val="0"/>
+                </a:schemeClr>
+              </a:gs>
+              <a:gs pos="100000">
+                <a:schemeClr val="accent1">
+                  <a:lumMod val="50000"/>
+                  <a:alpha val="55000"/>
+                </a:schemeClr>
+              </a:gs>
+            </a:gsLst>
+            <a:lin ang="13800000" scaled="0"/>
+          </a:gradFill>
+          <a:ln>
+            <a:noFill/>
+          </a:ln>
+        </p:spPr>
+        <p:style>
+          <a:lnRef idx="2">
+            <a:schemeClr val="accent1">
+              <a:shade val="50000"/>
+            </a:schemeClr>
+          </a:lnRef>
+          <a:fillRef idx="1">
+            <a:schemeClr val="accent1"/>
+          </a:fillRef>
+          <a:effectRef idx="0">
+            <a:schemeClr val="accent1"/>
+          </a:effectRef>
+          <a:fontRef idx="minor">
+            <a:schemeClr val="lt1"/>
+          </a:fontRef>
+        </p:style>
+        <p:txBody>
+          <a:bodyPr rtlCol="0" anchor="ctr"/>
+          <a:lstStyle/>
+          <a:p>
+            <a:pPr algn="ctr"/>
+            <a:endParaRPr lang="en-US"/>
+          </a:p>
+        </p:txBody>
+      </p:sp>
+      <p:sp>
+        <p:nvSpPr>
+          <p:cNvPr id="14" name="Rectangle 13">
+            <a:extLst>
+              <a:ext uri="{FF2B5EF4-FFF2-40B4-BE49-F238E27FC236}">
+                <a16:creationId xmlns:a16="http://schemas.microsoft.com/office/drawing/2014/main" id="{375E0459-6403-40CD-989D-56A4407CA12E}"/>
+              </a:ext>
+              <a:ext uri="{C183D7F6-B498-43B3-948B-1728B52AA6E4}">
+                <adec:decorative xmlns:adec="http://schemas.microsoft.com/office/drawing/2017/decorative" val="1"/>
+              </a:ext>
+            </a:extLst>
+          </p:cNvPr>
+          <p:cNvSpPr>
+            <a:spLocks noGrp="1" noRot="1" noChangeAspect="1" noMove="1" noResize="1" noEditPoints="1" noAdjustHandles="1" noChangeArrowheads="1" noChangeShapeType="1" noTextEdit="1"/>
+          </p:cNvSpPr>
+          <p:nvPr>
+            <p:extLst>
+              <p:ext uri="{386F3935-93C4-4BCD-93E2-E3B085C9AB24}">
+                <p16:designElem xmlns:p16="http://schemas.microsoft.com/office/powerpoint/2015/main" val="1"/>
+              </p:ext>
+            </p:extLst>
+          </p:nvPr>
+        </p:nvSpPr>
+        <p:spPr>
+          <a:xfrm flipH="1">
+            <a:off x="8115299" y="-1"/>
+            <a:ext cx="4076698" cy="1590742"/>
+          </a:xfrm>
+          <a:prstGeom prst="rect">
+            <a:avLst/>
+          </a:prstGeom>
+          <a:gradFill>
+            <a:gsLst>
+              <a:gs pos="0">
+                <a:schemeClr val="accent1">
+                  <a:alpha val="66000"/>
+                </a:schemeClr>
+              </a:gs>
+              <a:gs pos="100000">
+                <a:srgbClr val="000000">
+                  <a:alpha val="30000"/>
+                </a:srgbClr>
+              </a:gs>
+            </a:gsLst>
+            <a:lin ang="13200000" scaled="0"/>
+          </a:gradFill>
+          <a:ln>
+            <a:noFill/>
+          </a:ln>
+        </p:spPr>
+        <p:style>
+          <a:lnRef idx="2">
+            <a:schemeClr val="accent1">
+              <a:shade val="50000"/>
+            </a:schemeClr>
+          </a:lnRef>
+          <a:fillRef idx="1">
+            <a:schemeClr val="accent1"/>
+          </a:fillRef>
+          <a:effectRef idx="0">
+            <a:schemeClr val="accent1"/>
+          </a:effectRef>
+          <a:fontRef idx="minor">
+            <a:schemeClr val="lt1"/>
+          </a:fontRef>
+        </p:style>
+        <p:txBody>
+          <a:bodyPr rtlCol="0" anchor="ctr"/>
+          <a:lstStyle/>
+          <a:p>
+            <a:pPr algn="ctr"/>
+            <a:endParaRPr lang="en-US"/>
+          </a:p>
+        </p:txBody>
+      </p:sp>
+      <p:sp>
+        <p:nvSpPr>
+          <p:cNvPr id="16" name="Rectangle 15">
+            <a:extLst>
+              <a:ext uri="{FF2B5EF4-FFF2-40B4-BE49-F238E27FC236}">
+                <a16:creationId xmlns:a16="http://schemas.microsoft.com/office/drawing/2014/main" id="{53E5B1A8-3AC9-4BD1-9BBC-78CA94F2D1BA}"/>
+              </a:ext>
+              <a:ext uri="{C183D7F6-B498-43B3-948B-1728B52AA6E4}">
+                <adec:decorative xmlns:adec="http://schemas.microsoft.com/office/drawing/2017/decorative" val="1"/>
+              </a:ext>
+            </a:extLst>
+          </p:cNvPr>
+          <p:cNvSpPr>
+            <a:spLocks noGrp="1" noRot="1" noChangeAspect="1" noMove="1" noResize="1" noEditPoints="1" noAdjustHandles="1" noChangeArrowheads="1" noChangeShapeType="1" noTextEdit="1"/>
+          </p:cNvSpPr>
+          <p:nvPr>
+            <p:extLst>
+              <p:ext uri="{386F3935-93C4-4BCD-93E2-E3B085C9AB24}">
+                <p16:designElem xmlns:p16="http://schemas.microsoft.com/office/powerpoint/2015/main" val="1"/>
+              </p:ext>
+            </p:extLst>
+          </p:nvPr>
+        </p:nvSpPr>
+        <p:spPr>
+          <a:xfrm>
+            <a:off x="459350" y="-1"/>
+            <a:ext cx="11732646" cy="1597433"/>
+          </a:xfrm>
+          <a:prstGeom prst="rect">
+            <a:avLst/>
+          </a:prstGeom>
+          <a:gradFill>
+            <a:gsLst>
+              <a:gs pos="50000">
+                <a:srgbClr val="000000">
+                  <a:alpha val="0"/>
+                </a:srgbClr>
+              </a:gs>
+              <a:gs pos="99000">
+                <a:schemeClr val="accent1">
+                  <a:lumMod val="50000"/>
+                  <a:alpha val="52000"/>
+                </a:schemeClr>
+              </a:gs>
+            </a:gsLst>
+            <a:lin ang="16800000" scaled="0"/>
+          </a:gradFill>
+          <a:ln>
+            <a:noFill/>
+          </a:ln>
+        </p:spPr>
+        <p:style>
+          <a:lnRef idx="2">
+            <a:schemeClr val="accent1">
+              <a:shade val="50000"/>
+            </a:schemeClr>
+          </a:lnRef>
+          <a:fillRef idx="1">
+            <a:schemeClr val="accent1"/>
+          </a:fillRef>
+          <a:effectRef idx="0">
+            <a:schemeClr val="accent1"/>
+          </a:effectRef>
+          <a:fontRef idx="minor">
+            <a:schemeClr val="lt1"/>
+          </a:fontRef>
+        </p:style>
+        <p:txBody>
+          <a:bodyPr rtlCol="0" anchor="ctr"/>
+          <a:lstStyle/>
+          <a:p>
+            <a:pPr algn="ctr"/>
+            <a:endParaRPr lang="en-US"/>
+          </a:p>
+        </p:txBody>
+      </p:sp>
       <p:sp>
         <p:nvSpPr>
           <p:cNvPr id="2" name="Nadpis 1">
@@ -3930,12 +8191,26 @@
             <p:ph type="title"/>
           </p:nvPr>
         </p:nvSpPr>
-        <p:spPr/>
-        <p:txBody>
-          <a:bodyPr/>
-          <a:lstStyle/>
-          <a:p>
-            <a:endParaRPr lang="sk-SK"/>
+        <p:spPr>
+          <a:xfrm>
+            <a:off x="1371599" y="294538"/>
+            <a:ext cx="9895951" cy="1033669"/>
+          </a:xfrm>
+        </p:spPr>
+        <p:txBody>
+          <a:bodyPr>
+            <a:normAutofit/>
+          </a:bodyPr>
+          <a:lstStyle/>
+          <a:p>
+            <a:r>
+              <a:rPr lang="sk-SK" sz="4000">
+                <a:solidFill>
+                  <a:srgbClr val="FFFFFF"/>
+                </a:solidFill>
+              </a:rPr>
+              <a:t>Ochrana pred malvérom</a:t>
+            </a:r>
           </a:p>
         </p:txBody>
       </p:sp>
@@ -3955,12 +8230,34 @@
             <p:ph idx="1"/>
           </p:nvPr>
         </p:nvSpPr>
-        <p:spPr/>
-        <p:txBody>
-          <a:bodyPr/>
-          <a:lstStyle/>
-          <a:p>
-            <a:endParaRPr lang="sk-SK"/>
+        <p:spPr>
+          <a:xfrm>
+            <a:off x="1371599" y="2318197"/>
+            <a:ext cx="9724031" cy="3683358"/>
+          </a:xfrm>
+        </p:spPr>
+        <p:txBody>
+          <a:bodyPr anchor="ctr">
+            <a:normAutofit/>
+          </a:bodyPr>
+          <a:lstStyle/>
+          <a:p>
+            <a:r>
+              <a:rPr lang="sk-SK" sz="3000" dirty="0"/>
+              <a:t>Softvér v aktuálnom stave</a:t>
+            </a:r>
+          </a:p>
+          <a:p>
+            <a:r>
+              <a:rPr lang="sk-SK" sz="3000" dirty="0"/>
+              <a:t>Aktualizácie a ich problémy</a:t>
+            </a:r>
+          </a:p>
+          <a:p>
+            <a:r>
+              <a:rPr lang="sk-SK" sz="3000" dirty="0"/>
+              <a:t>Inštalácia potrebných programov</a:t>
+            </a:r>
           </a:p>
         </p:txBody>
       </p:sp>
@@ -3980,6 +8277,14 @@
 <file path=ppt/slides/slide7.xml><?xml version="1.0" encoding="utf-8"?>
 <p:sld xmlns:a="http://schemas.openxmlformats.org/drawingml/2006/main" xmlns:r="http://schemas.openxmlformats.org/officeDocument/2006/relationships" xmlns:p="http://schemas.openxmlformats.org/presentationml/2006/main">
   <p:cSld>
+    <p:bg>
+      <p:bgPr>
+        <a:solidFill>
+          <a:schemeClr val="bg1"/>
+        </a:solidFill>
+        <a:effectLst/>
+      </p:bgPr>
+    </p:bg>
     <p:spTree>
       <p:nvGrpSpPr>
         <p:cNvPr id="1" name=""/>
@@ -3994,76 +8299,339 @@
           <a:chExt cx="0" cy="0"/>
         </a:xfrm>
       </p:grpSpPr>
-      <p:sp>
-        <p:nvSpPr>
-          <p:cNvPr id="2" name="Nadpis 1">
-            <a:extLst>
-              <a:ext uri="{FF2B5EF4-FFF2-40B4-BE49-F238E27FC236}">
-                <a16:creationId xmlns:a16="http://schemas.microsoft.com/office/drawing/2014/main" id="{011FB3A5-4F78-6B50-34AD-9AAB9A246EF0}"/>
-              </a:ext>
-            </a:extLst>
-          </p:cNvPr>
-          <p:cNvSpPr>
-            <a:spLocks noGrp="1"/>
-          </p:cNvSpPr>
-          <p:nvPr>
-            <p:ph type="title"/>
-          </p:nvPr>
-        </p:nvSpPr>
-        <p:spPr/>
-        <p:txBody>
-          <a:bodyPr/>
-          <a:lstStyle/>
-          <a:p>
-            <a:r>
-              <a:rPr lang="en-US" dirty="0" err="1"/>
-              <a:t>Nejaky</a:t>
-            </a:r>
-            <a:r>
-              <a:rPr lang="en-US" dirty="0"/>
-              <a:t> </a:t>
-            </a:r>
-            <a:r>
-              <a:rPr lang="en-US" dirty="0" err="1"/>
-              <a:t>obrazok</a:t>
-            </a:r>
-            <a:r>
-              <a:rPr lang="en-US" dirty="0"/>
-              <a:t>/</a:t>
-            </a:r>
-            <a:r>
-              <a:rPr lang="en-US" dirty="0" err="1"/>
-              <a:t>graf</a:t>
-            </a:r>
-            <a:endParaRPr lang="sk-SK" dirty="0"/>
-          </a:p>
-        </p:txBody>
-      </p:sp>
-      <p:sp>
-        <p:nvSpPr>
-          <p:cNvPr id="3" name="Zástupný objekt pre obsah 2">
-            <a:extLst>
-              <a:ext uri="{FF2B5EF4-FFF2-40B4-BE49-F238E27FC236}">
-                <a16:creationId xmlns:a16="http://schemas.microsoft.com/office/drawing/2014/main" id="{1F04DDB5-5AC2-F429-3CB5-2523D5169443}"/>
-              </a:ext>
-            </a:extLst>
-          </p:cNvPr>
-          <p:cNvSpPr>
-            <a:spLocks noGrp="1"/>
-          </p:cNvSpPr>
+      <p:sp useBgFill="1">
+        <p:nvSpPr>
+          <p:cNvPr id="9" name="Rectangle 8">
+            <a:extLst>
+              <a:ext uri="{FF2B5EF4-FFF2-40B4-BE49-F238E27FC236}">
+                <a16:creationId xmlns:a16="http://schemas.microsoft.com/office/drawing/2014/main" id="{BACC6370-2D7E-4714-9D71-7542949D7D5D}"/>
+              </a:ext>
+              <a:ext uri="{C183D7F6-B498-43B3-948B-1728B52AA6E4}">
+                <adec:decorative xmlns:adec="http://schemas.microsoft.com/office/drawing/2017/decorative" val="1"/>
+              </a:ext>
+            </a:extLst>
+          </p:cNvPr>
+          <p:cNvSpPr>
+            <a:spLocks noGrp="1" noRot="1" noChangeAspect="1" noMove="1" noResize="1" noEditPoints="1" noAdjustHandles="1" noChangeArrowheads="1" noChangeShapeType="1" noTextEdit="1"/>
+          </p:cNvSpPr>
+          <p:nvPr>
+            <p:extLst>
+              <p:ext uri="{386F3935-93C4-4BCD-93E2-E3B085C9AB24}">
+                <p16:designElem xmlns:p16="http://schemas.microsoft.com/office/powerpoint/2015/main" val="1"/>
+              </p:ext>
+            </p:extLst>
+          </p:nvPr>
+        </p:nvSpPr>
+        <p:spPr>
+          <a:xfrm>
+            <a:off x="0" y="0"/>
+            <a:ext cx="12192000" cy="6858000"/>
+          </a:xfrm>
+          <a:prstGeom prst="rect">
+            <a:avLst/>
+          </a:prstGeom>
+          <a:ln w="12700" cap="flat" cmpd="sng" algn="ctr">
+            <a:noFill/>
+            <a:prstDash val="solid"/>
+            <a:miter lim="800000"/>
+          </a:ln>
+          <a:effectLst/>
+          <a:extLst>
+            <a:ext uri="{91240B29-F687-4F45-9708-019B960494DF}">
+              <a14:hiddenLine xmlns:a14="http://schemas.microsoft.com/office/drawing/2010/main" w="12700" cap="flat" cmpd="sng" algn="ctr">
+                <a:solidFill>
+                  <a:schemeClr val="accent1">
+                    <a:shade val="50000"/>
+                  </a:schemeClr>
+                </a:solidFill>
+                <a:prstDash val="solid"/>
+                <a:miter lim="800000"/>
+              </a14:hiddenLine>
+            </a:ext>
+          </a:extLst>
+        </p:spPr>
+        <p:style>
+          <a:lnRef idx="2">
+            <a:schemeClr val="accent1">
+              <a:shade val="50000"/>
+            </a:schemeClr>
+          </a:lnRef>
+          <a:fillRef idx="1">
+            <a:schemeClr val="accent1"/>
+          </a:fillRef>
+          <a:effectRef idx="0">
+            <a:schemeClr val="accent1"/>
+          </a:effectRef>
+          <a:fontRef idx="minor">
+            <a:schemeClr val="lt1"/>
+          </a:fontRef>
+        </p:style>
+        <p:txBody>
+          <a:bodyPr rtlCol="0" anchor="ctr"/>
+          <a:lstStyle/>
+          <a:p>
+            <a:pPr algn="ctr"/>
+            <a:endParaRPr lang="en-US"/>
+          </a:p>
+        </p:txBody>
+      </p:sp>
+      <p:sp>
+        <p:nvSpPr>
+          <p:cNvPr id="11" name="Rectangle 10">
+            <a:extLst>
+              <a:ext uri="{FF2B5EF4-FFF2-40B4-BE49-F238E27FC236}">
+                <a16:creationId xmlns:a16="http://schemas.microsoft.com/office/drawing/2014/main" id="{F68B3F68-107C-434F-AA38-110D5EA91B85}"/>
+              </a:ext>
+              <a:ext uri="{C183D7F6-B498-43B3-948B-1728B52AA6E4}">
+                <adec:decorative xmlns:adec="http://schemas.microsoft.com/office/drawing/2017/decorative" val="1"/>
+              </a:ext>
+            </a:extLst>
+          </p:cNvPr>
+          <p:cNvSpPr>
+            <a:spLocks noGrp="1" noRot="1" noChangeAspect="1" noMove="1" noResize="1" noEditPoints="1" noAdjustHandles="1" noChangeArrowheads="1" noChangeShapeType="1" noTextEdit="1"/>
+          </p:cNvSpPr>
+          <p:nvPr>
+            <p:extLst>
+              <p:ext uri="{386F3935-93C4-4BCD-93E2-E3B085C9AB24}">
+                <p16:designElem xmlns:p16="http://schemas.microsoft.com/office/powerpoint/2015/main" val="1"/>
+              </p:ext>
+            </p:extLst>
+          </p:nvPr>
+        </p:nvSpPr>
+        <p:spPr>
+          <a:xfrm flipH="1">
+            <a:off x="2" y="0"/>
+            <a:ext cx="12191998" cy="1575955"/>
+          </a:xfrm>
+          <a:prstGeom prst="rect">
+            <a:avLst/>
+          </a:prstGeom>
+          <a:gradFill>
+            <a:gsLst>
+              <a:gs pos="0">
+                <a:srgbClr val="000000">
+                  <a:alpha val="96000"/>
+                </a:srgbClr>
+              </a:gs>
+              <a:gs pos="100000">
+                <a:schemeClr val="accent1">
+                  <a:lumMod val="75000"/>
+                </a:schemeClr>
+              </a:gs>
+            </a:gsLst>
+            <a:lin ang="8400000" scaled="0"/>
+          </a:gradFill>
+          <a:ln>
+            <a:noFill/>
+          </a:ln>
+        </p:spPr>
+        <p:style>
+          <a:lnRef idx="2">
+            <a:schemeClr val="accent1">
+              <a:shade val="50000"/>
+            </a:schemeClr>
+          </a:lnRef>
+          <a:fillRef idx="1">
+            <a:schemeClr val="accent1"/>
+          </a:fillRef>
+          <a:effectRef idx="0">
+            <a:schemeClr val="accent1"/>
+          </a:effectRef>
+          <a:fontRef idx="minor">
+            <a:schemeClr val="lt1"/>
+          </a:fontRef>
+        </p:style>
+        <p:txBody>
+          <a:bodyPr rtlCol="0" anchor="ctr"/>
+          <a:lstStyle/>
+          <a:p>
+            <a:pPr algn="ctr"/>
+            <a:endParaRPr lang="en-US"/>
+          </a:p>
+        </p:txBody>
+      </p:sp>
+      <p:sp>
+        <p:nvSpPr>
+          <p:cNvPr id="13" name="Rectangle 12">
+            <a:extLst>
+              <a:ext uri="{FF2B5EF4-FFF2-40B4-BE49-F238E27FC236}">
+                <a16:creationId xmlns:a16="http://schemas.microsoft.com/office/drawing/2014/main" id="{AAD0DBB9-1A4B-4391-81D4-CB19F9AB918A}"/>
+              </a:ext>
+              <a:ext uri="{C183D7F6-B498-43B3-948B-1728B52AA6E4}">
+                <adec:decorative xmlns:adec="http://schemas.microsoft.com/office/drawing/2017/decorative" val="1"/>
+              </a:ext>
+            </a:extLst>
+          </p:cNvPr>
+          <p:cNvSpPr>
+            <a:spLocks noGrp="1" noRot="1" noChangeAspect="1" noMove="1" noResize="1" noEditPoints="1" noAdjustHandles="1" noChangeArrowheads="1" noChangeShapeType="1" noTextEdit="1"/>
+          </p:cNvSpPr>
+          <p:nvPr>
+            <p:extLst>
+              <p:ext uri="{386F3935-93C4-4BCD-93E2-E3B085C9AB24}">
+                <p16:designElem xmlns:p16="http://schemas.microsoft.com/office/powerpoint/2015/main" val="1"/>
+              </p:ext>
+            </p:extLst>
+          </p:nvPr>
+        </p:nvSpPr>
+        <p:spPr>
+          <a:xfrm rot="10800000" flipH="1">
+            <a:off x="8128857" y="0"/>
+            <a:ext cx="4063143" cy="1576412"/>
+          </a:xfrm>
+          <a:prstGeom prst="rect">
+            <a:avLst/>
+          </a:prstGeom>
+          <a:gradFill>
+            <a:gsLst>
+              <a:gs pos="19000">
+                <a:schemeClr val="accent1">
+                  <a:lumMod val="50000"/>
+                  <a:alpha val="68000"/>
+                </a:schemeClr>
+              </a:gs>
+              <a:gs pos="100000">
+                <a:schemeClr val="accent1">
+                  <a:alpha val="79000"/>
+                </a:schemeClr>
+              </a:gs>
+            </a:gsLst>
+            <a:lin ang="19200000" scaled="0"/>
+          </a:gradFill>
+          <a:ln>
+            <a:noFill/>
+          </a:ln>
+        </p:spPr>
+        <p:style>
+          <a:lnRef idx="2">
+            <a:schemeClr val="accent1">
+              <a:shade val="50000"/>
+            </a:schemeClr>
+          </a:lnRef>
+          <a:fillRef idx="1">
+            <a:schemeClr val="accent1"/>
+          </a:fillRef>
+          <a:effectRef idx="0">
+            <a:schemeClr val="accent1"/>
+          </a:effectRef>
+          <a:fontRef idx="minor">
+            <a:schemeClr val="lt1"/>
+          </a:fontRef>
+        </p:style>
+        <p:txBody>
+          <a:bodyPr rtlCol="0" anchor="ctr"/>
+          <a:lstStyle/>
+          <a:p>
+            <a:pPr algn="ctr"/>
+            <a:endParaRPr lang="en-US"/>
+          </a:p>
+        </p:txBody>
+      </p:sp>
+      <p:sp>
+        <p:nvSpPr>
+          <p:cNvPr id="15" name="Rectangle 14">
+            <a:extLst>
+              <a:ext uri="{FF2B5EF4-FFF2-40B4-BE49-F238E27FC236}">
+                <a16:creationId xmlns:a16="http://schemas.microsoft.com/office/drawing/2014/main" id="{063BBA22-50EA-4C4D-BE05-F1CE4E63AA56}"/>
+              </a:ext>
+              <a:ext uri="{C183D7F6-B498-43B3-948B-1728B52AA6E4}">
+                <adec:decorative xmlns:adec="http://schemas.microsoft.com/office/drawing/2017/decorative" val="1"/>
+              </a:ext>
+            </a:extLst>
+          </p:cNvPr>
+          <p:cNvSpPr>
+            <a:spLocks noGrp="1" noRot="1" noChangeAspect="1" noMove="1" noResize="1" noEditPoints="1" noAdjustHandles="1" noChangeArrowheads="1" noChangeShapeType="1" noTextEdit="1"/>
+          </p:cNvSpPr>
+          <p:nvPr>
+            <p:extLst>
+              <p:ext uri="{386F3935-93C4-4BCD-93E2-E3B085C9AB24}">
+                <p16:designElem xmlns:p16="http://schemas.microsoft.com/office/powerpoint/2015/main" val="1"/>
+              </p:ext>
+            </p:extLst>
+          </p:nvPr>
+        </p:nvSpPr>
+        <p:spPr>
+          <a:xfrm rot="5400000">
+            <a:off x="5307777" y="-5307778"/>
+            <a:ext cx="1576446" cy="12192002"/>
+          </a:xfrm>
+          <a:prstGeom prst="rect">
+            <a:avLst/>
+          </a:prstGeom>
+          <a:gradFill>
+            <a:gsLst>
+              <a:gs pos="23000">
+                <a:schemeClr val="accent1">
+                  <a:alpha val="0"/>
+                </a:schemeClr>
+              </a:gs>
+              <a:gs pos="99000">
+                <a:srgbClr val="000000">
+                  <a:alpha val="74000"/>
+                </a:srgbClr>
+              </a:gs>
+            </a:gsLst>
+            <a:lin ang="20400000" scaled="0"/>
+          </a:gradFill>
+          <a:ln>
+            <a:noFill/>
+          </a:ln>
+        </p:spPr>
+        <p:style>
+          <a:lnRef idx="2">
+            <a:schemeClr val="accent1">
+              <a:shade val="50000"/>
+            </a:schemeClr>
+          </a:lnRef>
+          <a:fillRef idx="1">
+            <a:schemeClr val="accent1"/>
+          </a:fillRef>
+          <a:effectRef idx="0">
+            <a:schemeClr val="accent1"/>
+          </a:effectRef>
+          <a:fontRef idx="minor">
+            <a:schemeClr val="lt1"/>
+          </a:fontRef>
+        </p:style>
+        <p:txBody>
+          <a:bodyPr rtlCol="0" anchor="ctr"/>
+          <a:lstStyle/>
+          <a:p>
+            <a:pPr algn="ctr"/>
+            <a:endParaRPr lang="en-US" dirty="0"/>
+          </a:p>
+        </p:txBody>
+      </p:sp>
+      <p:graphicFrame>
+        <p:nvGraphicFramePr>
+          <p:cNvPr id="4" name="Zástupný objekt pre obsah 3">
+            <a:extLst>
+              <a:ext uri="{FF2B5EF4-FFF2-40B4-BE49-F238E27FC236}">
+                <a16:creationId xmlns:a16="http://schemas.microsoft.com/office/drawing/2014/main" id="{D6C2CBB7-58B2-5974-E8CB-60224963E6E8}"/>
+              </a:ext>
+            </a:extLst>
+          </p:cNvPr>
+          <p:cNvGraphicFramePr>
+            <a:graphicFrameLocks noGrp="1"/>
+          </p:cNvGraphicFramePr>
           <p:nvPr>
             <p:ph idx="1"/>
-          </p:nvPr>
-        </p:nvSpPr>
-        <p:spPr/>
-        <p:txBody>
-          <a:bodyPr/>
-          <a:lstStyle/>
-          <a:p>
-            <a:endParaRPr lang="sk-SK"/>
-          </a:p>
-        </p:txBody>
-      </p:sp>
+            <p:extLst>
+              <p:ext uri="{D42A27DB-BD31-4B8C-83A1-F6EECF244321}">
+                <p14:modId xmlns:p14="http://schemas.microsoft.com/office/powerpoint/2010/main" val="1758524998"/>
+              </p:ext>
+            </p:extLst>
+          </p:nvPr>
+        </p:nvGraphicFramePr>
+        <p:xfrm>
+          <a:off x="644056" y="2112579"/>
+          <a:ext cx="10927829" cy="4192805"/>
+        </p:xfrm>
+        <a:graphic>
+          <a:graphicData uri="http://schemas.openxmlformats.org/drawingml/2006/chart">
+            <c:chart xmlns:c="http://schemas.openxmlformats.org/drawingml/2006/chart" xmlns:r="http://schemas.openxmlformats.org/officeDocument/2006/relationships" r:id="rId2"/>
+          </a:graphicData>
+        </a:graphic>
+      </p:graphicFrame>
     </p:spTree>
     <p:extLst>
       <p:ext uri="{BB962C8B-B14F-4D97-AF65-F5344CB8AC3E}">
@@ -4080,6 +8648,14 @@
 <file path=ppt/slides/slide8.xml><?xml version="1.0" encoding="utf-8"?>
 <p:sld xmlns:a="http://schemas.openxmlformats.org/drawingml/2006/main" xmlns:r="http://schemas.openxmlformats.org/officeDocument/2006/relationships" xmlns:p="http://schemas.openxmlformats.org/presentationml/2006/main">
   <p:cSld>
+    <p:bg>
+      <p:bgPr>
+        <a:solidFill>
+          <a:schemeClr val="bg1"/>
+        </a:solidFill>
+        <a:effectLst/>
+      </p:bgPr>
+    </p:bg>
     <p:spTree>
       <p:nvGrpSpPr>
         <p:cNvPr id="1" name=""/>
@@ -4094,6 +8670,457 @@
           <a:chExt cx="0" cy="0"/>
         </a:xfrm>
       </p:grpSpPr>
+      <p:sp useBgFill="1">
+        <p:nvSpPr>
+          <p:cNvPr id="8" name="Rectangle 7">
+            <a:extLst>
+              <a:ext uri="{FF2B5EF4-FFF2-40B4-BE49-F238E27FC236}">
+                <a16:creationId xmlns:a16="http://schemas.microsoft.com/office/drawing/2014/main" id="{DEE2AD96-B495-4E06-9291-B71706F728CB}"/>
+              </a:ext>
+              <a:ext uri="{C183D7F6-B498-43B3-948B-1728B52AA6E4}">
+                <adec:decorative xmlns:adec="http://schemas.microsoft.com/office/drawing/2017/decorative" val="1"/>
+              </a:ext>
+            </a:extLst>
+          </p:cNvPr>
+          <p:cNvSpPr>
+            <a:spLocks noGrp="1" noRot="1" noChangeAspect="1" noMove="1" noResize="1" noEditPoints="1" noAdjustHandles="1" noChangeArrowheads="1" noChangeShapeType="1" noTextEdit="1"/>
+          </p:cNvSpPr>
+          <p:nvPr>
+            <p:extLst>
+              <p:ext uri="{386F3935-93C4-4BCD-93E2-E3B085C9AB24}">
+                <p16:designElem xmlns:p16="http://schemas.microsoft.com/office/powerpoint/2015/main" val="1"/>
+              </p:ext>
+            </p:extLst>
+          </p:nvPr>
+        </p:nvSpPr>
+        <p:spPr>
+          <a:xfrm>
+            <a:off x="0" y="0"/>
+            <a:ext cx="12192000" cy="6858000"/>
+          </a:xfrm>
+          <a:prstGeom prst="rect">
+            <a:avLst/>
+          </a:prstGeom>
+          <a:ln w="12700" cap="flat" cmpd="sng" algn="ctr">
+            <a:noFill/>
+            <a:prstDash val="solid"/>
+            <a:miter lim="800000"/>
+          </a:ln>
+          <a:effectLst/>
+          <a:extLst>
+            <a:ext uri="{91240B29-F687-4F45-9708-019B960494DF}">
+              <a14:hiddenLine xmlns:a14="http://schemas.microsoft.com/office/drawing/2010/main" w="12700" cap="flat" cmpd="sng" algn="ctr">
+                <a:solidFill>
+                  <a:schemeClr val="accent1">
+                    <a:shade val="50000"/>
+                  </a:schemeClr>
+                </a:solidFill>
+                <a:prstDash val="solid"/>
+                <a:miter lim="800000"/>
+              </a14:hiddenLine>
+            </a:ext>
+          </a:extLst>
+        </p:spPr>
+        <p:style>
+          <a:lnRef idx="2">
+            <a:schemeClr val="accent1">
+              <a:shade val="50000"/>
+            </a:schemeClr>
+          </a:lnRef>
+          <a:fillRef idx="1">
+            <a:schemeClr val="accent1"/>
+          </a:fillRef>
+          <a:effectRef idx="0">
+            <a:schemeClr val="accent1"/>
+          </a:effectRef>
+          <a:fontRef idx="minor">
+            <a:schemeClr val="lt1"/>
+          </a:fontRef>
+        </p:style>
+        <p:txBody>
+          <a:bodyPr rtlCol="0" anchor="ctr"/>
+          <a:lstStyle/>
+          <a:p>
+            <a:pPr algn="ctr"/>
+            <a:endParaRPr lang="en-US"/>
+          </a:p>
+        </p:txBody>
+      </p:sp>
+      <p:sp>
+        <p:nvSpPr>
+          <p:cNvPr id="10" name="Rectangle 9">
+            <a:extLst>
+              <a:ext uri="{FF2B5EF4-FFF2-40B4-BE49-F238E27FC236}">
+                <a16:creationId xmlns:a16="http://schemas.microsoft.com/office/drawing/2014/main" id="{53CF6D67-C5A8-4ADD-9E8E-1E38CA1D3166}"/>
+              </a:ext>
+              <a:ext uri="{C183D7F6-B498-43B3-948B-1728B52AA6E4}">
+                <adec:decorative xmlns:adec="http://schemas.microsoft.com/office/drawing/2017/decorative" val="1"/>
+              </a:ext>
+            </a:extLst>
+          </p:cNvPr>
+          <p:cNvSpPr>
+            <a:spLocks noGrp="1" noRot="1" noChangeAspect="1" noMove="1" noResize="1" noEditPoints="1" noAdjustHandles="1" noChangeArrowheads="1" noChangeShapeType="1" noTextEdit="1"/>
+          </p:cNvSpPr>
+          <p:nvPr>
+            <p:extLst>
+              <p:ext uri="{386F3935-93C4-4BCD-93E2-E3B085C9AB24}">
+                <p16:designElem xmlns:p16="http://schemas.microsoft.com/office/powerpoint/2015/main" val="1"/>
+              </p:ext>
+            </p:extLst>
+          </p:nvPr>
+        </p:nvSpPr>
+        <p:spPr>
+          <a:xfrm rot="5400000" flipH="1">
+            <a:off x="-638515" y="639280"/>
+            <a:ext cx="6858000" cy="5579440"/>
+          </a:xfrm>
+          <a:prstGeom prst="rect">
+            <a:avLst/>
+          </a:prstGeom>
+          <a:gradFill>
+            <a:gsLst>
+              <a:gs pos="8000">
+                <a:srgbClr val="000000"/>
+              </a:gs>
+              <a:gs pos="100000">
+                <a:schemeClr val="accent1">
+                  <a:lumMod val="75000"/>
+                </a:schemeClr>
+              </a:gs>
+            </a:gsLst>
+            <a:lin ang="3000000" scaled="0"/>
+          </a:gradFill>
+          <a:ln>
+            <a:noFill/>
+          </a:ln>
+        </p:spPr>
+        <p:style>
+          <a:lnRef idx="2">
+            <a:schemeClr val="accent1">
+              <a:shade val="50000"/>
+            </a:schemeClr>
+          </a:lnRef>
+          <a:fillRef idx="1">
+            <a:schemeClr val="accent1"/>
+          </a:fillRef>
+          <a:effectRef idx="0">
+            <a:schemeClr val="accent1"/>
+          </a:effectRef>
+          <a:fontRef idx="minor">
+            <a:schemeClr val="lt1"/>
+          </a:fontRef>
+        </p:style>
+        <p:txBody>
+          <a:bodyPr rtlCol="0" anchor="ctr"/>
+          <a:lstStyle/>
+          <a:p>
+            <a:pPr algn="ctr"/>
+            <a:endParaRPr lang="en-US"/>
+          </a:p>
+        </p:txBody>
+      </p:sp>
+      <p:sp>
+        <p:nvSpPr>
+          <p:cNvPr id="12" name="Rectangle 11">
+            <a:extLst>
+              <a:ext uri="{FF2B5EF4-FFF2-40B4-BE49-F238E27FC236}">
+                <a16:creationId xmlns:a16="http://schemas.microsoft.com/office/drawing/2014/main" id="{86909FA0-B515-4681-B7A8-FA281D133B94}"/>
+              </a:ext>
+              <a:ext uri="{C183D7F6-B498-43B3-948B-1728B52AA6E4}">
+                <adec:decorative xmlns:adec="http://schemas.microsoft.com/office/drawing/2017/decorative" val="1"/>
+              </a:ext>
+            </a:extLst>
+          </p:cNvPr>
+          <p:cNvSpPr>
+            <a:spLocks noGrp="1" noRot="1" noChangeAspect="1" noMove="1" noResize="1" noEditPoints="1" noAdjustHandles="1" noChangeArrowheads="1" noChangeShapeType="1" noTextEdit="1"/>
+          </p:cNvSpPr>
+          <p:nvPr>
+            <p:extLst>
+              <p:ext uri="{386F3935-93C4-4BCD-93E2-E3B085C9AB24}">
+                <p16:designElem xmlns:p16="http://schemas.microsoft.com/office/powerpoint/2015/main" val="1"/>
+              </p:ext>
+            </p:extLst>
+          </p:nvPr>
+        </p:nvSpPr>
+        <p:spPr>
+          <a:xfrm rot="5400000" flipH="1">
+            <a:off x="-393206" y="395206"/>
+            <a:ext cx="6346209" cy="5576080"/>
+          </a:xfrm>
+          <a:prstGeom prst="rect">
+            <a:avLst/>
+          </a:prstGeom>
+          <a:gradFill>
+            <a:gsLst>
+              <a:gs pos="0">
+                <a:srgbClr val="000000">
+                  <a:alpha val="0"/>
+                </a:srgbClr>
+              </a:gs>
+              <a:gs pos="99000">
+                <a:schemeClr val="accent1">
+                  <a:alpha val="0"/>
+                </a:schemeClr>
+              </a:gs>
+            </a:gsLst>
+            <a:lin ang="1800000" scaled="0"/>
+          </a:gradFill>
+          <a:ln>
+            <a:noFill/>
+          </a:ln>
+        </p:spPr>
+        <p:style>
+          <a:lnRef idx="2">
+            <a:schemeClr val="accent1">
+              <a:shade val="50000"/>
+            </a:schemeClr>
+          </a:lnRef>
+          <a:fillRef idx="1">
+            <a:schemeClr val="accent1"/>
+          </a:fillRef>
+          <a:effectRef idx="0">
+            <a:schemeClr val="accent1"/>
+          </a:effectRef>
+          <a:fontRef idx="minor">
+            <a:schemeClr val="lt1"/>
+          </a:fontRef>
+        </p:style>
+        <p:txBody>
+          <a:bodyPr rtlCol="0" anchor="ctr"/>
+          <a:lstStyle/>
+          <a:p>
+            <a:pPr algn="ctr"/>
+            <a:endParaRPr lang="en-US"/>
+          </a:p>
+        </p:txBody>
+      </p:sp>
+      <p:sp>
+        <p:nvSpPr>
+          <p:cNvPr id="14" name="Rectangle 13">
+            <a:extLst>
+              <a:ext uri="{FF2B5EF4-FFF2-40B4-BE49-F238E27FC236}">
+                <a16:creationId xmlns:a16="http://schemas.microsoft.com/office/drawing/2014/main" id="{21C9FE86-FCC3-4A31-AA1C-C882262B7FE7}"/>
+              </a:ext>
+              <a:ext uri="{C183D7F6-B498-43B3-948B-1728B52AA6E4}">
+                <adec:decorative xmlns:adec="http://schemas.microsoft.com/office/drawing/2017/decorative" val="1"/>
+              </a:ext>
+            </a:extLst>
+          </p:cNvPr>
+          <p:cNvSpPr>
+            <a:spLocks noGrp="1" noRot="1" noChangeAspect="1" noMove="1" noResize="1" noEditPoints="1" noAdjustHandles="1" noChangeArrowheads="1" noChangeShapeType="1" noTextEdit="1"/>
+          </p:cNvSpPr>
+          <p:nvPr>
+            <p:extLst>
+              <p:ext uri="{386F3935-93C4-4BCD-93E2-E3B085C9AB24}">
+                <p16:designElem xmlns:p16="http://schemas.microsoft.com/office/powerpoint/2015/main" val="1"/>
+              </p:ext>
+            </p:extLst>
+          </p:nvPr>
+        </p:nvSpPr>
+        <p:spPr>
+          <a:xfrm rot="5400000" flipH="1">
+            <a:off x="1528907" y="2818967"/>
+            <a:ext cx="2501979" cy="5576080"/>
+          </a:xfrm>
+          <a:prstGeom prst="rect">
+            <a:avLst/>
+          </a:prstGeom>
+          <a:gradFill>
+            <a:gsLst>
+              <a:gs pos="2000">
+                <a:schemeClr val="accent1">
+                  <a:alpha val="29000"/>
+                </a:schemeClr>
+              </a:gs>
+              <a:gs pos="100000">
+                <a:srgbClr val="000000">
+                  <a:alpha val="30000"/>
+                </a:srgbClr>
+              </a:gs>
+            </a:gsLst>
+            <a:lin ang="7800000" scaled="0"/>
+          </a:gradFill>
+          <a:ln>
+            <a:noFill/>
+          </a:ln>
+        </p:spPr>
+        <p:style>
+          <a:lnRef idx="2">
+            <a:schemeClr val="accent1">
+              <a:shade val="50000"/>
+            </a:schemeClr>
+          </a:lnRef>
+          <a:fillRef idx="1">
+            <a:schemeClr val="accent1"/>
+          </a:fillRef>
+          <a:effectRef idx="0">
+            <a:schemeClr val="accent1"/>
+          </a:effectRef>
+          <a:fontRef idx="minor">
+            <a:schemeClr val="lt1"/>
+          </a:fontRef>
+        </p:style>
+        <p:txBody>
+          <a:bodyPr rtlCol="0" anchor="ctr"/>
+          <a:lstStyle/>
+          <a:p>
+            <a:pPr algn="ctr"/>
+            <a:endParaRPr lang="en-US" dirty="0"/>
+          </a:p>
+        </p:txBody>
+      </p:sp>
+      <p:sp>
+        <p:nvSpPr>
+          <p:cNvPr id="16" name="Rectangle 15">
+            <a:extLst>
+              <a:ext uri="{FF2B5EF4-FFF2-40B4-BE49-F238E27FC236}">
+                <a16:creationId xmlns:a16="http://schemas.microsoft.com/office/drawing/2014/main" id="{7D96243B-ECED-4B71-8E06-AE9A285EAD20}"/>
+              </a:ext>
+              <a:ext uri="{C183D7F6-B498-43B3-948B-1728B52AA6E4}">
+                <adec:decorative xmlns:adec="http://schemas.microsoft.com/office/drawing/2017/decorative" val="1"/>
+              </a:ext>
+            </a:extLst>
+          </p:cNvPr>
+          <p:cNvSpPr>
+            <a:spLocks noGrp="1" noRot="1" noChangeAspect="1" noMove="1" noResize="1" noEditPoints="1" noAdjustHandles="1" noChangeArrowheads="1" noChangeShapeType="1" noTextEdit="1"/>
+          </p:cNvSpPr>
+          <p:nvPr>
+            <p:extLst>
+              <p:ext uri="{386F3935-93C4-4BCD-93E2-E3B085C9AB24}">
+                <p16:designElem xmlns:p16="http://schemas.microsoft.com/office/powerpoint/2015/main" val="1"/>
+              </p:ext>
+            </p:extLst>
+          </p:nvPr>
+        </p:nvSpPr>
+        <p:spPr>
+          <a:xfrm rot="5400000" flipH="1">
+            <a:off x="-425002" y="852793"/>
+            <a:ext cx="6858001" cy="5152412"/>
+          </a:xfrm>
+          <a:prstGeom prst="rect">
+            <a:avLst/>
+          </a:prstGeom>
+          <a:gradFill>
+            <a:gsLst>
+              <a:gs pos="0">
+                <a:srgbClr val="000000">
+                  <a:alpha val="0"/>
+                </a:srgbClr>
+              </a:gs>
+              <a:gs pos="99000">
+                <a:schemeClr val="accent1">
+                  <a:alpha val="11000"/>
+                </a:schemeClr>
+              </a:gs>
+            </a:gsLst>
+            <a:lin ang="7800000" scaled="0"/>
+          </a:gradFill>
+          <a:ln>
+            <a:noFill/>
+          </a:ln>
+        </p:spPr>
+        <p:style>
+          <a:lnRef idx="2">
+            <a:schemeClr val="accent1">
+              <a:shade val="50000"/>
+            </a:schemeClr>
+          </a:lnRef>
+          <a:fillRef idx="1">
+            <a:schemeClr val="accent1"/>
+          </a:fillRef>
+          <a:effectRef idx="0">
+            <a:schemeClr val="accent1"/>
+          </a:effectRef>
+          <a:fontRef idx="minor">
+            <a:schemeClr val="lt1"/>
+          </a:fontRef>
+        </p:style>
+        <p:txBody>
+          <a:bodyPr rtlCol="0" anchor="ctr"/>
+          <a:lstStyle/>
+          <a:p>
+            <a:pPr algn="ctr"/>
+            <a:endParaRPr lang="en-US"/>
+          </a:p>
+        </p:txBody>
+      </p:sp>
+      <p:sp>
+        <p:nvSpPr>
+          <p:cNvPr id="18" name="Oval 17">
+            <a:extLst>
+              <a:ext uri="{FF2B5EF4-FFF2-40B4-BE49-F238E27FC236}">
+                <a16:creationId xmlns:a16="http://schemas.microsoft.com/office/drawing/2014/main" id="{A09989E4-EFDC-4A90-A633-E0525FB4139E}"/>
+              </a:ext>
+              <a:ext uri="{C183D7F6-B498-43B3-948B-1728B52AA6E4}">
+                <adec:decorative xmlns:adec="http://schemas.microsoft.com/office/drawing/2017/decorative" val="1"/>
+              </a:ext>
+            </a:extLst>
+          </p:cNvPr>
+          <p:cNvSpPr>
+            <a:spLocks noGrp="1" noRot="1" noChangeAspect="1" noMove="1" noResize="1" noEditPoints="1" noAdjustHandles="1" noChangeArrowheads="1" noChangeShapeType="1" noTextEdit="1"/>
+          </p:cNvSpPr>
+          <p:nvPr>
+            <p:extLst>
+              <p:ext uri="{386F3935-93C4-4BCD-93E2-E3B085C9AB24}">
+                <p16:designElem xmlns:p16="http://schemas.microsoft.com/office/powerpoint/2015/main" val="1"/>
+              </p:ext>
+            </p:extLst>
+          </p:nvPr>
+        </p:nvSpPr>
+        <p:spPr>
+          <a:xfrm rot="6097846">
+            <a:off x="818753" y="1128497"/>
+            <a:ext cx="4318303" cy="4318303"/>
+          </a:xfrm>
+          <a:prstGeom prst="ellipse">
+            <a:avLst/>
+          </a:prstGeom>
+          <a:gradFill>
+            <a:gsLst>
+              <a:gs pos="39000">
+                <a:schemeClr val="accent1">
+                  <a:alpha val="0"/>
+                </a:schemeClr>
+              </a:gs>
+              <a:gs pos="100000">
+                <a:schemeClr val="accent1">
+                  <a:lumMod val="60000"/>
+                  <a:lumOff val="40000"/>
+                  <a:alpha val="15000"/>
+                </a:schemeClr>
+              </a:gs>
+            </a:gsLst>
+            <a:lin ang="17400000" scaled="0"/>
+          </a:gradFill>
+          <a:ln>
+            <a:noFill/>
+          </a:ln>
+        </p:spPr>
+        <p:style>
+          <a:lnRef idx="2">
+            <a:schemeClr val="accent1">
+              <a:shade val="50000"/>
+            </a:schemeClr>
+          </a:lnRef>
+          <a:fillRef idx="1">
+            <a:schemeClr val="accent1"/>
+          </a:fillRef>
+          <a:effectRef idx="0">
+            <a:schemeClr val="accent1"/>
+          </a:effectRef>
+          <a:fontRef idx="minor">
+            <a:schemeClr val="lt1"/>
+          </a:fontRef>
+        </p:style>
+        <p:txBody>
+          <a:bodyPr rtlCol="0" anchor="ctr"/>
+          <a:lstStyle/>
+          <a:p>
+            <a:pPr algn="ctr"/>
+            <a:endParaRPr lang="en-US" dirty="0"/>
+          </a:p>
+        </p:txBody>
+      </p:sp>
       <p:sp>
         <p:nvSpPr>
           <p:cNvPr id="2" name="Nadpis 1">
@@ -4110,22 +9137,54 @@
             <p:ph type="title"/>
           </p:nvPr>
         </p:nvSpPr>
-        <p:spPr/>
-        <p:txBody>
-          <a:bodyPr/>
-          <a:lstStyle/>
-          <a:p>
-            <a:r>
-              <a:rPr lang="en-US" dirty="0" err="1"/>
-              <a:t>Zaver</a:t>
-            </a:r>
-            <a:endParaRPr lang="sk-SK" dirty="0"/>
-          </a:p>
-        </p:txBody>
-      </p:sp>
-      <p:sp>
-        <p:nvSpPr>
-          <p:cNvPr id="3" name="Zástupný objekt pre obsah 2">
+        <p:spPr>
+          <a:xfrm>
+            <a:off x="826396" y="586855"/>
+            <a:ext cx="4230100" cy="3387497"/>
+          </a:xfrm>
+        </p:spPr>
+        <p:txBody>
+          <a:bodyPr anchor="b">
+            <a:normAutofit/>
+          </a:bodyPr>
+          <a:lstStyle/>
+          <a:p>
+            <a:pPr algn="r"/>
+            <a:r>
+              <a:rPr lang="en-US" sz="4000">
+                <a:solidFill>
+                  <a:srgbClr val="FFFFFF"/>
+                </a:solidFill>
+              </a:rPr>
+              <a:t>Z</a:t>
+            </a:r>
+            <a:r>
+              <a:rPr lang="sk-SK" sz="4000">
+                <a:solidFill>
+                  <a:srgbClr val="FFFFFF"/>
+                </a:solidFill>
+              </a:rPr>
+              <a:t>á</a:t>
+            </a:r>
+            <a:r>
+              <a:rPr lang="en-US" sz="4000">
+                <a:solidFill>
+                  <a:srgbClr val="FFFFFF"/>
+                </a:solidFill>
+              </a:rPr>
+              <a:t>ver</a:t>
+            </a:r>
+            <a:endParaRPr lang="sk-SK" sz="4000">
+              <a:solidFill>
+                <a:srgbClr val="FFFFFF"/>
+              </a:solidFill>
+            </a:endParaRPr>
+          </a:p>
+        </p:txBody>
+      </p:sp>
+      <p:sp>
+        <p:nvSpPr>
+          <p:cNvPr id="25" name="Zástupný objekt pre obsah 2">
             <a:extLst>
               <a:ext uri="{FF2B5EF4-FFF2-40B4-BE49-F238E27FC236}">
                 <a16:creationId xmlns:a16="http://schemas.microsoft.com/office/drawing/2014/main" id="{D0672385-0BCD-A700-0A06-B8270C31C9AB}"/>
@@ -4139,12 +9198,34 @@
             <p:ph idx="1"/>
           </p:nvPr>
         </p:nvSpPr>
-        <p:spPr/>
-        <p:txBody>
-          <a:bodyPr/>
-          <a:lstStyle/>
-          <a:p>
-            <a:endParaRPr lang="sk-SK"/>
+        <p:spPr>
+          <a:xfrm>
+            <a:off x="6503158" y="649480"/>
+            <a:ext cx="4862447" cy="5546047"/>
+          </a:xfrm>
+        </p:spPr>
+        <p:txBody>
+          <a:bodyPr anchor="ctr">
+            <a:normAutofit/>
+          </a:bodyPr>
+          <a:lstStyle/>
+          <a:p>
+            <a:r>
+              <a:rPr lang="sk-SK" dirty="0"/>
+              <a:t>Jednoduchosť textu v produkte</a:t>
+            </a:r>
+          </a:p>
+          <a:p>
+            <a:r>
+              <a:rPr lang="sk-SK" dirty="0"/>
+              <a:t>Hrozby na internete</a:t>
+            </a:r>
+          </a:p>
+          <a:p>
+            <a:r>
+              <a:rPr lang="sk-SK" dirty="0"/>
+              <a:t>Dôvod potreby ochranného softvéru</a:t>
+            </a:r>
           </a:p>
         </p:txBody>
       </p:sp>
@@ -4164,6 +9245,14 @@
 <file path=ppt/slides/slide9.xml><?xml version="1.0" encoding="utf-8"?>
 <p:sld xmlns:a="http://schemas.openxmlformats.org/drawingml/2006/main" xmlns:r="http://schemas.openxmlformats.org/officeDocument/2006/relationships" xmlns:p="http://schemas.openxmlformats.org/presentationml/2006/main">
   <p:cSld>
+    <p:bg>
+      <p:bgPr>
+        <a:solidFill>
+          <a:schemeClr val="bg1"/>
+        </a:solidFill>
+        <a:effectLst/>
+      </p:bgPr>
+    </p:bg>
     <p:spTree>
       <p:nvGrpSpPr>
         <p:cNvPr id="1" name=""/>
@@ -4178,6 +9267,591 @@
           <a:chExt cx="0" cy="0"/>
         </a:xfrm>
       </p:grpSpPr>
+      <p:sp useBgFill="1">
+        <p:nvSpPr>
+          <p:cNvPr id="7" name="Rectangle 6">
+            <a:extLst>
+              <a:ext uri="{FF2B5EF4-FFF2-40B4-BE49-F238E27FC236}">
+                <a16:creationId xmlns:a16="http://schemas.microsoft.com/office/drawing/2014/main" id="{8C790BE2-4E4F-4AAF-81A2-4A6F4885EBE6}"/>
+              </a:ext>
+              <a:ext uri="{C183D7F6-B498-43B3-948B-1728B52AA6E4}">
+                <adec:decorative xmlns:adec="http://schemas.microsoft.com/office/drawing/2017/decorative" val="1"/>
+              </a:ext>
+            </a:extLst>
+          </p:cNvPr>
+          <p:cNvSpPr>
+            <a:spLocks noGrp="1" noRot="1" noChangeAspect="1" noMove="1" noResize="1" noEditPoints="1" noAdjustHandles="1" noChangeArrowheads="1" noChangeShapeType="1" noTextEdit="1"/>
+          </p:cNvSpPr>
+          <p:nvPr>
+            <p:extLst>
+              <p:ext uri="{386F3935-93C4-4BCD-93E2-E3B085C9AB24}">
+                <p16:designElem xmlns:p16="http://schemas.microsoft.com/office/powerpoint/2015/main" val="1"/>
+              </p:ext>
+            </p:extLst>
+          </p:nvPr>
+        </p:nvSpPr>
+        <p:spPr>
+          <a:xfrm>
+            <a:off x="0" y="0"/>
+            <a:ext cx="12192000" cy="6858000"/>
+          </a:xfrm>
+          <a:prstGeom prst="rect">
+            <a:avLst/>
+          </a:prstGeom>
+          <a:ln w="12700" cap="flat" cmpd="sng" algn="ctr">
+            <a:noFill/>
+            <a:prstDash val="solid"/>
+            <a:miter lim="800000"/>
+          </a:ln>
+          <a:effectLst/>
+          <a:extLst>
+            <a:ext uri="{91240B29-F687-4F45-9708-019B960494DF}">
+              <a14:hiddenLine xmlns:a14="http://schemas.microsoft.com/office/drawing/2010/main" w="12700" cap="flat" cmpd="sng" algn="ctr">
+                <a:solidFill>
+                  <a:schemeClr val="accent1">
+                    <a:shade val="50000"/>
+                  </a:schemeClr>
+                </a:solidFill>
+                <a:prstDash val="solid"/>
+                <a:miter lim="800000"/>
+              </a14:hiddenLine>
+            </a:ext>
+          </a:extLst>
+        </p:spPr>
+        <p:style>
+          <a:lnRef idx="2">
+            <a:schemeClr val="accent1">
+              <a:shade val="50000"/>
+            </a:schemeClr>
+          </a:lnRef>
+          <a:fillRef idx="1">
+            <a:schemeClr val="accent1"/>
+          </a:fillRef>
+          <a:effectRef idx="0">
+            <a:schemeClr val="accent1"/>
+          </a:effectRef>
+          <a:fontRef idx="minor">
+            <a:schemeClr val="lt1"/>
+          </a:fontRef>
+        </p:style>
+        <p:txBody>
+          <a:bodyPr rtlCol="0" anchor="ctr"/>
+          <a:lstStyle/>
+          <a:p>
+            <a:pPr algn="ctr"/>
+            <a:endParaRPr lang="en-US"/>
+          </a:p>
+        </p:txBody>
+      </p:sp>
+      <p:sp>
+        <p:nvSpPr>
+          <p:cNvPr id="9" name="Rectangle 8">
+            <a:extLst>
+              <a:ext uri="{FF2B5EF4-FFF2-40B4-BE49-F238E27FC236}">
+                <a16:creationId xmlns:a16="http://schemas.microsoft.com/office/drawing/2014/main" id="{D28B54C3-B57B-472A-B96E-1FCB67093DC2}"/>
+              </a:ext>
+              <a:ext uri="{C183D7F6-B498-43B3-948B-1728B52AA6E4}">
+                <adec:decorative xmlns:adec="http://schemas.microsoft.com/office/drawing/2017/decorative" val="1"/>
+              </a:ext>
+            </a:extLst>
+          </p:cNvPr>
+          <p:cNvSpPr>
+            <a:spLocks noGrp="1" noRot="1" noChangeAspect="1" noMove="1" noResize="1" noEditPoints="1" noAdjustHandles="1" noChangeArrowheads="1" noChangeShapeType="1" noTextEdit="1"/>
+          </p:cNvSpPr>
+          <p:nvPr>
+            <p:extLst>
+              <p:ext uri="{386F3935-93C4-4BCD-93E2-E3B085C9AB24}">
+                <p16:designElem xmlns:p16="http://schemas.microsoft.com/office/powerpoint/2015/main" val="1"/>
+              </p:ext>
+            </p:extLst>
+          </p:nvPr>
+        </p:nvSpPr>
+        <p:spPr>
+          <a:xfrm flipH="1">
+            <a:off x="-1" y="0"/>
+            <a:ext cx="12191999" cy="6858000"/>
+          </a:xfrm>
+          <a:prstGeom prst="rect">
+            <a:avLst/>
+          </a:prstGeom>
+          <a:gradFill>
+            <a:gsLst>
+              <a:gs pos="0">
+                <a:schemeClr val="accent1">
+                  <a:lumMod val="50000"/>
+                </a:schemeClr>
+              </a:gs>
+              <a:gs pos="100000">
+                <a:srgbClr val="000000"/>
+              </a:gs>
+            </a:gsLst>
+            <a:lin ang="13800000" scaled="0"/>
+          </a:gradFill>
+          <a:ln>
+            <a:noFill/>
+          </a:ln>
+        </p:spPr>
+        <p:style>
+          <a:lnRef idx="2">
+            <a:schemeClr val="accent1">
+              <a:shade val="50000"/>
+            </a:schemeClr>
+          </a:lnRef>
+          <a:fillRef idx="1">
+            <a:schemeClr val="accent1"/>
+          </a:fillRef>
+          <a:effectRef idx="0">
+            <a:schemeClr val="accent1"/>
+          </a:effectRef>
+          <a:fontRef idx="minor">
+            <a:schemeClr val="lt1"/>
+          </a:fontRef>
+        </p:style>
+        <p:txBody>
+          <a:bodyPr rtlCol="0" anchor="ctr"/>
+          <a:lstStyle/>
+          <a:p>
+            <a:pPr algn="ctr"/>
+            <a:endParaRPr lang="en-US"/>
+          </a:p>
+        </p:txBody>
+      </p:sp>
+      <p:sp>
+        <p:nvSpPr>
+          <p:cNvPr id="11" name="Rectangle 10">
+            <a:extLst>
+              <a:ext uri="{FF2B5EF4-FFF2-40B4-BE49-F238E27FC236}">
+                <a16:creationId xmlns:a16="http://schemas.microsoft.com/office/drawing/2014/main" id="{7DB3C429-F8DA-49B9-AF84-21996FCF78B5}"/>
+              </a:ext>
+              <a:ext uri="{C183D7F6-B498-43B3-948B-1728B52AA6E4}">
+                <adec:decorative xmlns:adec="http://schemas.microsoft.com/office/drawing/2017/decorative" val="1"/>
+              </a:ext>
+            </a:extLst>
+          </p:cNvPr>
+          <p:cNvSpPr>
+            <a:spLocks noGrp="1" noRot="1" noChangeAspect="1" noMove="1" noResize="1" noEditPoints="1" noAdjustHandles="1" noChangeArrowheads="1" noChangeShapeType="1" noTextEdit="1"/>
+          </p:cNvSpPr>
+          <p:nvPr>
+            <p:extLst>
+              <p:ext uri="{386F3935-93C4-4BCD-93E2-E3B085C9AB24}">
+                <p16:designElem xmlns:p16="http://schemas.microsoft.com/office/powerpoint/2015/main" val="1"/>
+              </p:ext>
+            </p:extLst>
+          </p:nvPr>
+        </p:nvSpPr>
+        <p:spPr>
+          <a:xfrm rot="10800000">
+            <a:off x="0" y="-4"/>
+            <a:ext cx="12192000" cy="6402581"/>
+          </a:xfrm>
+          <a:prstGeom prst="rect">
+            <a:avLst/>
+          </a:prstGeom>
+          <a:gradFill>
+            <a:gsLst>
+              <a:gs pos="1000">
+                <a:schemeClr val="accent1">
+                  <a:lumMod val="75000"/>
+                  <a:alpha val="59000"/>
+                </a:schemeClr>
+              </a:gs>
+              <a:gs pos="100000">
+                <a:srgbClr val="000000"/>
+              </a:gs>
+            </a:gsLst>
+            <a:lin ang="15000000" scaled="0"/>
+          </a:gradFill>
+          <a:ln>
+            <a:noFill/>
+          </a:ln>
+        </p:spPr>
+        <p:style>
+          <a:lnRef idx="2">
+            <a:schemeClr val="accent1">
+              <a:shade val="50000"/>
+            </a:schemeClr>
+          </a:lnRef>
+          <a:fillRef idx="1">
+            <a:schemeClr val="accent1"/>
+          </a:fillRef>
+          <a:effectRef idx="0">
+            <a:schemeClr val="accent1"/>
+          </a:effectRef>
+          <a:fontRef idx="minor">
+            <a:schemeClr val="lt1"/>
+          </a:fontRef>
+        </p:style>
+        <p:txBody>
+          <a:bodyPr rtlCol="0" anchor="ctr"/>
+          <a:lstStyle/>
+          <a:p>
+            <a:pPr algn="ctr"/>
+            <a:endParaRPr lang="en-US"/>
+          </a:p>
+        </p:txBody>
+      </p:sp>
+      <p:sp>
+        <p:nvSpPr>
+          <p:cNvPr id="13" name="Rectangle 12">
+            <a:extLst>
+              <a:ext uri="{FF2B5EF4-FFF2-40B4-BE49-F238E27FC236}">
+                <a16:creationId xmlns:a16="http://schemas.microsoft.com/office/drawing/2014/main" id="{E12088DD-B1AD-40E0-8B86-1D87A2CCD9BE}"/>
+              </a:ext>
+              <a:ext uri="{C183D7F6-B498-43B3-948B-1728B52AA6E4}">
+                <adec:decorative xmlns:adec="http://schemas.microsoft.com/office/drawing/2017/decorative" val="1"/>
+              </a:ext>
+            </a:extLst>
+          </p:cNvPr>
+          <p:cNvSpPr>
+            <a:spLocks noGrp="1" noRot="1" noChangeAspect="1" noMove="1" noResize="1" noEditPoints="1" noAdjustHandles="1" noChangeArrowheads="1" noChangeShapeType="1" noTextEdit="1"/>
+          </p:cNvSpPr>
+          <p:nvPr>
+            <p:extLst>
+              <p:ext uri="{386F3935-93C4-4BCD-93E2-E3B085C9AB24}">
+                <p16:designElem xmlns:p16="http://schemas.microsoft.com/office/powerpoint/2015/main" val="1"/>
+              </p:ext>
+            </p:extLst>
+          </p:nvPr>
+        </p:nvSpPr>
+        <p:spPr>
+          <a:xfrm rot="5400000" flipH="1">
+            <a:off x="2663054" y="-2653923"/>
+            <a:ext cx="6858001" cy="12165846"/>
+          </a:xfrm>
+          <a:prstGeom prst="rect">
+            <a:avLst/>
+          </a:prstGeom>
+          <a:gradFill>
+            <a:gsLst>
+              <a:gs pos="13000">
+                <a:schemeClr val="accent1">
+                  <a:lumMod val="50000"/>
+                  <a:alpha val="0"/>
+                </a:schemeClr>
+              </a:gs>
+              <a:gs pos="99000">
+                <a:srgbClr val="000000">
+                  <a:alpha val="28000"/>
+                </a:srgbClr>
+              </a:gs>
+            </a:gsLst>
+            <a:lin ang="0" scaled="0"/>
+          </a:gradFill>
+          <a:ln>
+            <a:noFill/>
+          </a:ln>
+        </p:spPr>
+        <p:style>
+          <a:lnRef idx="2">
+            <a:schemeClr val="accent1">
+              <a:shade val="50000"/>
+            </a:schemeClr>
+          </a:lnRef>
+          <a:fillRef idx="1">
+            <a:schemeClr val="accent1"/>
+          </a:fillRef>
+          <a:effectRef idx="0">
+            <a:schemeClr val="accent1"/>
+          </a:effectRef>
+          <a:fontRef idx="minor">
+            <a:schemeClr val="lt1"/>
+          </a:fontRef>
+        </p:style>
+        <p:txBody>
+          <a:bodyPr rtlCol="0" anchor="ctr"/>
+          <a:lstStyle/>
+          <a:p>
+            <a:pPr algn="ctr"/>
+            <a:endParaRPr lang="en-US" dirty="0"/>
+          </a:p>
+        </p:txBody>
+      </p:sp>
+      <p:sp>
+        <p:nvSpPr>
+          <p:cNvPr id="15" name="Rectangle 14">
+            <a:extLst>
+              <a:ext uri="{FF2B5EF4-FFF2-40B4-BE49-F238E27FC236}">
+                <a16:creationId xmlns:a16="http://schemas.microsoft.com/office/drawing/2014/main" id="{C4C9F2B0-1044-46EB-8AEB-C3BFFDE6C2CC}"/>
+              </a:ext>
+              <a:ext uri="{C183D7F6-B498-43B3-948B-1728B52AA6E4}">
+                <adec:decorative xmlns:adec="http://schemas.microsoft.com/office/drawing/2017/decorative" val="1"/>
+              </a:ext>
+            </a:extLst>
+          </p:cNvPr>
+          <p:cNvSpPr>
+            <a:spLocks noGrp="1" noRot="1" noChangeAspect="1" noMove="1" noResize="1" noEditPoints="1" noAdjustHandles="1" noChangeArrowheads="1" noChangeShapeType="1" noTextEdit="1"/>
+          </p:cNvSpPr>
+          <p:nvPr>
+            <p:extLst>
+              <p:ext uri="{386F3935-93C4-4BCD-93E2-E3B085C9AB24}">
+                <p16:designElem xmlns:p16="http://schemas.microsoft.com/office/powerpoint/2015/main" val="1"/>
+              </p:ext>
+            </p:extLst>
+          </p:nvPr>
+        </p:nvSpPr>
+        <p:spPr>
+          <a:xfrm flipH="1">
+            <a:off x="6094763" y="0"/>
+            <a:ext cx="6096001" cy="6858000"/>
+          </a:xfrm>
+          <a:prstGeom prst="rect">
+            <a:avLst/>
+          </a:prstGeom>
+          <a:gradFill>
+            <a:gsLst>
+              <a:gs pos="13000">
+                <a:schemeClr val="accent1">
+                  <a:lumMod val="50000"/>
+                  <a:alpha val="0"/>
+                </a:schemeClr>
+              </a:gs>
+              <a:gs pos="99000">
+                <a:schemeClr val="accent1">
+                  <a:lumMod val="75000"/>
+                  <a:alpha val="50000"/>
+                </a:schemeClr>
+              </a:gs>
+            </a:gsLst>
+            <a:lin ang="6000000" scaled="0"/>
+          </a:gradFill>
+          <a:ln>
+            <a:noFill/>
+          </a:ln>
+        </p:spPr>
+        <p:style>
+          <a:lnRef idx="2">
+            <a:schemeClr val="accent1">
+              <a:shade val="50000"/>
+            </a:schemeClr>
+          </a:lnRef>
+          <a:fillRef idx="1">
+            <a:schemeClr val="accent1"/>
+          </a:fillRef>
+          <a:effectRef idx="0">
+            <a:schemeClr val="accent1"/>
+          </a:effectRef>
+          <a:fontRef idx="minor">
+            <a:schemeClr val="lt1"/>
+          </a:fontRef>
+        </p:style>
+        <p:txBody>
+          <a:bodyPr rtlCol="0" anchor="ctr"/>
+          <a:lstStyle/>
+          <a:p>
+            <a:pPr algn="ctr"/>
+            <a:endParaRPr lang="en-US" dirty="0"/>
+          </a:p>
+        </p:txBody>
+      </p:sp>
+      <p:sp>
+        <p:nvSpPr>
+          <p:cNvPr id="17" name="Rectangle 16">
+            <a:extLst>
+              <a:ext uri="{FF2B5EF4-FFF2-40B4-BE49-F238E27FC236}">
+                <a16:creationId xmlns:a16="http://schemas.microsoft.com/office/drawing/2014/main" id="{0C395952-4E26-45A2-8756-2ADFD6E53C6E}"/>
+              </a:ext>
+              <a:ext uri="{C183D7F6-B498-43B3-948B-1728B52AA6E4}">
+                <adec:decorative xmlns:adec="http://schemas.microsoft.com/office/drawing/2017/decorative" val="1"/>
+              </a:ext>
+            </a:extLst>
+          </p:cNvPr>
+          <p:cNvSpPr>
+            <a:spLocks noGrp="1" noRot="1" noChangeAspect="1" noMove="1" noResize="1" noEditPoints="1" noAdjustHandles="1" noChangeArrowheads="1" noChangeShapeType="1" noTextEdit="1"/>
+          </p:cNvSpPr>
+          <p:nvPr>
+            <p:extLst>
+              <p:ext uri="{386F3935-93C4-4BCD-93E2-E3B085C9AB24}">
+                <p16:designElem xmlns:p16="http://schemas.microsoft.com/office/powerpoint/2015/main" val="1"/>
+              </p:ext>
+            </p:extLst>
+          </p:nvPr>
+        </p:nvSpPr>
+        <p:spPr>
+          <a:xfrm flipH="1">
+            <a:off x="-4" y="-3"/>
+            <a:ext cx="12182871" cy="6871922"/>
+          </a:xfrm>
+          <a:prstGeom prst="rect">
+            <a:avLst/>
+          </a:prstGeom>
+          <a:gradFill>
+            <a:gsLst>
+              <a:gs pos="13000">
+                <a:srgbClr val="000000">
+                  <a:alpha val="35000"/>
+                </a:srgbClr>
+              </a:gs>
+              <a:gs pos="99000">
+                <a:schemeClr val="accent1">
+                  <a:lumMod val="75000"/>
+                  <a:alpha val="0"/>
+                </a:schemeClr>
+              </a:gs>
+            </a:gsLst>
+            <a:lin ang="4800000" scaled="0"/>
+          </a:gradFill>
+          <a:ln>
+            <a:noFill/>
+          </a:ln>
+        </p:spPr>
+        <p:style>
+          <a:lnRef idx="2">
+            <a:schemeClr val="accent1">
+              <a:shade val="50000"/>
+            </a:schemeClr>
+          </a:lnRef>
+          <a:fillRef idx="1">
+            <a:schemeClr val="accent1"/>
+          </a:fillRef>
+          <a:effectRef idx="0">
+            <a:schemeClr val="accent1"/>
+          </a:effectRef>
+          <a:fontRef idx="minor">
+            <a:schemeClr val="lt1"/>
+          </a:fontRef>
+        </p:style>
+        <p:txBody>
+          <a:bodyPr rtlCol="0" anchor="ctr"/>
+          <a:lstStyle/>
+          <a:p>
+            <a:pPr algn="ctr"/>
+            <a:endParaRPr lang="en-US" dirty="0"/>
+          </a:p>
+        </p:txBody>
+      </p:sp>
+      <p:sp>
+        <p:nvSpPr>
+          <p:cNvPr id="19" name="Freeform: Shape 18">
+            <a:extLst>
+              <a:ext uri="{FF2B5EF4-FFF2-40B4-BE49-F238E27FC236}">
+                <a16:creationId xmlns:a16="http://schemas.microsoft.com/office/drawing/2014/main" id="{4734BADF-9461-4621-B112-2D7BABEA7DD0}"/>
+              </a:ext>
+              <a:ext uri="{C183D7F6-B498-43B3-948B-1728B52AA6E4}">
+                <adec:decorative xmlns:adec="http://schemas.microsoft.com/office/drawing/2017/decorative" val="1"/>
+              </a:ext>
+            </a:extLst>
+          </p:cNvPr>
+          <p:cNvSpPr>
+            <a:spLocks noGrp="1" noRot="1" noChangeAspect="1" noMove="1" noResize="1" noEditPoints="1" noAdjustHandles="1" noChangeArrowheads="1" noChangeShapeType="1" noTextEdit="1"/>
+          </p:cNvSpPr>
+          <p:nvPr>
+            <p:extLst>
+              <p:ext uri="{386F3935-93C4-4BCD-93E2-E3B085C9AB24}">
+                <p16:designElem xmlns:p16="http://schemas.microsoft.com/office/powerpoint/2015/main" val="1"/>
+              </p:ext>
+            </p:extLst>
+          </p:nvPr>
+        </p:nvSpPr>
+        <p:spPr>
+          <a:xfrm>
+            <a:off x="987713" y="4049"/>
+            <a:ext cx="10216576" cy="4729040"/>
+          </a:xfrm>
+          <a:custGeom>
+            <a:avLst/>
+            <a:gdLst>
+              <a:gd name="connsiteX0" fmla="*/ 0 w 10216576"/>
+              <a:gd name="connsiteY0" fmla="*/ 0 h 4729040"/>
+              <a:gd name="connsiteX1" fmla="*/ 10216576 w 10216576"/>
+              <a:gd name="connsiteY1" fmla="*/ 0 h 4729040"/>
+              <a:gd name="connsiteX2" fmla="*/ 10210268 w 10216576"/>
+              <a:gd name="connsiteY2" fmla="*/ 124944 h 4729040"/>
+              <a:gd name="connsiteX3" fmla="*/ 5108288 w 10216576"/>
+              <a:gd name="connsiteY3" fmla="*/ 4729040 h 4729040"/>
+              <a:gd name="connsiteX4" fmla="*/ 6309 w 10216576"/>
+              <a:gd name="connsiteY4" fmla="*/ 124944 h 4729040"/>
+            </a:gdLst>
+            <a:ahLst/>
+            <a:cxnLst>
+              <a:cxn ang="0">
+                <a:pos x="connsiteX0" y="connsiteY0"/>
+              </a:cxn>
+              <a:cxn ang="0">
+                <a:pos x="connsiteX1" y="connsiteY1"/>
+              </a:cxn>
+              <a:cxn ang="0">
+                <a:pos x="connsiteX2" y="connsiteY2"/>
+              </a:cxn>
+              <a:cxn ang="0">
+                <a:pos x="connsiteX3" y="connsiteY3"/>
+              </a:cxn>
+              <a:cxn ang="0">
+                <a:pos x="connsiteX4" y="connsiteY4"/>
+              </a:cxn>
+            </a:cxnLst>
+            <a:rect l="l" t="t" r="r" b="b"/>
+            <a:pathLst>
+              <a:path w="10216576" h="4729040">
+                <a:moveTo>
+                  <a:pt x="0" y="0"/>
+                </a:moveTo>
+                <a:lnTo>
+                  <a:pt x="10216576" y="0"/>
+                </a:lnTo>
+                <a:lnTo>
+                  <a:pt x="10210268" y="124944"/>
+                </a:lnTo>
+                <a:cubicBezTo>
+                  <a:pt x="9947637" y="2710997"/>
+                  <a:pt x="7763635" y="4729040"/>
+                  <a:pt x="5108288" y="4729040"/>
+                </a:cubicBezTo>
+                <a:cubicBezTo>
+                  <a:pt x="2452942" y="4729040"/>
+                  <a:pt x="268937" y="2710997"/>
+                  <a:pt x="6309" y="124944"/>
+                </a:cubicBezTo>
+                <a:close/>
+              </a:path>
+            </a:pathLst>
+          </a:custGeom>
+          <a:gradFill>
+            <a:gsLst>
+              <a:gs pos="7000">
+                <a:schemeClr val="accent1">
+                  <a:lumMod val="50000"/>
+                  <a:alpha val="4000"/>
+                </a:schemeClr>
+              </a:gs>
+              <a:gs pos="99000">
+                <a:schemeClr val="accent1">
+                  <a:alpha val="24000"/>
+                </a:schemeClr>
+              </a:gs>
+            </a:gsLst>
+            <a:lin ang="10200000" scaled="0"/>
+          </a:gradFill>
+          <a:ln>
+            <a:noFill/>
+          </a:ln>
+        </p:spPr>
+        <p:style>
+          <a:lnRef idx="2">
+            <a:schemeClr val="accent1">
+              <a:shade val="50000"/>
+            </a:schemeClr>
+          </a:lnRef>
+          <a:fillRef idx="1">
+            <a:schemeClr val="accent1"/>
+          </a:fillRef>
+          <a:effectRef idx="0">
+            <a:schemeClr val="accent1"/>
+          </a:effectRef>
+          <a:fontRef idx="minor">
+            <a:schemeClr val="lt1"/>
+          </a:fontRef>
+        </p:style>
+        <p:txBody>
+          <a:bodyPr wrap="square" rtlCol="0" anchor="ctr">
+            <a:noAutofit/>
+          </a:bodyPr>
+          <a:lstStyle/>
+          <a:p>
+            <a:pPr algn="ctr"/>
+            <a:endParaRPr lang="en-US"/>
+          </a:p>
+        </p:txBody>
+      </p:sp>
       <p:sp>
         <p:nvSpPr>
           <p:cNvPr id="2" name="Nadpis 1">
@@ -4194,41 +9868,30 @@
             <p:ph type="title"/>
           </p:nvPr>
         </p:nvSpPr>
-        <p:spPr/>
-        <p:txBody>
-          <a:bodyPr/>
-          <a:lstStyle/>
-          <a:p>
-            <a:r>
-              <a:rPr lang="en-US" dirty="0" err="1"/>
-              <a:t>Podakovanie</a:t>
-            </a:r>
-            <a:endParaRPr lang="sk-SK" dirty="0"/>
-          </a:p>
-        </p:txBody>
-      </p:sp>
-      <p:sp>
-        <p:nvSpPr>
-          <p:cNvPr id="3" name="Zástupný objekt pre obsah 2">
-            <a:extLst>
-              <a:ext uri="{FF2B5EF4-FFF2-40B4-BE49-F238E27FC236}">
-                <a16:creationId xmlns:a16="http://schemas.microsoft.com/office/drawing/2014/main" id="{E8E2CC14-8BCD-1A52-4AF3-F879140F81EB}"/>
-              </a:ext>
-            </a:extLst>
-          </p:cNvPr>
-          <p:cNvSpPr>
-            <a:spLocks noGrp="1"/>
-          </p:cNvSpPr>
-          <p:nvPr>
-            <p:ph idx="1"/>
-          </p:nvPr>
-        </p:nvSpPr>
-        <p:spPr/>
-        <p:txBody>
-          <a:bodyPr/>
-          <a:lstStyle/>
-          <a:p>
-            <a:endParaRPr lang="sk-SK" dirty="0"/>
+        <p:spPr>
+          <a:xfrm>
+            <a:off x="2020905" y="1895337"/>
+            <a:ext cx="8147713" cy="3081242"/>
+          </a:xfrm>
+        </p:spPr>
+        <p:txBody>
+          <a:bodyPr vert="horz" lIns="91440" tIns="45720" rIns="91440" bIns="45720" rtlCol="0" anchor="ctr">
+            <a:normAutofit/>
+          </a:bodyPr>
+          <a:lstStyle/>
+          <a:p>
+            <a:pPr algn="ctr"/>
+            <a:r>
+              <a:rPr lang="en-US" sz="4800" kern="1200">
+                <a:solidFill>
+                  <a:srgbClr val="FFFFFF"/>
+                </a:solidFill>
+                <a:latin typeface="+mj-lt"/>
+                <a:ea typeface="+mj-ea"/>
+                <a:cs typeface="+mj-cs"/>
+              </a:rPr>
+              <a:t>Ďakujem za pozornosť</a:t>
+            </a:r>
           </a:p>
         </p:txBody>
       </p:sp>
